--- a/モデリング/車両/20000/20000.pptx
+++ b/モデリング/車両/20000/20000.pptx
@@ -200,7 +200,7 @@
           <a:p>
             <a:fld id="{38259FC7-5C8E-B840-9A04-4A93374CFFBA}" type="datetimeFigureOut">
               <a:rPr kumimoji="1" lang="ja-JP" altLang="en-US" smtClean="0"/>
-              <a:t>2024/10/10</a:t>
+              <a:t>2024/11/12</a:t>
             </a:fld>
             <a:endParaRPr kumimoji="1" lang="ja-JP" altLang="en-US"/>
           </a:p>
@@ -730,7 +730,7 @@
           <a:p>
             <a:fld id="{6382EF4F-E16A-E542-8C8C-D67B31D85CC9}" type="datetimeFigureOut">
               <a:rPr kumimoji="1" lang="ja-JP" altLang="en-US" smtClean="0"/>
-              <a:t>2024/10/10</a:t>
+              <a:t>2024/11/12</a:t>
             </a:fld>
             <a:endParaRPr kumimoji="1" lang="ja-JP" altLang="en-US"/>
           </a:p>
@@ -960,7 +960,7 @@
           <a:p>
             <a:fld id="{6382EF4F-E16A-E542-8C8C-D67B31D85CC9}" type="datetimeFigureOut">
               <a:rPr kumimoji="1" lang="ja-JP" altLang="en-US" smtClean="0"/>
-              <a:t>2024/10/10</a:t>
+              <a:t>2024/11/12</a:t>
             </a:fld>
             <a:endParaRPr kumimoji="1" lang="ja-JP" altLang="en-US"/>
           </a:p>
@@ -1200,7 +1200,7 @@
           <a:p>
             <a:fld id="{6382EF4F-E16A-E542-8C8C-D67B31D85CC9}" type="datetimeFigureOut">
               <a:rPr kumimoji="1" lang="ja-JP" altLang="en-US" smtClean="0"/>
-              <a:t>2024/10/10</a:t>
+              <a:t>2024/11/12</a:t>
             </a:fld>
             <a:endParaRPr kumimoji="1" lang="ja-JP" altLang="en-US"/>
           </a:p>
@@ -1430,7 +1430,7 @@
           <a:p>
             <a:fld id="{6382EF4F-E16A-E542-8C8C-D67B31D85CC9}" type="datetimeFigureOut">
               <a:rPr kumimoji="1" lang="ja-JP" altLang="en-US" smtClean="0"/>
-              <a:t>2024/10/10</a:t>
+              <a:t>2024/11/12</a:t>
             </a:fld>
             <a:endParaRPr kumimoji="1" lang="ja-JP" altLang="en-US"/>
           </a:p>
@@ -1705,7 +1705,7 @@
           <a:p>
             <a:fld id="{6382EF4F-E16A-E542-8C8C-D67B31D85CC9}" type="datetimeFigureOut">
               <a:rPr kumimoji="1" lang="ja-JP" altLang="en-US" smtClean="0"/>
-              <a:t>2024/10/10</a:t>
+              <a:t>2024/11/12</a:t>
             </a:fld>
             <a:endParaRPr kumimoji="1" lang="ja-JP" altLang="en-US"/>
           </a:p>
@@ -2034,7 +2034,7 @@
           <a:p>
             <a:fld id="{6382EF4F-E16A-E542-8C8C-D67B31D85CC9}" type="datetimeFigureOut">
               <a:rPr kumimoji="1" lang="ja-JP" altLang="en-US" smtClean="0"/>
-              <a:t>2024/10/10</a:t>
+              <a:t>2024/11/12</a:t>
             </a:fld>
             <a:endParaRPr kumimoji="1" lang="ja-JP" altLang="en-US"/>
           </a:p>
@@ -2510,7 +2510,7 @@
           <a:p>
             <a:fld id="{6382EF4F-E16A-E542-8C8C-D67B31D85CC9}" type="datetimeFigureOut">
               <a:rPr kumimoji="1" lang="ja-JP" altLang="en-US" smtClean="0"/>
-              <a:t>2024/10/10</a:t>
+              <a:t>2024/11/12</a:t>
             </a:fld>
             <a:endParaRPr kumimoji="1" lang="ja-JP" altLang="en-US"/>
           </a:p>
@@ -2651,7 +2651,7 @@
           <a:p>
             <a:fld id="{6382EF4F-E16A-E542-8C8C-D67B31D85CC9}" type="datetimeFigureOut">
               <a:rPr kumimoji="1" lang="ja-JP" altLang="en-US" smtClean="0"/>
-              <a:t>2024/10/10</a:t>
+              <a:t>2024/11/12</a:t>
             </a:fld>
             <a:endParaRPr kumimoji="1" lang="ja-JP" altLang="en-US"/>
           </a:p>
@@ -2764,7 +2764,7 @@
           <a:p>
             <a:fld id="{6382EF4F-E16A-E542-8C8C-D67B31D85CC9}" type="datetimeFigureOut">
               <a:rPr kumimoji="1" lang="ja-JP" altLang="en-US" smtClean="0"/>
-              <a:t>2024/10/10</a:t>
+              <a:t>2024/11/12</a:t>
             </a:fld>
             <a:endParaRPr kumimoji="1" lang="ja-JP" altLang="en-US"/>
           </a:p>
@@ -3107,7 +3107,7 @@
           <a:p>
             <a:fld id="{6382EF4F-E16A-E542-8C8C-D67B31D85CC9}" type="datetimeFigureOut">
               <a:rPr kumimoji="1" lang="ja-JP" altLang="en-US" smtClean="0"/>
-              <a:t>2024/10/10</a:t>
+              <a:t>2024/11/12</a:t>
             </a:fld>
             <a:endParaRPr kumimoji="1" lang="ja-JP" altLang="en-US"/>
           </a:p>
@@ -3395,7 +3395,7 @@
           <a:p>
             <a:fld id="{6382EF4F-E16A-E542-8C8C-D67B31D85CC9}" type="datetimeFigureOut">
               <a:rPr kumimoji="1" lang="ja-JP" altLang="en-US" smtClean="0"/>
-              <a:t>2024/10/10</a:t>
+              <a:t>2024/11/12</a:t>
             </a:fld>
             <a:endParaRPr kumimoji="1" lang="ja-JP" altLang="en-US"/>
           </a:p>
@@ -3668,7 +3668,7 @@
           <a:p>
             <a:fld id="{6382EF4F-E16A-E542-8C8C-D67B31D85CC9}" type="datetimeFigureOut">
               <a:rPr kumimoji="1" lang="ja-JP" altLang="en-US" smtClean="0"/>
-              <a:t>2024/10/10</a:t>
+              <a:t>2024/11/12</a:t>
             </a:fld>
             <a:endParaRPr kumimoji="1" lang="ja-JP" altLang="en-US"/>
           </a:p>
@@ -5202,7 +5202,7 @@
         </p:nvSpPr>
         <p:spPr>
           <a:xfrm>
-            <a:off x="9233562" y="4204531"/>
+            <a:off x="9028210" y="4286572"/>
             <a:ext cx="131202" cy="1352004"/>
           </a:xfrm>
           <a:prstGeom prst="roundRect">
@@ -5277,7 +5277,7 @@
         </p:blipFill>
         <p:spPr>
           <a:xfrm>
-            <a:off x="855061" y="3429000"/>
+            <a:off x="859870" y="3429433"/>
             <a:ext cx="8173862" cy="2459317"/>
           </a:xfrm>
           <a:prstGeom prst="rect">
@@ -6263,7 +6263,7 @@
             <a:avLst/>
           </a:prstGeom>
           <a:solidFill>
-            <a:srgbClr val="B1515D"/>
+            <a:srgbClr val="9B1F2E"/>
           </a:solidFill>
           <a:ln>
             <a:noFill/>
@@ -6315,7 +6315,7 @@
             <a:avLst/>
           </a:prstGeom>
           <a:solidFill>
-            <a:srgbClr val="B1515D"/>
+            <a:srgbClr val="9B1F2E"/>
           </a:solidFill>
           <a:ln>
             <a:noFill/>
@@ -8451,7 +8451,7 @@
           <a:lstStyle/>
           <a:p>
             <a:pPr algn="ctr"/>
-            <a:endParaRPr kumimoji="1" lang="ja-JP" altLang="en-US"/>
+            <a:endParaRPr kumimoji="1" lang="ja-JP" altLang="en-US" dirty="0"/>
           </a:p>
         </p:txBody>
       </p:sp>
@@ -8605,7 +8605,7 @@
             <a:avLst/>
           </a:prstGeom>
           <a:solidFill>
-            <a:srgbClr val="B1515D"/>
+            <a:srgbClr val="9B1F2E"/>
           </a:solidFill>
           <a:ln>
             <a:noFill/>
@@ -8657,7 +8657,7 @@
             <a:avLst/>
           </a:prstGeom>
           <a:solidFill>
-            <a:srgbClr val="B1515D"/>
+            <a:srgbClr val="9B1F2E"/>
           </a:solidFill>
           <a:ln>
             <a:noFill/>
@@ -8719,6 +8719,763 @@
             </a:gsLst>
             <a:lin ang="5400000" scaled="0"/>
           </a:gradFill>
+          <a:ln>
+            <a:noFill/>
+          </a:ln>
+        </p:spPr>
+        <p:style>
+          <a:lnRef idx="2">
+            <a:schemeClr val="accent1">
+              <a:shade val="15000"/>
+            </a:schemeClr>
+          </a:lnRef>
+          <a:fillRef idx="1">
+            <a:schemeClr val="accent1"/>
+          </a:fillRef>
+          <a:effectRef idx="0">
+            <a:schemeClr val="accent1"/>
+          </a:effectRef>
+          <a:fontRef idx="minor">
+            <a:schemeClr val="lt1"/>
+          </a:fontRef>
+        </p:style>
+        <p:txBody>
+          <a:bodyPr rtlCol="0" anchor="ctr"/>
+          <a:lstStyle/>
+          <a:p>
+            <a:pPr algn="ctr"/>
+            <a:endParaRPr kumimoji="1" lang="ja-JP" altLang="en-US"/>
+          </a:p>
+        </p:txBody>
+      </p:sp>
+      <p:sp>
+        <p:nvSpPr>
+          <p:cNvPr id="35" name="正方形/長方形 34">
+            <a:extLst>
+              <a:ext uri="{FF2B5EF4-FFF2-40B4-BE49-F238E27FC236}">
+                <a16:creationId xmlns:a16="http://schemas.microsoft.com/office/drawing/2014/main" id="{56BD367C-1EFB-D73D-2AFE-F5DDE80AA401}"/>
+              </a:ext>
+            </a:extLst>
+          </p:cNvPr>
+          <p:cNvSpPr/>
+          <p:nvPr/>
+        </p:nvSpPr>
+        <p:spPr>
+          <a:xfrm>
+            <a:off x="854348" y="5035011"/>
+            <a:ext cx="256773" cy="178768"/>
+          </a:xfrm>
+          <a:prstGeom prst="rect">
+            <a:avLst/>
+          </a:prstGeom>
+          <a:solidFill>
+            <a:srgbClr val="9B1F2E"/>
+          </a:solidFill>
+          <a:ln>
+            <a:noFill/>
+          </a:ln>
+        </p:spPr>
+        <p:style>
+          <a:lnRef idx="2">
+            <a:schemeClr val="accent1">
+              <a:shade val="15000"/>
+            </a:schemeClr>
+          </a:lnRef>
+          <a:fillRef idx="1">
+            <a:schemeClr val="accent1"/>
+          </a:fillRef>
+          <a:effectRef idx="0">
+            <a:schemeClr val="accent1"/>
+          </a:effectRef>
+          <a:fontRef idx="minor">
+            <a:schemeClr val="lt1"/>
+          </a:fontRef>
+        </p:style>
+        <p:txBody>
+          <a:bodyPr rtlCol="0" anchor="ctr"/>
+          <a:lstStyle/>
+          <a:p>
+            <a:pPr algn="ctr"/>
+            <a:endParaRPr kumimoji="1" lang="ja-JP" altLang="en-US"/>
+          </a:p>
+        </p:txBody>
+      </p:sp>
+      <p:sp>
+        <p:nvSpPr>
+          <p:cNvPr id="56" name="正方形/長方形 55">
+            <a:extLst>
+              <a:ext uri="{FF2B5EF4-FFF2-40B4-BE49-F238E27FC236}">
+                <a16:creationId xmlns:a16="http://schemas.microsoft.com/office/drawing/2014/main" id="{6E4E46B5-498B-E23D-D7A8-751FEDCA1C82}"/>
+              </a:ext>
+            </a:extLst>
+          </p:cNvPr>
+          <p:cNvSpPr/>
+          <p:nvPr/>
+        </p:nvSpPr>
+        <p:spPr>
+          <a:xfrm>
+            <a:off x="858745" y="5248224"/>
+            <a:ext cx="252376" cy="221174"/>
+          </a:xfrm>
+          <a:prstGeom prst="rect">
+            <a:avLst/>
+          </a:prstGeom>
+          <a:solidFill>
+            <a:srgbClr val="9B1F2E"/>
+          </a:solidFill>
+          <a:ln>
+            <a:noFill/>
+          </a:ln>
+        </p:spPr>
+        <p:style>
+          <a:lnRef idx="2">
+            <a:schemeClr val="accent1">
+              <a:shade val="15000"/>
+            </a:schemeClr>
+          </a:lnRef>
+          <a:fillRef idx="1">
+            <a:schemeClr val="accent1"/>
+          </a:fillRef>
+          <a:effectRef idx="0">
+            <a:schemeClr val="accent1"/>
+          </a:effectRef>
+          <a:fontRef idx="minor">
+            <a:schemeClr val="lt1"/>
+          </a:fontRef>
+        </p:style>
+        <p:txBody>
+          <a:bodyPr rtlCol="0" anchor="ctr"/>
+          <a:lstStyle/>
+          <a:p>
+            <a:pPr algn="ctr"/>
+            <a:endParaRPr kumimoji="1" lang="ja-JP" altLang="en-US"/>
+          </a:p>
+        </p:txBody>
+      </p:sp>
+      <p:sp>
+        <p:nvSpPr>
+          <p:cNvPr id="2052" name="正方形/長方形 2051">
+            <a:extLst>
+              <a:ext uri="{FF2B5EF4-FFF2-40B4-BE49-F238E27FC236}">
+                <a16:creationId xmlns:a16="http://schemas.microsoft.com/office/drawing/2014/main" id="{4FDA0A74-3DF0-6D0A-AB05-5F4928AC6490}"/>
+              </a:ext>
+            </a:extLst>
+          </p:cNvPr>
+          <p:cNvSpPr/>
+          <p:nvPr/>
+        </p:nvSpPr>
+        <p:spPr>
+          <a:xfrm>
+            <a:off x="1460629" y="5248224"/>
+            <a:ext cx="269521" cy="221174"/>
+          </a:xfrm>
+          <a:custGeom>
+            <a:avLst/>
+            <a:gdLst>
+              <a:gd name="connsiteX0" fmla="*/ 0 w 252376"/>
+              <a:gd name="connsiteY0" fmla="*/ 0 h 221174"/>
+              <a:gd name="connsiteX1" fmla="*/ 252376 w 252376"/>
+              <a:gd name="connsiteY1" fmla="*/ 0 h 221174"/>
+              <a:gd name="connsiteX2" fmla="*/ 252376 w 252376"/>
+              <a:gd name="connsiteY2" fmla="*/ 221174 h 221174"/>
+              <a:gd name="connsiteX3" fmla="*/ 0 w 252376"/>
+              <a:gd name="connsiteY3" fmla="*/ 221174 h 221174"/>
+              <a:gd name="connsiteX4" fmla="*/ 0 w 252376"/>
+              <a:gd name="connsiteY4" fmla="*/ 0 h 221174"/>
+              <a:gd name="connsiteX0" fmla="*/ 0 w 252376"/>
+              <a:gd name="connsiteY0" fmla="*/ 0 h 221174"/>
+              <a:gd name="connsiteX1" fmla="*/ 252376 w 252376"/>
+              <a:gd name="connsiteY1" fmla="*/ 0 h 221174"/>
+              <a:gd name="connsiteX2" fmla="*/ 210466 w 252376"/>
+              <a:gd name="connsiteY2" fmla="*/ 219269 h 221174"/>
+              <a:gd name="connsiteX3" fmla="*/ 0 w 252376"/>
+              <a:gd name="connsiteY3" fmla="*/ 221174 h 221174"/>
+              <a:gd name="connsiteX4" fmla="*/ 0 w 252376"/>
+              <a:gd name="connsiteY4" fmla="*/ 0 h 221174"/>
+              <a:gd name="connsiteX0" fmla="*/ 0 w 273331"/>
+              <a:gd name="connsiteY0" fmla="*/ 1905 h 223079"/>
+              <a:gd name="connsiteX1" fmla="*/ 273331 w 273331"/>
+              <a:gd name="connsiteY1" fmla="*/ 0 h 223079"/>
+              <a:gd name="connsiteX2" fmla="*/ 210466 w 273331"/>
+              <a:gd name="connsiteY2" fmla="*/ 221174 h 223079"/>
+              <a:gd name="connsiteX3" fmla="*/ 0 w 273331"/>
+              <a:gd name="connsiteY3" fmla="*/ 223079 h 223079"/>
+              <a:gd name="connsiteX4" fmla="*/ 0 w 273331"/>
+              <a:gd name="connsiteY4" fmla="*/ 1905 h 223079"/>
+              <a:gd name="connsiteX0" fmla="*/ 0 w 269521"/>
+              <a:gd name="connsiteY0" fmla="*/ 0 h 221174"/>
+              <a:gd name="connsiteX1" fmla="*/ 269521 w 269521"/>
+              <a:gd name="connsiteY1" fmla="*/ 0 h 221174"/>
+              <a:gd name="connsiteX2" fmla="*/ 210466 w 269521"/>
+              <a:gd name="connsiteY2" fmla="*/ 219269 h 221174"/>
+              <a:gd name="connsiteX3" fmla="*/ 0 w 269521"/>
+              <a:gd name="connsiteY3" fmla="*/ 221174 h 221174"/>
+              <a:gd name="connsiteX4" fmla="*/ 0 w 269521"/>
+              <a:gd name="connsiteY4" fmla="*/ 0 h 221174"/>
+            </a:gdLst>
+            <a:ahLst/>
+            <a:cxnLst>
+              <a:cxn ang="0">
+                <a:pos x="connsiteX0" y="connsiteY0"/>
+              </a:cxn>
+              <a:cxn ang="0">
+                <a:pos x="connsiteX1" y="connsiteY1"/>
+              </a:cxn>
+              <a:cxn ang="0">
+                <a:pos x="connsiteX2" y="connsiteY2"/>
+              </a:cxn>
+              <a:cxn ang="0">
+                <a:pos x="connsiteX3" y="connsiteY3"/>
+              </a:cxn>
+              <a:cxn ang="0">
+                <a:pos x="connsiteX4" y="connsiteY4"/>
+              </a:cxn>
+            </a:cxnLst>
+            <a:rect l="l" t="t" r="r" b="b"/>
+            <a:pathLst>
+              <a:path w="269521" h="221174">
+                <a:moveTo>
+                  <a:pt x="0" y="0"/>
+                </a:moveTo>
+                <a:lnTo>
+                  <a:pt x="269521" y="0"/>
+                </a:lnTo>
+                <a:lnTo>
+                  <a:pt x="210466" y="219269"/>
+                </a:lnTo>
+                <a:lnTo>
+                  <a:pt x="0" y="221174"/>
+                </a:lnTo>
+                <a:lnTo>
+                  <a:pt x="0" y="0"/>
+                </a:lnTo>
+                <a:close/>
+              </a:path>
+            </a:pathLst>
+          </a:custGeom>
+          <a:solidFill>
+            <a:srgbClr val="9B1F2E"/>
+          </a:solidFill>
+          <a:ln>
+            <a:noFill/>
+          </a:ln>
+        </p:spPr>
+        <p:style>
+          <a:lnRef idx="2">
+            <a:schemeClr val="accent1">
+              <a:shade val="15000"/>
+            </a:schemeClr>
+          </a:lnRef>
+          <a:fillRef idx="1">
+            <a:schemeClr val="accent1"/>
+          </a:fillRef>
+          <a:effectRef idx="0">
+            <a:schemeClr val="accent1"/>
+          </a:effectRef>
+          <a:fontRef idx="minor">
+            <a:schemeClr val="lt1"/>
+          </a:fontRef>
+        </p:style>
+        <p:txBody>
+          <a:bodyPr rtlCol="0" anchor="ctr"/>
+          <a:lstStyle/>
+          <a:p>
+            <a:pPr algn="ctr"/>
+            <a:endParaRPr kumimoji="1" lang="ja-JP" altLang="en-US"/>
+          </a:p>
+        </p:txBody>
+      </p:sp>
+      <p:sp>
+        <p:nvSpPr>
+          <p:cNvPr id="2054" name="正方形/長方形 2053">
+            <a:extLst>
+              <a:ext uri="{FF2B5EF4-FFF2-40B4-BE49-F238E27FC236}">
+                <a16:creationId xmlns:a16="http://schemas.microsoft.com/office/drawing/2014/main" id="{B0442147-E85C-45F3-7CEF-3F2C64D32E20}"/>
+              </a:ext>
+            </a:extLst>
+          </p:cNvPr>
+          <p:cNvSpPr/>
+          <p:nvPr/>
+        </p:nvSpPr>
+        <p:spPr>
+          <a:xfrm>
+            <a:off x="1460340" y="5035978"/>
+            <a:ext cx="380875" cy="178768"/>
+          </a:xfrm>
+          <a:prstGeom prst="rect">
+            <a:avLst/>
+          </a:prstGeom>
+          <a:solidFill>
+            <a:srgbClr val="9B1F2E"/>
+          </a:solidFill>
+          <a:ln>
+            <a:noFill/>
+          </a:ln>
+        </p:spPr>
+        <p:style>
+          <a:lnRef idx="2">
+            <a:schemeClr val="accent1">
+              <a:shade val="15000"/>
+            </a:schemeClr>
+          </a:lnRef>
+          <a:fillRef idx="1">
+            <a:schemeClr val="accent1"/>
+          </a:fillRef>
+          <a:effectRef idx="0">
+            <a:schemeClr val="accent1"/>
+          </a:effectRef>
+          <a:fontRef idx="minor">
+            <a:schemeClr val="lt1"/>
+          </a:fontRef>
+        </p:style>
+        <p:txBody>
+          <a:bodyPr rtlCol="0" anchor="ctr"/>
+          <a:lstStyle/>
+          <a:p>
+            <a:pPr algn="ctr"/>
+            <a:endParaRPr kumimoji="1" lang="ja-JP" altLang="en-US"/>
+          </a:p>
+        </p:txBody>
+      </p:sp>
+      <p:sp>
+        <p:nvSpPr>
+          <p:cNvPr id="2055" name="正方形/長方形 2054">
+            <a:extLst>
+              <a:ext uri="{FF2B5EF4-FFF2-40B4-BE49-F238E27FC236}">
+                <a16:creationId xmlns:a16="http://schemas.microsoft.com/office/drawing/2014/main" id="{6AC15BF1-957E-F656-DA6B-54AB4BC0EB4F}"/>
+              </a:ext>
+            </a:extLst>
+          </p:cNvPr>
+          <p:cNvSpPr/>
+          <p:nvPr/>
+        </p:nvSpPr>
+        <p:spPr>
+          <a:xfrm>
+            <a:off x="1871592" y="5035978"/>
+            <a:ext cx="281307" cy="178768"/>
+          </a:xfrm>
+          <a:prstGeom prst="rect">
+            <a:avLst/>
+          </a:prstGeom>
+          <a:solidFill>
+            <a:srgbClr val="9B1F2E"/>
+          </a:solidFill>
+          <a:ln>
+            <a:noFill/>
+          </a:ln>
+        </p:spPr>
+        <p:style>
+          <a:lnRef idx="2">
+            <a:schemeClr val="accent1">
+              <a:shade val="15000"/>
+            </a:schemeClr>
+          </a:lnRef>
+          <a:fillRef idx="1">
+            <a:schemeClr val="accent1"/>
+          </a:fillRef>
+          <a:effectRef idx="0">
+            <a:schemeClr val="accent1"/>
+          </a:effectRef>
+          <a:fontRef idx="minor">
+            <a:schemeClr val="lt1"/>
+          </a:fontRef>
+        </p:style>
+        <p:txBody>
+          <a:bodyPr rtlCol="0" anchor="ctr"/>
+          <a:lstStyle/>
+          <a:p>
+            <a:pPr algn="ctr"/>
+            <a:endParaRPr kumimoji="1" lang="ja-JP" altLang="en-US"/>
+          </a:p>
+        </p:txBody>
+      </p:sp>
+      <p:sp>
+        <p:nvSpPr>
+          <p:cNvPr id="2056" name="正方形/長方形 2055">
+            <a:extLst>
+              <a:ext uri="{FF2B5EF4-FFF2-40B4-BE49-F238E27FC236}">
+                <a16:creationId xmlns:a16="http://schemas.microsoft.com/office/drawing/2014/main" id="{F7EB05A6-9D66-EA53-9B02-E919AF5024BB}"/>
+              </a:ext>
+            </a:extLst>
+          </p:cNvPr>
+          <p:cNvSpPr/>
+          <p:nvPr/>
+        </p:nvSpPr>
+        <p:spPr>
+          <a:xfrm>
+            <a:off x="2181964" y="5035978"/>
+            <a:ext cx="279401" cy="177800"/>
+          </a:xfrm>
+          <a:prstGeom prst="rect">
+            <a:avLst/>
+          </a:prstGeom>
+          <a:solidFill>
+            <a:srgbClr val="9B1F2E"/>
+          </a:solidFill>
+          <a:ln>
+            <a:noFill/>
+          </a:ln>
+        </p:spPr>
+        <p:style>
+          <a:lnRef idx="2">
+            <a:schemeClr val="accent1">
+              <a:shade val="15000"/>
+            </a:schemeClr>
+          </a:lnRef>
+          <a:fillRef idx="1">
+            <a:schemeClr val="accent1"/>
+          </a:fillRef>
+          <a:effectRef idx="0">
+            <a:schemeClr val="accent1"/>
+          </a:effectRef>
+          <a:fontRef idx="minor">
+            <a:schemeClr val="lt1"/>
+          </a:fontRef>
+        </p:style>
+        <p:txBody>
+          <a:bodyPr rtlCol="0" anchor="ctr"/>
+          <a:lstStyle/>
+          <a:p>
+            <a:pPr algn="ctr"/>
+            <a:endParaRPr kumimoji="1" lang="ja-JP" altLang="en-US"/>
+          </a:p>
+        </p:txBody>
+      </p:sp>
+      <p:sp>
+        <p:nvSpPr>
+          <p:cNvPr id="2057" name="正方形/長方形 2056">
+            <a:extLst>
+              <a:ext uri="{FF2B5EF4-FFF2-40B4-BE49-F238E27FC236}">
+                <a16:creationId xmlns:a16="http://schemas.microsoft.com/office/drawing/2014/main" id="{5B7A9810-0833-B43B-1775-1E16BBB0032C}"/>
+              </a:ext>
+            </a:extLst>
+          </p:cNvPr>
+          <p:cNvSpPr/>
+          <p:nvPr/>
+        </p:nvSpPr>
+        <p:spPr>
+          <a:xfrm>
+            <a:off x="2505624" y="5034390"/>
+            <a:ext cx="2218998" cy="177800"/>
+          </a:xfrm>
+          <a:prstGeom prst="rect">
+            <a:avLst/>
+          </a:prstGeom>
+          <a:solidFill>
+            <a:srgbClr val="9B1F2E"/>
+          </a:solidFill>
+          <a:ln>
+            <a:noFill/>
+          </a:ln>
+        </p:spPr>
+        <p:style>
+          <a:lnRef idx="2">
+            <a:schemeClr val="accent1">
+              <a:shade val="15000"/>
+            </a:schemeClr>
+          </a:lnRef>
+          <a:fillRef idx="1">
+            <a:schemeClr val="accent1"/>
+          </a:fillRef>
+          <a:effectRef idx="0">
+            <a:schemeClr val="accent1"/>
+          </a:effectRef>
+          <a:fontRef idx="minor">
+            <a:schemeClr val="lt1"/>
+          </a:fontRef>
+        </p:style>
+        <p:txBody>
+          <a:bodyPr rtlCol="0" anchor="ctr"/>
+          <a:lstStyle/>
+          <a:p>
+            <a:pPr algn="ctr"/>
+            <a:endParaRPr kumimoji="1" lang="ja-JP" altLang="en-US"/>
+          </a:p>
+        </p:txBody>
+      </p:sp>
+      <p:sp>
+        <p:nvSpPr>
+          <p:cNvPr id="2058" name="正方形/長方形 2057">
+            <a:extLst>
+              <a:ext uri="{FF2B5EF4-FFF2-40B4-BE49-F238E27FC236}">
+                <a16:creationId xmlns:a16="http://schemas.microsoft.com/office/drawing/2014/main" id="{5B3D21E8-A683-D4EE-CB55-DB9BBD4EE19F}"/>
+              </a:ext>
+            </a:extLst>
+          </p:cNvPr>
+          <p:cNvSpPr/>
+          <p:nvPr/>
+        </p:nvSpPr>
+        <p:spPr>
+          <a:xfrm>
+            <a:off x="4755000" y="5034390"/>
+            <a:ext cx="292079" cy="177800"/>
+          </a:xfrm>
+          <a:prstGeom prst="rect">
+            <a:avLst/>
+          </a:prstGeom>
+          <a:solidFill>
+            <a:srgbClr val="9B1F2E"/>
+          </a:solidFill>
+          <a:ln>
+            <a:noFill/>
+          </a:ln>
+        </p:spPr>
+        <p:style>
+          <a:lnRef idx="2">
+            <a:schemeClr val="accent1">
+              <a:shade val="15000"/>
+            </a:schemeClr>
+          </a:lnRef>
+          <a:fillRef idx="1">
+            <a:schemeClr val="accent1"/>
+          </a:fillRef>
+          <a:effectRef idx="0">
+            <a:schemeClr val="accent1"/>
+          </a:effectRef>
+          <a:fontRef idx="minor">
+            <a:schemeClr val="lt1"/>
+          </a:fontRef>
+        </p:style>
+        <p:txBody>
+          <a:bodyPr rtlCol="0" anchor="ctr"/>
+          <a:lstStyle/>
+          <a:p>
+            <a:pPr algn="ctr"/>
+            <a:endParaRPr kumimoji="1" lang="ja-JP" altLang="en-US"/>
+          </a:p>
+        </p:txBody>
+      </p:sp>
+      <p:sp>
+        <p:nvSpPr>
+          <p:cNvPr id="2059" name="正方形/長方形 2058">
+            <a:extLst>
+              <a:ext uri="{FF2B5EF4-FFF2-40B4-BE49-F238E27FC236}">
+                <a16:creationId xmlns:a16="http://schemas.microsoft.com/office/drawing/2014/main" id="{3E06B429-7A31-33F7-7CD3-FA197D1047F9}"/>
+              </a:ext>
+            </a:extLst>
+          </p:cNvPr>
+          <p:cNvSpPr/>
+          <p:nvPr/>
+        </p:nvSpPr>
+        <p:spPr>
+          <a:xfrm>
+            <a:off x="5063845" y="5035978"/>
+            <a:ext cx="292079" cy="177800"/>
+          </a:xfrm>
+          <a:prstGeom prst="rect">
+            <a:avLst/>
+          </a:prstGeom>
+          <a:solidFill>
+            <a:srgbClr val="9B1F2E"/>
+          </a:solidFill>
+          <a:ln>
+            <a:noFill/>
+          </a:ln>
+        </p:spPr>
+        <p:style>
+          <a:lnRef idx="2">
+            <a:schemeClr val="accent1">
+              <a:shade val="15000"/>
+            </a:schemeClr>
+          </a:lnRef>
+          <a:fillRef idx="1">
+            <a:schemeClr val="accent1"/>
+          </a:fillRef>
+          <a:effectRef idx="0">
+            <a:schemeClr val="accent1"/>
+          </a:effectRef>
+          <a:fontRef idx="minor">
+            <a:schemeClr val="lt1"/>
+          </a:fontRef>
+        </p:style>
+        <p:txBody>
+          <a:bodyPr rtlCol="0" anchor="ctr"/>
+          <a:lstStyle/>
+          <a:p>
+            <a:pPr algn="ctr"/>
+            <a:endParaRPr kumimoji="1" lang="ja-JP" altLang="en-US"/>
+          </a:p>
+        </p:txBody>
+      </p:sp>
+      <p:sp>
+        <p:nvSpPr>
+          <p:cNvPr id="2060" name="正方形/長方形 2059">
+            <a:extLst>
+              <a:ext uri="{FF2B5EF4-FFF2-40B4-BE49-F238E27FC236}">
+                <a16:creationId xmlns:a16="http://schemas.microsoft.com/office/drawing/2014/main" id="{CCEAF2F3-9AA2-674C-1D02-76B8B9440F52}"/>
+              </a:ext>
+            </a:extLst>
+          </p:cNvPr>
+          <p:cNvSpPr/>
+          <p:nvPr/>
+        </p:nvSpPr>
+        <p:spPr>
+          <a:xfrm>
+            <a:off x="5386730" y="5034390"/>
+            <a:ext cx="2174791" cy="177800"/>
+          </a:xfrm>
+          <a:prstGeom prst="rect">
+            <a:avLst/>
+          </a:prstGeom>
+          <a:solidFill>
+            <a:srgbClr val="9B1F2E"/>
+          </a:solidFill>
+          <a:ln>
+            <a:noFill/>
+          </a:ln>
+        </p:spPr>
+        <p:style>
+          <a:lnRef idx="2">
+            <a:schemeClr val="accent1">
+              <a:shade val="15000"/>
+            </a:schemeClr>
+          </a:lnRef>
+          <a:fillRef idx="1">
+            <a:schemeClr val="accent1"/>
+          </a:fillRef>
+          <a:effectRef idx="0">
+            <a:schemeClr val="accent1"/>
+          </a:effectRef>
+          <a:fontRef idx="minor">
+            <a:schemeClr val="lt1"/>
+          </a:fontRef>
+        </p:style>
+        <p:txBody>
+          <a:bodyPr rtlCol="0" anchor="ctr"/>
+          <a:lstStyle/>
+          <a:p>
+            <a:pPr algn="ctr"/>
+            <a:endParaRPr kumimoji="1" lang="ja-JP" altLang="en-US"/>
+          </a:p>
+        </p:txBody>
+      </p:sp>
+      <p:sp>
+        <p:nvSpPr>
+          <p:cNvPr id="2061" name="正方形/長方形 2060">
+            <a:extLst>
+              <a:ext uri="{FF2B5EF4-FFF2-40B4-BE49-F238E27FC236}">
+                <a16:creationId xmlns:a16="http://schemas.microsoft.com/office/drawing/2014/main" id="{FA4E77C2-91B8-F533-A707-BD4A9AF3C03B}"/>
+              </a:ext>
+            </a:extLst>
+          </p:cNvPr>
+          <p:cNvSpPr/>
+          <p:nvPr/>
+        </p:nvSpPr>
+        <p:spPr>
+          <a:xfrm>
+            <a:off x="7582211" y="5029283"/>
+            <a:ext cx="292079" cy="186349"/>
+          </a:xfrm>
+          <a:prstGeom prst="rect">
+            <a:avLst/>
+          </a:prstGeom>
+          <a:solidFill>
+            <a:srgbClr val="9B1F2E"/>
+          </a:solidFill>
+          <a:ln>
+            <a:noFill/>
+          </a:ln>
+        </p:spPr>
+        <p:style>
+          <a:lnRef idx="2">
+            <a:schemeClr val="accent1">
+              <a:shade val="15000"/>
+            </a:schemeClr>
+          </a:lnRef>
+          <a:fillRef idx="1">
+            <a:schemeClr val="accent1"/>
+          </a:fillRef>
+          <a:effectRef idx="0">
+            <a:schemeClr val="accent1"/>
+          </a:effectRef>
+          <a:fontRef idx="minor">
+            <a:schemeClr val="lt1"/>
+          </a:fontRef>
+        </p:style>
+        <p:txBody>
+          <a:bodyPr rtlCol="0" anchor="ctr"/>
+          <a:lstStyle/>
+          <a:p>
+            <a:pPr algn="ctr"/>
+            <a:endParaRPr kumimoji="1" lang="ja-JP" altLang="en-US"/>
+          </a:p>
+        </p:txBody>
+      </p:sp>
+      <p:sp>
+        <p:nvSpPr>
+          <p:cNvPr id="2062" name="正方形/長方形 2061">
+            <a:extLst>
+              <a:ext uri="{FF2B5EF4-FFF2-40B4-BE49-F238E27FC236}">
+                <a16:creationId xmlns:a16="http://schemas.microsoft.com/office/drawing/2014/main" id="{A5CEFDCD-2BA2-6A12-4576-D82506260F32}"/>
+              </a:ext>
+            </a:extLst>
+          </p:cNvPr>
+          <p:cNvSpPr/>
+          <p:nvPr/>
+        </p:nvSpPr>
+        <p:spPr>
+          <a:xfrm>
+            <a:off x="7900234" y="5032195"/>
+            <a:ext cx="292079" cy="186349"/>
+          </a:xfrm>
+          <a:prstGeom prst="rect">
+            <a:avLst/>
+          </a:prstGeom>
+          <a:solidFill>
+            <a:srgbClr val="9B1F2E"/>
+          </a:solidFill>
+          <a:ln>
+            <a:noFill/>
+          </a:ln>
+        </p:spPr>
+        <p:style>
+          <a:lnRef idx="2">
+            <a:schemeClr val="accent1">
+              <a:shade val="15000"/>
+            </a:schemeClr>
+          </a:lnRef>
+          <a:fillRef idx="1">
+            <a:schemeClr val="accent1"/>
+          </a:fillRef>
+          <a:effectRef idx="0">
+            <a:schemeClr val="accent1"/>
+          </a:effectRef>
+          <a:fontRef idx="minor">
+            <a:schemeClr val="lt1"/>
+          </a:fontRef>
+        </p:style>
+        <p:txBody>
+          <a:bodyPr rtlCol="0" anchor="ctr"/>
+          <a:lstStyle/>
+          <a:p>
+            <a:pPr algn="ctr"/>
+            <a:endParaRPr kumimoji="1" lang="ja-JP" altLang="en-US"/>
+          </a:p>
+        </p:txBody>
+      </p:sp>
+      <p:sp>
+        <p:nvSpPr>
+          <p:cNvPr id="2063" name="正方形/長方形 2062">
+            <a:extLst>
+              <a:ext uri="{FF2B5EF4-FFF2-40B4-BE49-F238E27FC236}">
+                <a16:creationId xmlns:a16="http://schemas.microsoft.com/office/drawing/2014/main" id="{6EA7069C-1BFD-73CF-C8F2-FDEED80492FA}"/>
+              </a:ext>
+            </a:extLst>
+          </p:cNvPr>
+          <p:cNvSpPr/>
+          <p:nvPr/>
+        </p:nvSpPr>
+        <p:spPr>
+          <a:xfrm>
+            <a:off x="8220062" y="5032195"/>
+            <a:ext cx="813670" cy="179995"/>
+          </a:xfrm>
+          <a:prstGeom prst="rect">
+            <a:avLst/>
+          </a:prstGeom>
+          <a:solidFill>
+            <a:srgbClr val="9B1F2E"/>
+          </a:solidFill>
           <a:ln>
             <a:noFill/>
           </a:ln>
@@ -8792,7 +9549,7 @@
         </p:nvSpPr>
         <p:spPr>
           <a:xfrm>
-            <a:off x="997982" y="2328472"/>
+            <a:off x="1497930" y="1936253"/>
             <a:ext cx="3401873" cy="3496737"/>
           </a:xfrm>
           <a:prstGeom prst="rect">
@@ -8852,7 +9609,7 @@
         </p:blipFill>
         <p:spPr>
           <a:xfrm>
-            <a:off x="997982" y="2421417"/>
+            <a:off x="1497930" y="2029198"/>
             <a:ext cx="3401873" cy="3401873"/>
           </a:xfrm>
           <a:prstGeom prst="rect">
@@ -9162,12 +9919,78 @@
           </a:p>
         </p:txBody>
       </p:sp>
+      <p:sp>
+        <p:nvSpPr>
+          <p:cNvPr id="13" name="正方形/長方形 12">
+            <a:extLst>
+              <a:ext uri="{FF2B5EF4-FFF2-40B4-BE49-F238E27FC236}">
+                <a16:creationId xmlns:a16="http://schemas.microsoft.com/office/drawing/2014/main" id="{9D901B90-9621-FC4F-77AF-5F90FCBE7BFB}"/>
+              </a:ext>
+            </a:extLst>
+          </p:cNvPr>
+          <p:cNvSpPr/>
+          <p:nvPr/>
+        </p:nvSpPr>
+        <p:spPr>
+          <a:xfrm>
+            <a:off x="4907202" y="2027277"/>
+            <a:ext cx="3394474" cy="3401873"/>
+          </a:xfrm>
+          <a:prstGeom prst="rect">
+            <a:avLst/>
+          </a:prstGeom>
+          <a:gradFill>
+            <a:gsLst>
+              <a:gs pos="2000">
+                <a:srgbClr val="B7B4AF"/>
+              </a:gs>
+              <a:gs pos="9000">
+                <a:srgbClr val="E2DFDC"/>
+              </a:gs>
+              <a:gs pos="4000">
+                <a:srgbClr val="FFFCF7"/>
+              </a:gs>
+              <a:gs pos="100000">
+                <a:srgbClr val="C0C0C0"/>
+              </a:gs>
+            </a:gsLst>
+            <a:lin ang="5400000" scaled="0"/>
+          </a:gradFill>
+          <a:ln>
+            <a:noFill/>
+          </a:ln>
+        </p:spPr>
+        <p:style>
+          <a:lnRef idx="2">
+            <a:schemeClr val="accent1">
+              <a:shade val="15000"/>
+            </a:schemeClr>
+          </a:lnRef>
+          <a:fillRef idx="1">
+            <a:schemeClr val="accent1"/>
+          </a:fillRef>
+          <a:effectRef idx="0">
+            <a:schemeClr val="accent1"/>
+          </a:effectRef>
+          <a:fontRef idx="minor">
+            <a:schemeClr val="lt1"/>
+          </a:fontRef>
+        </p:style>
+        <p:txBody>
+          <a:bodyPr rtlCol="0" anchor="ctr"/>
+          <a:lstStyle/>
+          <a:p>
+            <a:pPr algn="ctr"/>
+            <a:endParaRPr kumimoji="1" lang="ja-JP" altLang="en-US" dirty="0"/>
+          </a:p>
+        </p:txBody>
+      </p:sp>
       <p:pic>
         <p:nvPicPr>
-          <p:cNvPr id="3" name="図 2">
-            <a:extLst>
-              <a:ext uri="{FF2B5EF4-FFF2-40B4-BE49-F238E27FC236}">
-                <a16:creationId xmlns:a16="http://schemas.microsoft.com/office/drawing/2014/main" id="{C0B7A2FC-0E8D-3938-3BC1-4CF087776682}"/>
+          <p:cNvPr id="11" name="図 10">
+            <a:extLst>
+              <a:ext uri="{FF2B5EF4-FFF2-40B4-BE49-F238E27FC236}">
+                <a16:creationId xmlns:a16="http://schemas.microsoft.com/office/drawing/2014/main" id="{6CC4BFF7-D720-7598-8E61-AE1859FCAF03}"/>
               </a:ext>
             </a:extLst>
           </p:cNvPr>
@@ -9178,14 +10001,3391 @@
         </p:nvPicPr>
         <p:blipFill>
           <a:blip r:embed="rId3"/>
+          <a:srcRect r="88742"/>
+          <a:stretch/>
+        </p:blipFill>
+        <p:spPr>
+          <a:xfrm>
+            <a:off x="8626376" y="2118666"/>
+            <a:ext cx="947692" cy="3303171"/>
+          </a:xfrm>
+          <a:prstGeom prst="rect">
+            <a:avLst/>
+          </a:prstGeom>
+        </p:spPr>
+      </p:pic>
+      <p:sp>
+        <p:nvSpPr>
+          <p:cNvPr id="14" name="正方形/長方形 13">
+            <a:extLst>
+              <a:ext uri="{FF2B5EF4-FFF2-40B4-BE49-F238E27FC236}">
+                <a16:creationId xmlns:a16="http://schemas.microsoft.com/office/drawing/2014/main" id="{5F222180-3A2D-1540-445F-B6E30BC60199}"/>
+              </a:ext>
+            </a:extLst>
+          </p:cNvPr>
+          <p:cNvSpPr/>
+          <p:nvPr/>
+        </p:nvSpPr>
+        <p:spPr>
+          <a:xfrm>
+            <a:off x="4899803" y="4505608"/>
+            <a:ext cx="3409271" cy="275943"/>
+          </a:xfrm>
+          <a:prstGeom prst="rect">
+            <a:avLst/>
+          </a:prstGeom>
+          <a:solidFill>
+            <a:srgbClr val="9B1F2E"/>
+          </a:solidFill>
+          <a:ln>
+            <a:noFill/>
+          </a:ln>
+        </p:spPr>
+        <p:style>
+          <a:lnRef idx="2">
+            <a:schemeClr val="accent1">
+              <a:shade val="15000"/>
+            </a:schemeClr>
+          </a:lnRef>
+          <a:fillRef idx="1">
+            <a:schemeClr val="accent1"/>
+          </a:fillRef>
+          <a:effectRef idx="0">
+            <a:schemeClr val="accent1"/>
+          </a:effectRef>
+          <a:fontRef idx="minor">
+            <a:schemeClr val="lt1"/>
+          </a:fontRef>
+        </p:style>
+        <p:txBody>
+          <a:bodyPr rtlCol="0" anchor="ctr"/>
+          <a:lstStyle/>
+          <a:p>
+            <a:pPr algn="ctr"/>
+            <a:endParaRPr kumimoji="1" lang="ja-JP" altLang="en-US"/>
+          </a:p>
+        </p:txBody>
+      </p:sp>
+      <p:sp>
+        <p:nvSpPr>
+          <p:cNvPr id="15" name="正方形/長方形 14">
+            <a:extLst>
+              <a:ext uri="{FF2B5EF4-FFF2-40B4-BE49-F238E27FC236}">
+                <a16:creationId xmlns:a16="http://schemas.microsoft.com/office/drawing/2014/main" id="{A41C8335-0E0C-D370-F965-A0FD4DEEEE72}"/>
+              </a:ext>
+            </a:extLst>
+          </p:cNvPr>
+          <p:cNvSpPr/>
+          <p:nvPr/>
+        </p:nvSpPr>
+        <p:spPr>
+          <a:xfrm>
+            <a:off x="4892405" y="4246058"/>
+            <a:ext cx="3409271" cy="223072"/>
+          </a:xfrm>
+          <a:prstGeom prst="rect">
+            <a:avLst/>
+          </a:prstGeom>
+          <a:gradFill>
+            <a:gsLst>
+              <a:gs pos="88000">
+                <a:srgbClr val="9B1F2E"/>
+              </a:gs>
+              <a:gs pos="6000">
+                <a:srgbClr val="9B1F2E"/>
+              </a:gs>
+            </a:gsLst>
+            <a:lin ang="0" scaled="0"/>
+          </a:gradFill>
+          <a:ln>
+            <a:noFill/>
+          </a:ln>
+        </p:spPr>
+        <p:style>
+          <a:lnRef idx="2">
+            <a:schemeClr val="accent1">
+              <a:shade val="15000"/>
+            </a:schemeClr>
+          </a:lnRef>
+          <a:fillRef idx="1">
+            <a:schemeClr val="accent1"/>
+          </a:fillRef>
+          <a:effectRef idx="0">
+            <a:schemeClr val="accent1"/>
+          </a:effectRef>
+          <a:fontRef idx="minor">
+            <a:schemeClr val="lt1"/>
+          </a:fontRef>
+        </p:style>
+        <p:txBody>
+          <a:bodyPr rtlCol="0" anchor="ctr"/>
+          <a:lstStyle/>
+          <a:p>
+            <a:pPr algn="ctr"/>
+            <a:endParaRPr kumimoji="1" lang="ja-JP" altLang="en-US"/>
+          </a:p>
+        </p:txBody>
+      </p:sp>
+      <p:pic>
+        <p:nvPicPr>
+          <p:cNvPr id="3" name="図 2">
+            <a:extLst>
+              <a:ext uri="{FF2B5EF4-FFF2-40B4-BE49-F238E27FC236}">
+                <a16:creationId xmlns:a16="http://schemas.microsoft.com/office/drawing/2014/main" id="{C0B7A2FC-0E8D-3938-3BC1-4CF087776682}"/>
+              </a:ext>
+            </a:extLst>
+          </p:cNvPr>
+          <p:cNvPicPr>
+            <a:picLocks noChangeAspect="1"/>
+          </p:cNvPicPr>
+          <p:nvPr/>
+        </p:nvPicPr>
+        <p:blipFill>
+          <a:blip r:embed="rId4"/>
+          <a:srcRect b="86159"/>
+          <a:stretch/>
+        </p:blipFill>
+        <p:spPr>
+          <a:xfrm>
+            <a:off x="4899803" y="1932505"/>
+            <a:ext cx="3403600" cy="485164"/>
+          </a:xfrm>
+          <a:prstGeom prst="rect">
+            <a:avLst/>
+          </a:prstGeom>
+        </p:spPr>
+      </p:pic>
+      <p:sp>
+        <p:nvSpPr>
+          <p:cNvPr id="18" name="四角形: 角を丸くする 17">
+            <a:extLst>
+              <a:ext uri="{FF2B5EF4-FFF2-40B4-BE49-F238E27FC236}">
+                <a16:creationId xmlns:a16="http://schemas.microsoft.com/office/drawing/2014/main" id="{13D8CBCD-1A80-4BDC-B4BF-21FB0EBAB47B}"/>
+              </a:ext>
+            </a:extLst>
+          </p:cNvPr>
+          <p:cNvSpPr/>
+          <p:nvPr/>
+        </p:nvSpPr>
+        <p:spPr>
+          <a:xfrm>
+            <a:off x="5060861" y="2178835"/>
+            <a:ext cx="1008835" cy="3000375"/>
+          </a:xfrm>
+          <a:custGeom>
+            <a:avLst/>
+            <a:gdLst>
+              <a:gd name="connsiteX0" fmla="*/ 0 w 990600"/>
+              <a:gd name="connsiteY0" fmla="*/ 165103 h 1150620"/>
+              <a:gd name="connsiteX1" fmla="*/ 165103 w 990600"/>
+              <a:gd name="connsiteY1" fmla="*/ 0 h 1150620"/>
+              <a:gd name="connsiteX2" fmla="*/ 825497 w 990600"/>
+              <a:gd name="connsiteY2" fmla="*/ 0 h 1150620"/>
+              <a:gd name="connsiteX3" fmla="*/ 990600 w 990600"/>
+              <a:gd name="connsiteY3" fmla="*/ 165103 h 1150620"/>
+              <a:gd name="connsiteX4" fmla="*/ 990600 w 990600"/>
+              <a:gd name="connsiteY4" fmla="*/ 985517 h 1150620"/>
+              <a:gd name="connsiteX5" fmla="*/ 825497 w 990600"/>
+              <a:gd name="connsiteY5" fmla="*/ 1150620 h 1150620"/>
+              <a:gd name="connsiteX6" fmla="*/ 165103 w 990600"/>
+              <a:gd name="connsiteY6" fmla="*/ 1150620 h 1150620"/>
+              <a:gd name="connsiteX7" fmla="*/ 0 w 990600"/>
+              <a:gd name="connsiteY7" fmla="*/ 985517 h 1150620"/>
+              <a:gd name="connsiteX8" fmla="*/ 0 w 990600"/>
+              <a:gd name="connsiteY8" fmla="*/ 165103 h 1150620"/>
+              <a:gd name="connsiteX0" fmla="*/ 0 w 998220"/>
+              <a:gd name="connsiteY0" fmla="*/ 47890 h 1174377"/>
+              <a:gd name="connsiteX1" fmla="*/ 172723 w 998220"/>
+              <a:gd name="connsiteY1" fmla="*/ 23757 h 1174377"/>
+              <a:gd name="connsiteX2" fmla="*/ 833117 w 998220"/>
+              <a:gd name="connsiteY2" fmla="*/ 23757 h 1174377"/>
+              <a:gd name="connsiteX3" fmla="*/ 998220 w 998220"/>
+              <a:gd name="connsiteY3" fmla="*/ 188860 h 1174377"/>
+              <a:gd name="connsiteX4" fmla="*/ 998220 w 998220"/>
+              <a:gd name="connsiteY4" fmla="*/ 1009274 h 1174377"/>
+              <a:gd name="connsiteX5" fmla="*/ 833117 w 998220"/>
+              <a:gd name="connsiteY5" fmla="*/ 1174377 h 1174377"/>
+              <a:gd name="connsiteX6" fmla="*/ 172723 w 998220"/>
+              <a:gd name="connsiteY6" fmla="*/ 1174377 h 1174377"/>
+              <a:gd name="connsiteX7" fmla="*/ 7620 w 998220"/>
+              <a:gd name="connsiteY7" fmla="*/ 1009274 h 1174377"/>
+              <a:gd name="connsiteX8" fmla="*/ 0 w 998220"/>
+              <a:gd name="connsiteY8" fmla="*/ 47890 h 1174377"/>
+              <a:gd name="connsiteX0" fmla="*/ 0 w 998220"/>
+              <a:gd name="connsiteY0" fmla="*/ 245113 h 1371600"/>
+              <a:gd name="connsiteX1" fmla="*/ 184153 w 998220"/>
+              <a:gd name="connsiteY1" fmla="*/ 0 h 1371600"/>
+              <a:gd name="connsiteX2" fmla="*/ 833117 w 998220"/>
+              <a:gd name="connsiteY2" fmla="*/ 220980 h 1371600"/>
+              <a:gd name="connsiteX3" fmla="*/ 998220 w 998220"/>
+              <a:gd name="connsiteY3" fmla="*/ 386083 h 1371600"/>
+              <a:gd name="connsiteX4" fmla="*/ 998220 w 998220"/>
+              <a:gd name="connsiteY4" fmla="*/ 1206497 h 1371600"/>
+              <a:gd name="connsiteX5" fmla="*/ 833117 w 998220"/>
+              <a:gd name="connsiteY5" fmla="*/ 1371600 h 1371600"/>
+              <a:gd name="connsiteX6" fmla="*/ 172723 w 998220"/>
+              <a:gd name="connsiteY6" fmla="*/ 1371600 h 1371600"/>
+              <a:gd name="connsiteX7" fmla="*/ 7620 w 998220"/>
+              <a:gd name="connsiteY7" fmla="*/ 1206497 h 1371600"/>
+              <a:gd name="connsiteX8" fmla="*/ 0 w 998220"/>
+              <a:gd name="connsiteY8" fmla="*/ 245113 h 1371600"/>
+              <a:gd name="connsiteX0" fmla="*/ 0 w 1015017"/>
+              <a:gd name="connsiteY0" fmla="*/ 332743 h 1459230"/>
+              <a:gd name="connsiteX1" fmla="*/ 184153 w 1015017"/>
+              <a:gd name="connsiteY1" fmla="*/ 87630 h 1459230"/>
+              <a:gd name="connsiteX2" fmla="*/ 962657 w 1015017"/>
+              <a:gd name="connsiteY2" fmla="*/ 0 h 1459230"/>
+              <a:gd name="connsiteX3" fmla="*/ 998220 w 1015017"/>
+              <a:gd name="connsiteY3" fmla="*/ 473713 h 1459230"/>
+              <a:gd name="connsiteX4" fmla="*/ 998220 w 1015017"/>
+              <a:gd name="connsiteY4" fmla="*/ 1294127 h 1459230"/>
+              <a:gd name="connsiteX5" fmla="*/ 833117 w 1015017"/>
+              <a:gd name="connsiteY5" fmla="*/ 1459230 h 1459230"/>
+              <a:gd name="connsiteX6" fmla="*/ 172723 w 1015017"/>
+              <a:gd name="connsiteY6" fmla="*/ 1459230 h 1459230"/>
+              <a:gd name="connsiteX7" fmla="*/ 7620 w 1015017"/>
+              <a:gd name="connsiteY7" fmla="*/ 1294127 h 1459230"/>
+              <a:gd name="connsiteX8" fmla="*/ 0 w 1015017"/>
+              <a:gd name="connsiteY8" fmla="*/ 332743 h 1459230"/>
+              <a:gd name="connsiteX0" fmla="*/ 0 w 1015017"/>
+              <a:gd name="connsiteY0" fmla="*/ 332743 h 1459230"/>
+              <a:gd name="connsiteX1" fmla="*/ 178438 w 1015017"/>
+              <a:gd name="connsiteY1" fmla="*/ 70485 h 1459230"/>
+              <a:gd name="connsiteX2" fmla="*/ 962657 w 1015017"/>
+              <a:gd name="connsiteY2" fmla="*/ 0 h 1459230"/>
+              <a:gd name="connsiteX3" fmla="*/ 998220 w 1015017"/>
+              <a:gd name="connsiteY3" fmla="*/ 473713 h 1459230"/>
+              <a:gd name="connsiteX4" fmla="*/ 998220 w 1015017"/>
+              <a:gd name="connsiteY4" fmla="*/ 1294127 h 1459230"/>
+              <a:gd name="connsiteX5" fmla="*/ 833117 w 1015017"/>
+              <a:gd name="connsiteY5" fmla="*/ 1459230 h 1459230"/>
+              <a:gd name="connsiteX6" fmla="*/ 172723 w 1015017"/>
+              <a:gd name="connsiteY6" fmla="*/ 1459230 h 1459230"/>
+              <a:gd name="connsiteX7" fmla="*/ 7620 w 1015017"/>
+              <a:gd name="connsiteY7" fmla="*/ 1294127 h 1459230"/>
+              <a:gd name="connsiteX8" fmla="*/ 0 w 1015017"/>
+              <a:gd name="connsiteY8" fmla="*/ 332743 h 1459230"/>
+              <a:gd name="connsiteX0" fmla="*/ 0 w 1015841"/>
+              <a:gd name="connsiteY0" fmla="*/ 332743 h 1459230"/>
+              <a:gd name="connsiteX1" fmla="*/ 178438 w 1015841"/>
+              <a:gd name="connsiteY1" fmla="*/ 70485 h 1459230"/>
+              <a:gd name="connsiteX2" fmla="*/ 962657 w 1015841"/>
+              <a:gd name="connsiteY2" fmla="*/ 0 h 1459230"/>
+              <a:gd name="connsiteX3" fmla="*/ 1000125 w 1015841"/>
+              <a:gd name="connsiteY3" fmla="*/ 128908 h 1459230"/>
+              <a:gd name="connsiteX4" fmla="*/ 998220 w 1015841"/>
+              <a:gd name="connsiteY4" fmla="*/ 1294127 h 1459230"/>
+              <a:gd name="connsiteX5" fmla="*/ 833117 w 1015841"/>
+              <a:gd name="connsiteY5" fmla="*/ 1459230 h 1459230"/>
+              <a:gd name="connsiteX6" fmla="*/ 172723 w 1015841"/>
+              <a:gd name="connsiteY6" fmla="*/ 1459230 h 1459230"/>
+              <a:gd name="connsiteX7" fmla="*/ 7620 w 1015841"/>
+              <a:gd name="connsiteY7" fmla="*/ 1294127 h 1459230"/>
+              <a:gd name="connsiteX8" fmla="*/ 0 w 1015841"/>
+              <a:gd name="connsiteY8" fmla="*/ 332743 h 1459230"/>
+              <a:gd name="connsiteX0" fmla="*/ 0 w 1006592"/>
+              <a:gd name="connsiteY0" fmla="*/ 332743 h 1459230"/>
+              <a:gd name="connsiteX1" fmla="*/ 178438 w 1006592"/>
+              <a:gd name="connsiteY1" fmla="*/ 70485 h 1459230"/>
+              <a:gd name="connsiteX2" fmla="*/ 943607 w 1006592"/>
+              <a:gd name="connsiteY2" fmla="*/ 0 h 1459230"/>
+              <a:gd name="connsiteX3" fmla="*/ 1000125 w 1006592"/>
+              <a:gd name="connsiteY3" fmla="*/ 128908 h 1459230"/>
+              <a:gd name="connsiteX4" fmla="*/ 998220 w 1006592"/>
+              <a:gd name="connsiteY4" fmla="*/ 1294127 h 1459230"/>
+              <a:gd name="connsiteX5" fmla="*/ 833117 w 1006592"/>
+              <a:gd name="connsiteY5" fmla="*/ 1459230 h 1459230"/>
+              <a:gd name="connsiteX6" fmla="*/ 172723 w 1006592"/>
+              <a:gd name="connsiteY6" fmla="*/ 1459230 h 1459230"/>
+              <a:gd name="connsiteX7" fmla="*/ 7620 w 1006592"/>
+              <a:gd name="connsiteY7" fmla="*/ 1294127 h 1459230"/>
+              <a:gd name="connsiteX8" fmla="*/ 0 w 1006592"/>
+              <a:gd name="connsiteY8" fmla="*/ 332743 h 1459230"/>
+              <a:gd name="connsiteX0" fmla="*/ 0 w 1003318"/>
+              <a:gd name="connsiteY0" fmla="*/ 332743 h 1459230"/>
+              <a:gd name="connsiteX1" fmla="*/ 178438 w 1003318"/>
+              <a:gd name="connsiteY1" fmla="*/ 70485 h 1459230"/>
+              <a:gd name="connsiteX2" fmla="*/ 943607 w 1003318"/>
+              <a:gd name="connsiteY2" fmla="*/ 0 h 1459230"/>
+              <a:gd name="connsiteX3" fmla="*/ 994410 w 1003318"/>
+              <a:gd name="connsiteY3" fmla="*/ 178438 h 1459230"/>
+              <a:gd name="connsiteX4" fmla="*/ 998220 w 1003318"/>
+              <a:gd name="connsiteY4" fmla="*/ 1294127 h 1459230"/>
+              <a:gd name="connsiteX5" fmla="*/ 833117 w 1003318"/>
+              <a:gd name="connsiteY5" fmla="*/ 1459230 h 1459230"/>
+              <a:gd name="connsiteX6" fmla="*/ 172723 w 1003318"/>
+              <a:gd name="connsiteY6" fmla="*/ 1459230 h 1459230"/>
+              <a:gd name="connsiteX7" fmla="*/ 7620 w 1003318"/>
+              <a:gd name="connsiteY7" fmla="*/ 1294127 h 1459230"/>
+              <a:gd name="connsiteX8" fmla="*/ 0 w 1003318"/>
+              <a:gd name="connsiteY8" fmla="*/ 332743 h 1459230"/>
+              <a:gd name="connsiteX0" fmla="*/ 0 w 998220"/>
+              <a:gd name="connsiteY0" fmla="*/ 332743 h 1459230"/>
+              <a:gd name="connsiteX1" fmla="*/ 178438 w 998220"/>
+              <a:gd name="connsiteY1" fmla="*/ 70485 h 1459230"/>
+              <a:gd name="connsiteX2" fmla="*/ 943607 w 998220"/>
+              <a:gd name="connsiteY2" fmla="*/ 0 h 1459230"/>
+              <a:gd name="connsiteX3" fmla="*/ 882015 w 998220"/>
+              <a:gd name="connsiteY3" fmla="*/ 207013 h 1459230"/>
+              <a:gd name="connsiteX4" fmla="*/ 998220 w 998220"/>
+              <a:gd name="connsiteY4" fmla="*/ 1294127 h 1459230"/>
+              <a:gd name="connsiteX5" fmla="*/ 833117 w 998220"/>
+              <a:gd name="connsiteY5" fmla="*/ 1459230 h 1459230"/>
+              <a:gd name="connsiteX6" fmla="*/ 172723 w 998220"/>
+              <a:gd name="connsiteY6" fmla="*/ 1459230 h 1459230"/>
+              <a:gd name="connsiteX7" fmla="*/ 7620 w 998220"/>
+              <a:gd name="connsiteY7" fmla="*/ 1294127 h 1459230"/>
+              <a:gd name="connsiteX8" fmla="*/ 0 w 998220"/>
+              <a:gd name="connsiteY8" fmla="*/ 332743 h 1459230"/>
+              <a:gd name="connsiteX0" fmla="*/ 0 w 998220"/>
+              <a:gd name="connsiteY0" fmla="*/ 323218 h 1449705"/>
+              <a:gd name="connsiteX1" fmla="*/ 178438 w 998220"/>
+              <a:gd name="connsiteY1" fmla="*/ 60960 h 1449705"/>
+              <a:gd name="connsiteX2" fmla="*/ 924557 w 998220"/>
+              <a:gd name="connsiteY2" fmla="*/ 0 h 1449705"/>
+              <a:gd name="connsiteX3" fmla="*/ 882015 w 998220"/>
+              <a:gd name="connsiteY3" fmla="*/ 197488 h 1449705"/>
+              <a:gd name="connsiteX4" fmla="*/ 998220 w 998220"/>
+              <a:gd name="connsiteY4" fmla="*/ 1284602 h 1449705"/>
+              <a:gd name="connsiteX5" fmla="*/ 833117 w 998220"/>
+              <a:gd name="connsiteY5" fmla="*/ 1449705 h 1449705"/>
+              <a:gd name="connsiteX6" fmla="*/ 172723 w 998220"/>
+              <a:gd name="connsiteY6" fmla="*/ 1449705 h 1449705"/>
+              <a:gd name="connsiteX7" fmla="*/ 7620 w 998220"/>
+              <a:gd name="connsiteY7" fmla="*/ 1284602 h 1449705"/>
+              <a:gd name="connsiteX8" fmla="*/ 0 w 998220"/>
+              <a:gd name="connsiteY8" fmla="*/ 323218 h 1449705"/>
+              <a:gd name="connsiteX0" fmla="*/ 0 w 998220"/>
+              <a:gd name="connsiteY0" fmla="*/ 323218 h 1449705"/>
+              <a:gd name="connsiteX1" fmla="*/ 178438 w 998220"/>
+              <a:gd name="connsiteY1" fmla="*/ 60960 h 1449705"/>
+              <a:gd name="connsiteX2" fmla="*/ 924557 w 998220"/>
+              <a:gd name="connsiteY2" fmla="*/ 0 h 1449705"/>
+              <a:gd name="connsiteX3" fmla="*/ 986790 w 998220"/>
+              <a:gd name="connsiteY3" fmla="*/ 132718 h 1449705"/>
+              <a:gd name="connsiteX4" fmla="*/ 998220 w 998220"/>
+              <a:gd name="connsiteY4" fmla="*/ 1284602 h 1449705"/>
+              <a:gd name="connsiteX5" fmla="*/ 833117 w 998220"/>
+              <a:gd name="connsiteY5" fmla="*/ 1449705 h 1449705"/>
+              <a:gd name="connsiteX6" fmla="*/ 172723 w 998220"/>
+              <a:gd name="connsiteY6" fmla="*/ 1449705 h 1449705"/>
+              <a:gd name="connsiteX7" fmla="*/ 7620 w 998220"/>
+              <a:gd name="connsiteY7" fmla="*/ 1284602 h 1449705"/>
+              <a:gd name="connsiteX8" fmla="*/ 0 w 998220"/>
+              <a:gd name="connsiteY8" fmla="*/ 323218 h 1449705"/>
+              <a:gd name="connsiteX0" fmla="*/ 0 w 998220"/>
+              <a:gd name="connsiteY0" fmla="*/ 323218 h 1449705"/>
+              <a:gd name="connsiteX1" fmla="*/ 178438 w 998220"/>
+              <a:gd name="connsiteY1" fmla="*/ 60960 h 1449705"/>
+              <a:gd name="connsiteX2" fmla="*/ 924557 w 998220"/>
+              <a:gd name="connsiteY2" fmla="*/ 0 h 1449705"/>
+              <a:gd name="connsiteX3" fmla="*/ 994410 w 998220"/>
+              <a:gd name="connsiteY3" fmla="*/ 130813 h 1449705"/>
+              <a:gd name="connsiteX4" fmla="*/ 998220 w 998220"/>
+              <a:gd name="connsiteY4" fmla="*/ 1284602 h 1449705"/>
+              <a:gd name="connsiteX5" fmla="*/ 833117 w 998220"/>
+              <a:gd name="connsiteY5" fmla="*/ 1449705 h 1449705"/>
+              <a:gd name="connsiteX6" fmla="*/ 172723 w 998220"/>
+              <a:gd name="connsiteY6" fmla="*/ 1449705 h 1449705"/>
+              <a:gd name="connsiteX7" fmla="*/ 7620 w 998220"/>
+              <a:gd name="connsiteY7" fmla="*/ 1284602 h 1449705"/>
+              <a:gd name="connsiteX8" fmla="*/ 0 w 998220"/>
+              <a:gd name="connsiteY8" fmla="*/ 323218 h 1449705"/>
+              <a:gd name="connsiteX0" fmla="*/ 0 w 998220"/>
+              <a:gd name="connsiteY0" fmla="*/ 323218 h 2973705"/>
+              <a:gd name="connsiteX1" fmla="*/ 178438 w 998220"/>
+              <a:gd name="connsiteY1" fmla="*/ 60960 h 2973705"/>
+              <a:gd name="connsiteX2" fmla="*/ 924557 w 998220"/>
+              <a:gd name="connsiteY2" fmla="*/ 0 h 2973705"/>
+              <a:gd name="connsiteX3" fmla="*/ 994410 w 998220"/>
+              <a:gd name="connsiteY3" fmla="*/ 130813 h 2973705"/>
+              <a:gd name="connsiteX4" fmla="*/ 998220 w 998220"/>
+              <a:gd name="connsiteY4" fmla="*/ 1284602 h 2973705"/>
+              <a:gd name="connsiteX5" fmla="*/ 833117 w 998220"/>
+              <a:gd name="connsiteY5" fmla="*/ 1449705 h 2973705"/>
+              <a:gd name="connsiteX6" fmla="*/ 177803 w 998220"/>
+              <a:gd name="connsiteY6" fmla="*/ 2973705 h 2973705"/>
+              <a:gd name="connsiteX7" fmla="*/ 7620 w 998220"/>
+              <a:gd name="connsiteY7" fmla="*/ 1284602 h 2973705"/>
+              <a:gd name="connsiteX8" fmla="*/ 0 w 998220"/>
+              <a:gd name="connsiteY8" fmla="*/ 323218 h 2973705"/>
+              <a:gd name="connsiteX0" fmla="*/ 0 w 998220"/>
+              <a:gd name="connsiteY0" fmla="*/ 323218 h 2995058"/>
+              <a:gd name="connsiteX1" fmla="*/ 178438 w 998220"/>
+              <a:gd name="connsiteY1" fmla="*/ 60960 h 2995058"/>
+              <a:gd name="connsiteX2" fmla="*/ 924557 w 998220"/>
+              <a:gd name="connsiteY2" fmla="*/ 0 h 2995058"/>
+              <a:gd name="connsiteX3" fmla="*/ 994410 w 998220"/>
+              <a:gd name="connsiteY3" fmla="*/ 130813 h 2995058"/>
+              <a:gd name="connsiteX4" fmla="*/ 998220 w 998220"/>
+              <a:gd name="connsiteY4" fmla="*/ 1284602 h 2995058"/>
+              <a:gd name="connsiteX5" fmla="*/ 833117 w 998220"/>
+              <a:gd name="connsiteY5" fmla="*/ 1449705 h 2995058"/>
+              <a:gd name="connsiteX6" fmla="*/ 177803 w 998220"/>
+              <a:gd name="connsiteY6" fmla="*/ 2973705 h 2995058"/>
+              <a:gd name="connsiteX7" fmla="*/ 7620 w 998220"/>
+              <a:gd name="connsiteY7" fmla="*/ 2945762 h 2995058"/>
+              <a:gd name="connsiteX8" fmla="*/ 0 w 998220"/>
+              <a:gd name="connsiteY8" fmla="*/ 323218 h 2995058"/>
+              <a:gd name="connsiteX0" fmla="*/ 5715 w 1003935"/>
+              <a:gd name="connsiteY0" fmla="*/ 323218 h 2999942"/>
+              <a:gd name="connsiteX1" fmla="*/ 184153 w 1003935"/>
+              <a:gd name="connsiteY1" fmla="*/ 60960 h 2999942"/>
+              <a:gd name="connsiteX2" fmla="*/ 930272 w 1003935"/>
+              <a:gd name="connsiteY2" fmla="*/ 0 h 2999942"/>
+              <a:gd name="connsiteX3" fmla="*/ 1000125 w 1003935"/>
+              <a:gd name="connsiteY3" fmla="*/ 130813 h 2999942"/>
+              <a:gd name="connsiteX4" fmla="*/ 1003935 w 1003935"/>
+              <a:gd name="connsiteY4" fmla="*/ 1284602 h 2999942"/>
+              <a:gd name="connsiteX5" fmla="*/ 838832 w 1003935"/>
+              <a:gd name="connsiteY5" fmla="*/ 1449705 h 2999942"/>
+              <a:gd name="connsiteX6" fmla="*/ 183518 w 1003935"/>
+              <a:gd name="connsiteY6" fmla="*/ 2973705 h 2999942"/>
+              <a:gd name="connsiteX7" fmla="*/ 0 w 1003935"/>
+              <a:gd name="connsiteY7" fmla="*/ 2953382 h 2999942"/>
+              <a:gd name="connsiteX8" fmla="*/ 5715 w 1003935"/>
+              <a:gd name="connsiteY8" fmla="*/ 323218 h 2999942"/>
+              <a:gd name="connsiteX0" fmla="*/ 5715 w 1003935"/>
+              <a:gd name="connsiteY0" fmla="*/ 323218 h 3011080"/>
+              <a:gd name="connsiteX1" fmla="*/ 184153 w 1003935"/>
+              <a:gd name="connsiteY1" fmla="*/ 60960 h 3011080"/>
+              <a:gd name="connsiteX2" fmla="*/ 930272 w 1003935"/>
+              <a:gd name="connsiteY2" fmla="*/ 0 h 3011080"/>
+              <a:gd name="connsiteX3" fmla="*/ 1000125 w 1003935"/>
+              <a:gd name="connsiteY3" fmla="*/ 130813 h 3011080"/>
+              <a:gd name="connsiteX4" fmla="*/ 1003935 w 1003935"/>
+              <a:gd name="connsiteY4" fmla="*/ 1284602 h 3011080"/>
+              <a:gd name="connsiteX5" fmla="*/ 838832 w 1003935"/>
+              <a:gd name="connsiteY5" fmla="*/ 1449705 h 3011080"/>
+              <a:gd name="connsiteX6" fmla="*/ 183518 w 1003935"/>
+              <a:gd name="connsiteY6" fmla="*/ 3000375 h 3011080"/>
+              <a:gd name="connsiteX7" fmla="*/ 0 w 1003935"/>
+              <a:gd name="connsiteY7" fmla="*/ 2953382 h 3011080"/>
+              <a:gd name="connsiteX8" fmla="*/ 5715 w 1003935"/>
+              <a:gd name="connsiteY8" fmla="*/ 323218 h 3011080"/>
+              <a:gd name="connsiteX0" fmla="*/ 9525 w 1007745"/>
+              <a:gd name="connsiteY0" fmla="*/ 323218 h 3000380"/>
+              <a:gd name="connsiteX1" fmla="*/ 187963 w 1007745"/>
+              <a:gd name="connsiteY1" fmla="*/ 60960 h 3000380"/>
+              <a:gd name="connsiteX2" fmla="*/ 934082 w 1007745"/>
+              <a:gd name="connsiteY2" fmla="*/ 0 h 3000380"/>
+              <a:gd name="connsiteX3" fmla="*/ 1003935 w 1007745"/>
+              <a:gd name="connsiteY3" fmla="*/ 130813 h 3000380"/>
+              <a:gd name="connsiteX4" fmla="*/ 1007745 w 1007745"/>
+              <a:gd name="connsiteY4" fmla="*/ 1284602 h 3000380"/>
+              <a:gd name="connsiteX5" fmla="*/ 842642 w 1007745"/>
+              <a:gd name="connsiteY5" fmla="*/ 1449705 h 3000380"/>
+              <a:gd name="connsiteX6" fmla="*/ 187328 w 1007745"/>
+              <a:gd name="connsiteY6" fmla="*/ 3000375 h 3000380"/>
+              <a:gd name="connsiteX7" fmla="*/ 0 w 1007745"/>
+              <a:gd name="connsiteY7" fmla="*/ 2911472 h 3000380"/>
+              <a:gd name="connsiteX8" fmla="*/ 9525 w 1007745"/>
+              <a:gd name="connsiteY8" fmla="*/ 323218 h 3000380"/>
+              <a:gd name="connsiteX0" fmla="*/ 9525 w 1026021"/>
+              <a:gd name="connsiteY0" fmla="*/ 323218 h 3000380"/>
+              <a:gd name="connsiteX1" fmla="*/ 187963 w 1026021"/>
+              <a:gd name="connsiteY1" fmla="*/ 60960 h 3000380"/>
+              <a:gd name="connsiteX2" fmla="*/ 934082 w 1026021"/>
+              <a:gd name="connsiteY2" fmla="*/ 0 h 3000380"/>
+              <a:gd name="connsiteX3" fmla="*/ 1003935 w 1026021"/>
+              <a:gd name="connsiteY3" fmla="*/ 130813 h 3000380"/>
+              <a:gd name="connsiteX4" fmla="*/ 1007745 w 1026021"/>
+              <a:gd name="connsiteY4" fmla="*/ 1284602 h 3000380"/>
+              <a:gd name="connsiteX5" fmla="*/ 974722 w 1026021"/>
+              <a:gd name="connsiteY5" fmla="*/ 2994025 h 3000380"/>
+              <a:gd name="connsiteX6" fmla="*/ 187328 w 1026021"/>
+              <a:gd name="connsiteY6" fmla="*/ 3000375 h 3000380"/>
+              <a:gd name="connsiteX7" fmla="*/ 0 w 1026021"/>
+              <a:gd name="connsiteY7" fmla="*/ 2911472 h 3000380"/>
+              <a:gd name="connsiteX8" fmla="*/ 9525 w 1026021"/>
+              <a:gd name="connsiteY8" fmla="*/ 323218 h 3000380"/>
+              <a:gd name="connsiteX0" fmla="*/ 9525 w 1030530"/>
+              <a:gd name="connsiteY0" fmla="*/ 323218 h 3000380"/>
+              <a:gd name="connsiteX1" fmla="*/ 187963 w 1030530"/>
+              <a:gd name="connsiteY1" fmla="*/ 60960 h 3000380"/>
+              <a:gd name="connsiteX2" fmla="*/ 934082 w 1030530"/>
+              <a:gd name="connsiteY2" fmla="*/ 0 h 3000380"/>
+              <a:gd name="connsiteX3" fmla="*/ 1003935 w 1030530"/>
+              <a:gd name="connsiteY3" fmla="*/ 130813 h 3000380"/>
+              <a:gd name="connsiteX4" fmla="*/ 1017905 w 1030530"/>
+              <a:gd name="connsiteY4" fmla="*/ 2889882 h 3000380"/>
+              <a:gd name="connsiteX5" fmla="*/ 974722 w 1030530"/>
+              <a:gd name="connsiteY5" fmla="*/ 2994025 h 3000380"/>
+              <a:gd name="connsiteX6" fmla="*/ 187328 w 1030530"/>
+              <a:gd name="connsiteY6" fmla="*/ 3000375 h 3000380"/>
+              <a:gd name="connsiteX7" fmla="*/ 0 w 1030530"/>
+              <a:gd name="connsiteY7" fmla="*/ 2911472 h 3000380"/>
+              <a:gd name="connsiteX8" fmla="*/ 9525 w 1030530"/>
+              <a:gd name="connsiteY8" fmla="*/ 323218 h 3000380"/>
+              <a:gd name="connsiteX0" fmla="*/ 9525 w 1017905"/>
+              <a:gd name="connsiteY0" fmla="*/ 323218 h 3000380"/>
+              <a:gd name="connsiteX1" fmla="*/ 187963 w 1017905"/>
+              <a:gd name="connsiteY1" fmla="*/ 60960 h 3000380"/>
+              <a:gd name="connsiteX2" fmla="*/ 934082 w 1017905"/>
+              <a:gd name="connsiteY2" fmla="*/ 0 h 3000380"/>
+              <a:gd name="connsiteX3" fmla="*/ 1003935 w 1017905"/>
+              <a:gd name="connsiteY3" fmla="*/ 130813 h 3000380"/>
+              <a:gd name="connsiteX4" fmla="*/ 1017905 w 1017905"/>
+              <a:gd name="connsiteY4" fmla="*/ 2889882 h 3000380"/>
+              <a:gd name="connsiteX5" fmla="*/ 909952 w 1017905"/>
+              <a:gd name="connsiteY5" fmla="*/ 2997835 h 3000380"/>
+              <a:gd name="connsiteX6" fmla="*/ 187328 w 1017905"/>
+              <a:gd name="connsiteY6" fmla="*/ 3000375 h 3000380"/>
+              <a:gd name="connsiteX7" fmla="*/ 0 w 1017905"/>
+              <a:gd name="connsiteY7" fmla="*/ 2911472 h 3000380"/>
+              <a:gd name="connsiteX8" fmla="*/ 9525 w 1017905"/>
+              <a:gd name="connsiteY8" fmla="*/ 323218 h 3000380"/>
+              <a:gd name="connsiteX0" fmla="*/ 9525 w 1006102"/>
+              <a:gd name="connsiteY0" fmla="*/ 323218 h 3000380"/>
+              <a:gd name="connsiteX1" fmla="*/ 187963 w 1006102"/>
+              <a:gd name="connsiteY1" fmla="*/ 60960 h 3000380"/>
+              <a:gd name="connsiteX2" fmla="*/ 934082 w 1006102"/>
+              <a:gd name="connsiteY2" fmla="*/ 0 h 3000380"/>
+              <a:gd name="connsiteX3" fmla="*/ 1003935 w 1006102"/>
+              <a:gd name="connsiteY3" fmla="*/ 130813 h 3000380"/>
+              <a:gd name="connsiteX4" fmla="*/ 995045 w 1006102"/>
+              <a:gd name="connsiteY4" fmla="*/ 2889882 h 3000380"/>
+              <a:gd name="connsiteX5" fmla="*/ 909952 w 1006102"/>
+              <a:gd name="connsiteY5" fmla="*/ 2997835 h 3000380"/>
+              <a:gd name="connsiteX6" fmla="*/ 187328 w 1006102"/>
+              <a:gd name="connsiteY6" fmla="*/ 3000375 h 3000380"/>
+              <a:gd name="connsiteX7" fmla="*/ 0 w 1006102"/>
+              <a:gd name="connsiteY7" fmla="*/ 2911472 h 3000380"/>
+              <a:gd name="connsiteX8" fmla="*/ 9525 w 1006102"/>
+              <a:gd name="connsiteY8" fmla="*/ 323218 h 3000380"/>
+              <a:gd name="connsiteX0" fmla="*/ 9525 w 1006102"/>
+              <a:gd name="connsiteY0" fmla="*/ 323218 h 3000380"/>
+              <a:gd name="connsiteX1" fmla="*/ 187963 w 1006102"/>
+              <a:gd name="connsiteY1" fmla="*/ 60960 h 3000380"/>
+              <a:gd name="connsiteX2" fmla="*/ 934082 w 1006102"/>
+              <a:gd name="connsiteY2" fmla="*/ 0 h 3000380"/>
+              <a:gd name="connsiteX3" fmla="*/ 1003935 w 1006102"/>
+              <a:gd name="connsiteY3" fmla="*/ 144148 h 3000380"/>
+              <a:gd name="connsiteX4" fmla="*/ 995045 w 1006102"/>
+              <a:gd name="connsiteY4" fmla="*/ 2889882 h 3000380"/>
+              <a:gd name="connsiteX5" fmla="*/ 909952 w 1006102"/>
+              <a:gd name="connsiteY5" fmla="*/ 2997835 h 3000380"/>
+              <a:gd name="connsiteX6" fmla="*/ 187328 w 1006102"/>
+              <a:gd name="connsiteY6" fmla="*/ 3000375 h 3000380"/>
+              <a:gd name="connsiteX7" fmla="*/ 0 w 1006102"/>
+              <a:gd name="connsiteY7" fmla="*/ 2911472 h 3000380"/>
+              <a:gd name="connsiteX8" fmla="*/ 9525 w 1006102"/>
+              <a:gd name="connsiteY8" fmla="*/ 323218 h 3000380"/>
+              <a:gd name="connsiteX0" fmla="*/ 9525 w 1006102"/>
+              <a:gd name="connsiteY0" fmla="*/ 323218 h 3004741"/>
+              <a:gd name="connsiteX1" fmla="*/ 187963 w 1006102"/>
+              <a:gd name="connsiteY1" fmla="*/ 60960 h 3004741"/>
+              <a:gd name="connsiteX2" fmla="*/ 934082 w 1006102"/>
+              <a:gd name="connsiteY2" fmla="*/ 0 h 3004741"/>
+              <a:gd name="connsiteX3" fmla="*/ 1003935 w 1006102"/>
+              <a:gd name="connsiteY3" fmla="*/ 144148 h 3004741"/>
+              <a:gd name="connsiteX4" fmla="*/ 995045 w 1006102"/>
+              <a:gd name="connsiteY4" fmla="*/ 2889882 h 3004741"/>
+              <a:gd name="connsiteX5" fmla="*/ 909952 w 1006102"/>
+              <a:gd name="connsiteY5" fmla="*/ 2997835 h 3004741"/>
+              <a:gd name="connsiteX6" fmla="*/ 187328 w 1006102"/>
+              <a:gd name="connsiteY6" fmla="*/ 3000375 h 3004741"/>
+              <a:gd name="connsiteX7" fmla="*/ 0 w 1006102"/>
+              <a:gd name="connsiteY7" fmla="*/ 2938142 h 3004741"/>
+              <a:gd name="connsiteX8" fmla="*/ 9525 w 1006102"/>
+              <a:gd name="connsiteY8" fmla="*/ 323218 h 3004741"/>
+              <a:gd name="connsiteX0" fmla="*/ 10346 w 1006923"/>
+              <a:gd name="connsiteY0" fmla="*/ 323218 h 3004741"/>
+              <a:gd name="connsiteX1" fmla="*/ 188784 w 1006923"/>
+              <a:gd name="connsiteY1" fmla="*/ 60960 h 3004741"/>
+              <a:gd name="connsiteX2" fmla="*/ 934903 w 1006923"/>
+              <a:gd name="connsiteY2" fmla="*/ 0 h 3004741"/>
+              <a:gd name="connsiteX3" fmla="*/ 1004756 w 1006923"/>
+              <a:gd name="connsiteY3" fmla="*/ 144148 h 3004741"/>
+              <a:gd name="connsiteX4" fmla="*/ 995866 w 1006923"/>
+              <a:gd name="connsiteY4" fmla="*/ 2889882 h 3004741"/>
+              <a:gd name="connsiteX5" fmla="*/ 910773 w 1006923"/>
+              <a:gd name="connsiteY5" fmla="*/ 2997835 h 3004741"/>
+              <a:gd name="connsiteX6" fmla="*/ 77659 w 1006923"/>
+              <a:gd name="connsiteY6" fmla="*/ 3000375 h 3004741"/>
+              <a:gd name="connsiteX7" fmla="*/ 821 w 1006923"/>
+              <a:gd name="connsiteY7" fmla="*/ 2938142 h 3004741"/>
+              <a:gd name="connsiteX8" fmla="*/ 10346 w 1006923"/>
+              <a:gd name="connsiteY8" fmla="*/ 323218 h 3004741"/>
+              <a:gd name="connsiteX0" fmla="*/ 9525 w 1006102"/>
+              <a:gd name="connsiteY0" fmla="*/ 323218 h 3003085"/>
+              <a:gd name="connsiteX1" fmla="*/ 187963 w 1006102"/>
+              <a:gd name="connsiteY1" fmla="*/ 60960 h 3003085"/>
+              <a:gd name="connsiteX2" fmla="*/ 934082 w 1006102"/>
+              <a:gd name="connsiteY2" fmla="*/ 0 h 3003085"/>
+              <a:gd name="connsiteX3" fmla="*/ 1003935 w 1006102"/>
+              <a:gd name="connsiteY3" fmla="*/ 144148 h 3003085"/>
+              <a:gd name="connsiteX4" fmla="*/ 995045 w 1006102"/>
+              <a:gd name="connsiteY4" fmla="*/ 2889882 h 3003085"/>
+              <a:gd name="connsiteX5" fmla="*/ 909952 w 1006102"/>
+              <a:gd name="connsiteY5" fmla="*/ 2997835 h 3003085"/>
+              <a:gd name="connsiteX6" fmla="*/ 76838 w 1006102"/>
+              <a:gd name="connsiteY6" fmla="*/ 3000375 h 3003085"/>
+              <a:gd name="connsiteX7" fmla="*/ 0 w 1006102"/>
+              <a:gd name="connsiteY7" fmla="*/ 2938142 h 3003085"/>
+              <a:gd name="connsiteX8" fmla="*/ 9525 w 1006102"/>
+              <a:gd name="connsiteY8" fmla="*/ 323218 h 3003085"/>
+              <a:gd name="connsiteX0" fmla="*/ 11430 w 1008007"/>
+              <a:gd name="connsiteY0" fmla="*/ 323218 h 3014804"/>
+              <a:gd name="connsiteX1" fmla="*/ 189868 w 1008007"/>
+              <a:gd name="connsiteY1" fmla="*/ 60960 h 3014804"/>
+              <a:gd name="connsiteX2" fmla="*/ 935987 w 1008007"/>
+              <a:gd name="connsiteY2" fmla="*/ 0 h 3014804"/>
+              <a:gd name="connsiteX3" fmla="*/ 1005840 w 1008007"/>
+              <a:gd name="connsiteY3" fmla="*/ 144148 h 3014804"/>
+              <a:gd name="connsiteX4" fmla="*/ 996950 w 1008007"/>
+              <a:gd name="connsiteY4" fmla="*/ 2889882 h 3014804"/>
+              <a:gd name="connsiteX5" fmla="*/ 911857 w 1008007"/>
+              <a:gd name="connsiteY5" fmla="*/ 2997835 h 3014804"/>
+              <a:gd name="connsiteX6" fmla="*/ 78743 w 1008007"/>
+              <a:gd name="connsiteY6" fmla="*/ 3000375 h 3014804"/>
+              <a:gd name="connsiteX7" fmla="*/ 0 w 1008007"/>
+              <a:gd name="connsiteY7" fmla="*/ 2962907 h 3014804"/>
+              <a:gd name="connsiteX8" fmla="*/ 11430 w 1008007"/>
+              <a:gd name="connsiteY8" fmla="*/ 323218 h 3014804"/>
+              <a:gd name="connsiteX0" fmla="*/ 11430 w 1008007"/>
+              <a:gd name="connsiteY0" fmla="*/ 323218 h 3003168"/>
+              <a:gd name="connsiteX1" fmla="*/ 189868 w 1008007"/>
+              <a:gd name="connsiteY1" fmla="*/ 60960 h 3003168"/>
+              <a:gd name="connsiteX2" fmla="*/ 935987 w 1008007"/>
+              <a:gd name="connsiteY2" fmla="*/ 0 h 3003168"/>
+              <a:gd name="connsiteX3" fmla="*/ 1005840 w 1008007"/>
+              <a:gd name="connsiteY3" fmla="*/ 144148 h 3003168"/>
+              <a:gd name="connsiteX4" fmla="*/ 996950 w 1008007"/>
+              <a:gd name="connsiteY4" fmla="*/ 2889882 h 3003168"/>
+              <a:gd name="connsiteX5" fmla="*/ 911857 w 1008007"/>
+              <a:gd name="connsiteY5" fmla="*/ 2997835 h 3003168"/>
+              <a:gd name="connsiteX6" fmla="*/ 78743 w 1008007"/>
+              <a:gd name="connsiteY6" fmla="*/ 3000375 h 3003168"/>
+              <a:gd name="connsiteX7" fmla="*/ 0 w 1008007"/>
+              <a:gd name="connsiteY7" fmla="*/ 2962907 h 3003168"/>
+              <a:gd name="connsiteX8" fmla="*/ 11430 w 1008007"/>
+              <a:gd name="connsiteY8" fmla="*/ 323218 h 3003168"/>
+              <a:gd name="connsiteX0" fmla="*/ 11738 w 1008315"/>
+              <a:gd name="connsiteY0" fmla="*/ 323218 h 3000375"/>
+              <a:gd name="connsiteX1" fmla="*/ 190176 w 1008315"/>
+              <a:gd name="connsiteY1" fmla="*/ 60960 h 3000375"/>
+              <a:gd name="connsiteX2" fmla="*/ 936295 w 1008315"/>
+              <a:gd name="connsiteY2" fmla="*/ 0 h 3000375"/>
+              <a:gd name="connsiteX3" fmla="*/ 1006148 w 1008315"/>
+              <a:gd name="connsiteY3" fmla="*/ 144148 h 3000375"/>
+              <a:gd name="connsiteX4" fmla="*/ 997258 w 1008315"/>
+              <a:gd name="connsiteY4" fmla="*/ 2889882 h 3000375"/>
+              <a:gd name="connsiteX5" fmla="*/ 912165 w 1008315"/>
+              <a:gd name="connsiteY5" fmla="*/ 2997835 h 3000375"/>
+              <a:gd name="connsiteX6" fmla="*/ 79051 w 1008315"/>
+              <a:gd name="connsiteY6" fmla="*/ 3000375 h 3000375"/>
+              <a:gd name="connsiteX7" fmla="*/ 308 w 1008315"/>
+              <a:gd name="connsiteY7" fmla="*/ 2962907 h 3000375"/>
+              <a:gd name="connsiteX8" fmla="*/ 11738 w 1008315"/>
+              <a:gd name="connsiteY8" fmla="*/ 323218 h 3000375"/>
+              <a:gd name="connsiteX0" fmla="*/ 12258 w 1008835"/>
+              <a:gd name="connsiteY0" fmla="*/ 323218 h 3000375"/>
+              <a:gd name="connsiteX1" fmla="*/ 190696 w 1008835"/>
+              <a:gd name="connsiteY1" fmla="*/ 60960 h 3000375"/>
+              <a:gd name="connsiteX2" fmla="*/ 936815 w 1008835"/>
+              <a:gd name="connsiteY2" fmla="*/ 0 h 3000375"/>
+              <a:gd name="connsiteX3" fmla="*/ 1006668 w 1008835"/>
+              <a:gd name="connsiteY3" fmla="*/ 144148 h 3000375"/>
+              <a:gd name="connsiteX4" fmla="*/ 997778 w 1008835"/>
+              <a:gd name="connsiteY4" fmla="*/ 2889882 h 3000375"/>
+              <a:gd name="connsiteX5" fmla="*/ 912685 w 1008835"/>
+              <a:gd name="connsiteY5" fmla="*/ 2997835 h 3000375"/>
+              <a:gd name="connsiteX6" fmla="*/ 79571 w 1008835"/>
+              <a:gd name="connsiteY6" fmla="*/ 3000375 h 3000375"/>
+              <a:gd name="connsiteX7" fmla="*/ 828 w 1008835"/>
+              <a:gd name="connsiteY7" fmla="*/ 2962907 h 3000375"/>
+              <a:gd name="connsiteX8" fmla="*/ 12258 w 1008835"/>
+              <a:gd name="connsiteY8" fmla="*/ 323218 h 3000375"/>
+              <a:gd name="connsiteX0" fmla="*/ 12258 w 1008835"/>
+              <a:gd name="connsiteY0" fmla="*/ 323218 h 3000375"/>
+              <a:gd name="connsiteX1" fmla="*/ 190696 w 1008835"/>
+              <a:gd name="connsiteY1" fmla="*/ 76200 h 3000375"/>
+              <a:gd name="connsiteX2" fmla="*/ 936815 w 1008835"/>
+              <a:gd name="connsiteY2" fmla="*/ 0 h 3000375"/>
+              <a:gd name="connsiteX3" fmla="*/ 1006668 w 1008835"/>
+              <a:gd name="connsiteY3" fmla="*/ 144148 h 3000375"/>
+              <a:gd name="connsiteX4" fmla="*/ 997778 w 1008835"/>
+              <a:gd name="connsiteY4" fmla="*/ 2889882 h 3000375"/>
+              <a:gd name="connsiteX5" fmla="*/ 912685 w 1008835"/>
+              <a:gd name="connsiteY5" fmla="*/ 2997835 h 3000375"/>
+              <a:gd name="connsiteX6" fmla="*/ 79571 w 1008835"/>
+              <a:gd name="connsiteY6" fmla="*/ 3000375 h 3000375"/>
+              <a:gd name="connsiteX7" fmla="*/ 828 w 1008835"/>
+              <a:gd name="connsiteY7" fmla="*/ 2962907 h 3000375"/>
+              <a:gd name="connsiteX8" fmla="*/ 12258 w 1008835"/>
+              <a:gd name="connsiteY8" fmla="*/ 323218 h 3000375"/>
+            </a:gdLst>
+            <a:ahLst/>
+            <a:cxnLst>
+              <a:cxn ang="0">
+                <a:pos x="connsiteX0" y="connsiteY0"/>
+              </a:cxn>
+              <a:cxn ang="0">
+                <a:pos x="connsiteX1" y="connsiteY1"/>
+              </a:cxn>
+              <a:cxn ang="0">
+                <a:pos x="connsiteX2" y="connsiteY2"/>
+              </a:cxn>
+              <a:cxn ang="0">
+                <a:pos x="connsiteX3" y="connsiteY3"/>
+              </a:cxn>
+              <a:cxn ang="0">
+                <a:pos x="connsiteX4" y="connsiteY4"/>
+              </a:cxn>
+              <a:cxn ang="0">
+                <a:pos x="connsiteX5" y="connsiteY5"/>
+              </a:cxn>
+              <a:cxn ang="0">
+                <a:pos x="connsiteX6" y="connsiteY6"/>
+              </a:cxn>
+              <a:cxn ang="0">
+                <a:pos x="connsiteX7" y="connsiteY7"/>
+              </a:cxn>
+              <a:cxn ang="0">
+                <a:pos x="connsiteX8" y="connsiteY8"/>
+              </a:cxn>
+            </a:cxnLst>
+            <a:rect l="l" t="t" r="r" b="b"/>
+            <a:pathLst>
+              <a:path w="1008835" h="3000375">
+                <a:moveTo>
+                  <a:pt x="12258" y="323218"/>
+                </a:moveTo>
+                <a:cubicBezTo>
+                  <a:pt x="12258" y="232034"/>
+                  <a:pt x="99512" y="76200"/>
+                  <a:pt x="190696" y="76200"/>
+                </a:cubicBezTo>
+                <a:lnTo>
+                  <a:pt x="936815" y="0"/>
+                </a:lnTo>
+                <a:cubicBezTo>
+                  <a:pt x="1027999" y="0"/>
+                  <a:pt x="1006668" y="52964"/>
+                  <a:pt x="1006668" y="144148"/>
+                </a:cubicBezTo>
+                <a:cubicBezTo>
+                  <a:pt x="1011325" y="1063838"/>
+                  <a:pt x="993121" y="1970192"/>
+                  <a:pt x="997778" y="2889882"/>
+                </a:cubicBezTo>
+                <a:cubicBezTo>
+                  <a:pt x="997778" y="2981066"/>
+                  <a:pt x="1003869" y="2997835"/>
+                  <a:pt x="912685" y="2997835"/>
+                </a:cubicBezTo>
+                <a:lnTo>
+                  <a:pt x="79571" y="3000375"/>
+                </a:lnTo>
+                <a:cubicBezTo>
+                  <a:pt x="3627" y="2996565"/>
+                  <a:pt x="-2982" y="3010276"/>
+                  <a:pt x="828" y="2962907"/>
+                </a:cubicBezTo>
+                <a:cubicBezTo>
+                  <a:pt x="828" y="2689436"/>
+                  <a:pt x="12258" y="596689"/>
+                  <a:pt x="12258" y="323218"/>
+                </a:cubicBezTo>
+                <a:close/>
+              </a:path>
+            </a:pathLst>
+          </a:custGeom>
+          <a:noFill/>
+          <a:ln w="12700">
+            <a:solidFill>
+              <a:schemeClr val="tx1">
+                <a:lumMod val="75000"/>
+                <a:lumOff val="25000"/>
+              </a:schemeClr>
+            </a:solidFill>
+          </a:ln>
+        </p:spPr>
+        <p:style>
+          <a:lnRef idx="2">
+            <a:schemeClr val="accent1">
+              <a:shade val="15000"/>
+            </a:schemeClr>
+          </a:lnRef>
+          <a:fillRef idx="1">
+            <a:schemeClr val="accent1"/>
+          </a:fillRef>
+          <a:effectRef idx="0">
+            <a:schemeClr val="accent1"/>
+          </a:effectRef>
+          <a:fontRef idx="minor">
+            <a:schemeClr val="lt1"/>
+          </a:fontRef>
+        </p:style>
+        <p:txBody>
+          <a:bodyPr rtlCol="0" anchor="ctr"/>
+          <a:lstStyle/>
+          <a:p>
+            <a:pPr algn="ctr"/>
+            <a:endParaRPr kumimoji="1" lang="ja-JP" altLang="en-US" dirty="0"/>
+          </a:p>
+        </p:txBody>
+      </p:sp>
+      <p:sp>
+        <p:nvSpPr>
+          <p:cNvPr id="19" name="四角形: 角を丸くする 18">
+            <a:extLst>
+              <a:ext uri="{FF2B5EF4-FFF2-40B4-BE49-F238E27FC236}">
+                <a16:creationId xmlns:a16="http://schemas.microsoft.com/office/drawing/2014/main" id="{1DE7293E-B399-6016-84CA-B576D4B7805C}"/>
+              </a:ext>
+            </a:extLst>
+          </p:cNvPr>
+          <p:cNvSpPr/>
+          <p:nvPr/>
+        </p:nvSpPr>
+        <p:spPr>
+          <a:xfrm>
+            <a:off x="5183916" y="2289288"/>
+            <a:ext cx="744093" cy="1919166"/>
+          </a:xfrm>
+          <a:custGeom>
+            <a:avLst/>
+            <a:gdLst>
+              <a:gd name="connsiteX0" fmla="*/ 0 w 734568"/>
+              <a:gd name="connsiteY0" fmla="*/ 99571 h 1861468"/>
+              <a:gd name="connsiteX1" fmla="*/ 99571 w 734568"/>
+              <a:gd name="connsiteY1" fmla="*/ 0 h 1861468"/>
+              <a:gd name="connsiteX2" fmla="*/ 634997 w 734568"/>
+              <a:gd name="connsiteY2" fmla="*/ 0 h 1861468"/>
+              <a:gd name="connsiteX3" fmla="*/ 734568 w 734568"/>
+              <a:gd name="connsiteY3" fmla="*/ 99571 h 1861468"/>
+              <a:gd name="connsiteX4" fmla="*/ 734568 w 734568"/>
+              <a:gd name="connsiteY4" fmla="*/ 1761897 h 1861468"/>
+              <a:gd name="connsiteX5" fmla="*/ 634997 w 734568"/>
+              <a:gd name="connsiteY5" fmla="*/ 1861468 h 1861468"/>
+              <a:gd name="connsiteX6" fmla="*/ 99571 w 734568"/>
+              <a:gd name="connsiteY6" fmla="*/ 1861468 h 1861468"/>
+              <a:gd name="connsiteX7" fmla="*/ 0 w 734568"/>
+              <a:gd name="connsiteY7" fmla="*/ 1761897 h 1861468"/>
+              <a:gd name="connsiteX8" fmla="*/ 0 w 734568"/>
+              <a:gd name="connsiteY8" fmla="*/ 99571 h 1861468"/>
+              <a:gd name="connsiteX0" fmla="*/ 3810 w 734568"/>
+              <a:gd name="connsiteY0" fmla="*/ 122431 h 1861468"/>
+              <a:gd name="connsiteX1" fmla="*/ 99571 w 734568"/>
+              <a:gd name="connsiteY1" fmla="*/ 0 h 1861468"/>
+              <a:gd name="connsiteX2" fmla="*/ 634997 w 734568"/>
+              <a:gd name="connsiteY2" fmla="*/ 0 h 1861468"/>
+              <a:gd name="connsiteX3" fmla="*/ 734568 w 734568"/>
+              <a:gd name="connsiteY3" fmla="*/ 99571 h 1861468"/>
+              <a:gd name="connsiteX4" fmla="*/ 734568 w 734568"/>
+              <a:gd name="connsiteY4" fmla="*/ 1761897 h 1861468"/>
+              <a:gd name="connsiteX5" fmla="*/ 634997 w 734568"/>
+              <a:gd name="connsiteY5" fmla="*/ 1861468 h 1861468"/>
+              <a:gd name="connsiteX6" fmla="*/ 99571 w 734568"/>
+              <a:gd name="connsiteY6" fmla="*/ 1861468 h 1861468"/>
+              <a:gd name="connsiteX7" fmla="*/ 0 w 734568"/>
+              <a:gd name="connsiteY7" fmla="*/ 1761897 h 1861468"/>
+              <a:gd name="connsiteX8" fmla="*/ 3810 w 734568"/>
+              <a:gd name="connsiteY8" fmla="*/ 122431 h 1861468"/>
+              <a:gd name="connsiteX0" fmla="*/ 3810 w 734568"/>
+              <a:gd name="connsiteY0" fmla="*/ 122431 h 1861468"/>
+              <a:gd name="connsiteX1" fmla="*/ 126241 w 734568"/>
+              <a:gd name="connsiteY1" fmla="*/ 133350 h 1861468"/>
+              <a:gd name="connsiteX2" fmla="*/ 634997 w 734568"/>
+              <a:gd name="connsiteY2" fmla="*/ 0 h 1861468"/>
+              <a:gd name="connsiteX3" fmla="*/ 734568 w 734568"/>
+              <a:gd name="connsiteY3" fmla="*/ 99571 h 1861468"/>
+              <a:gd name="connsiteX4" fmla="*/ 734568 w 734568"/>
+              <a:gd name="connsiteY4" fmla="*/ 1761897 h 1861468"/>
+              <a:gd name="connsiteX5" fmla="*/ 634997 w 734568"/>
+              <a:gd name="connsiteY5" fmla="*/ 1861468 h 1861468"/>
+              <a:gd name="connsiteX6" fmla="*/ 99571 w 734568"/>
+              <a:gd name="connsiteY6" fmla="*/ 1861468 h 1861468"/>
+              <a:gd name="connsiteX7" fmla="*/ 0 w 734568"/>
+              <a:gd name="connsiteY7" fmla="*/ 1761897 h 1861468"/>
+              <a:gd name="connsiteX8" fmla="*/ 3810 w 734568"/>
+              <a:gd name="connsiteY8" fmla="*/ 122431 h 1861468"/>
+              <a:gd name="connsiteX0" fmla="*/ 3810 w 734568"/>
+              <a:gd name="connsiteY0" fmla="*/ 122431 h 1861468"/>
+              <a:gd name="connsiteX1" fmla="*/ 114811 w 734568"/>
+              <a:gd name="connsiteY1" fmla="*/ 0 h 1861468"/>
+              <a:gd name="connsiteX2" fmla="*/ 634997 w 734568"/>
+              <a:gd name="connsiteY2" fmla="*/ 0 h 1861468"/>
+              <a:gd name="connsiteX3" fmla="*/ 734568 w 734568"/>
+              <a:gd name="connsiteY3" fmla="*/ 99571 h 1861468"/>
+              <a:gd name="connsiteX4" fmla="*/ 734568 w 734568"/>
+              <a:gd name="connsiteY4" fmla="*/ 1761897 h 1861468"/>
+              <a:gd name="connsiteX5" fmla="*/ 634997 w 734568"/>
+              <a:gd name="connsiteY5" fmla="*/ 1861468 h 1861468"/>
+              <a:gd name="connsiteX6" fmla="*/ 99571 w 734568"/>
+              <a:gd name="connsiteY6" fmla="*/ 1861468 h 1861468"/>
+              <a:gd name="connsiteX7" fmla="*/ 0 w 734568"/>
+              <a:gd name="connsiteY7" fmla="*/ 1761897 h 1861468"/>
+              <a:gd name="connsiteX8" fmla="*/ 3810 w 734568"/>
+              <a:gd name="connsiteY8" fmla="*/ 122431 h 1861468"/>
+              <a:gd name="connsiteX0" fmla="*/ 3810 w 734598"/>
+              <a:gd name="connsiteY0" fmla="*/ 185296 h 1924333"/>
+              <a:gd name="connsiteX1" fmla="*/ 114811 w 734598"/>
+              <a:gd name="connsiteY1" fmla="*/ 62865 h 1924333"/>
+              <a:gd name="connsiteX2" fmla="*/ 682622 w 734598"/>
+              <a:gd name="connsiteY2" fmla="*/ 0 h 1924333"/>
+              <a:gd name="connsiteX3" fmla="*/ 734568 w 734598"/>
+              <a:gd name="connsiteY3" fmla="*/ 162436 h 1924333"/>
+              <a:gd name="connsiteX4" fmla="*/ 734568 w 734598"/>
+              <a:gd name="connsiteY4" fmla="*/ 1824762 h 1924333"/>
+              <a:gd name="connsiteX5" fmla="*/ 634997 w 734598"/>
+              <a:gd name="connsiteY5" fmla="*/ 1924333 h 1924333"/>
+              <a:gd name="connsiteX6" fmla="*/ 99571 w 734598"/>
+              <a:gd name="connsiteY6" fmla="*/ 1924333 h 1924333"/>
+              <a:gd name="connsiteX7" fmla="*/ 0 w 734598"/>
+              <a:gd name="connsiteY7" fmla="*/ 1824762 h 1924333"/>
+              <a:gd name="connsiteX8" fmla="*/ 3810 w 734598"/>
+              <a:gd name="connsiteY8" fmla="*/ 185296 h 1924333"/>
+              <a:gd name="connsiteX0" fmla="*/ 3810 w 736474"/>
+              <a:gd name="connsiteY0" fmla="*/ 185296 h 1924333"/>
+              <a:gd name="connsiteX1" fmla="*/ 114811 w 736474"/>
+              <a:gd name="connsiteY1" fmla="*/ 62865 h 1924333"/>
+              <a:gd name="connsiteX2" fmla="*/ 682622 w 736474"/>
+              <a:gd name="connsiteY2" fmla="*/ 0 h 1924333"/>
+              <a:gd name="connsiteX3" fmla="*/ 736473 w 736474"/>
+              <a:gd name="connsiteY3" fmla="*/ 101476 h 1924333"/>
+              <a:gd name="connsiteX4" fmla="*/ 734568 w 736474"/>
+              <a:gd name="connsiteY4" fmla="*/ 1824762 h 1924333"/>
+              <a:gd name="connsiteX5" fmla="*/ 634997 w 736474"/>
+              <a:gd name="connsiteY5" fmla="*/ 1924333 h 1924333"/>
+              <a:gd name="connsiteX6" fmla="*/ 99571 w 736474"/>
+              <a:gd name="connsiteY6" fmla="*/ 1924333 h 1924333"/>
+              <a:gd name="connsiteX7" fmla="*/ 0 w 736474"/>
+              <a:gd name="connsiteY7" fmla="*/ 1824762 h 1924333"/>
+              <a:gd name="connsiteX8" fmla="*/ 3810 w 736474"/>
+              <a:gd name="connsiteY8" fmla="*/ 185296 h 1924333"/>
+              <a:gd name="connsiteX0" fmla="*/ 3810 w 744093"/>
+              <a:gd name="connsiteY0" fmla="*/ 185296 h 1924333"/>
+              <a:gd name="connsiteX1" fmla="*/ 114811 w 744093"/>
+              <a:gd name="connsiteY1" fmla="*/ 62865 h 1924333"/>
+              <a:gd name="connsiteX2" fmla="*/ 682622 w 744093"/>
+              <a:gd name="connsiteY2" fmla="*/ 0 h 1924333"/>
+              <a:gd name="connsiteX3" fmla="*/ 744093 w 744093"/>
+              <a:gd name="connsiteY3" fmla="*/ 99571 h 1924333"/>
+              <a:gd name="connsiteX4" fmla="*/ 734568 w 744093"/>
+              <a:gd name="connsiteY4" fmla="*/ 1824762 h 1924333"/>
+              <a:gd name="connsiteX5" fmla="*/ 634997 w 744093"/>
+              <a:gd name="connsiteY5" fmla="*/ 1924333 h 1924333"/>
+              <a:gd name="connsiteX6" fmla="*/ 99571 w 744093"/>
+              <a:gd name="connsiteY6" fmla="*/ 1924333 h 1924333"/>
+              <a:gd name="connsiteX7" fmla="*/ 0 w 744093"/>
+              <a:gd name="connsiteY7" fmla="*/ 1824762 h 1924333"/>
+              <a:gd name="connsiteX8" fmla="*/ 3810 w 744093"/>
+              <a:gd name="connsiteY8" fmla="*/ 185296 h 1924333"/>
+              <a:gd name="connsiteX0" fmla="*/ 3810 w 744093"/>
+              <a:gd name="connsiteY0" fmla="*/ 198631 h 1924333"/>
+              <a:gd name="connsiteX1" fmla="*/ 114811 w 744093"/>
+              <a:gd name="connsiteY1" fmla="*/ 62865 h 1924333"/>
+              <a:gd name="connsiteX2" fmla="*/ 682622 w 744093"/>
+              <a:gd name="connsiteY2" fmla="*/ 0 h 1924333"/>
+              <a:gd name="connsiteX3" fmla="*/ 744093 w 744093"/>
+              <a:gd name="connsiteY3" fmla="*/ 99571 h 1924333"/>
+              <a:gd name="connsiteX4" fmla="*/ 734568 w 744093"/>
+              <a:gd name="connsiteY4" fmla="*/ 1824762 h 1924333"/>
+              <a:gd name="connsiteX5" fmla="*/ 634997 w 744093"/>
+              <a:gd name="connsiteY5" fmla="*/ 1924333 h 1924333"/>
+              <a:gd name="connsiteX6" fmla="*/ 99571 w 744093"/>
+              <a:gd name="connsiteY6" fmla="*/ 1924333 h 1924333"/>
+              <a:gd name="connsiteX7" fmla="*/ 0 w 744093"/>
+              <a:gd name="connsiteY7" fmla="*/ 1824762 h 1924333"/>
+              <a:gd name="connsiteX8" fmla="*/ 3810 w 744093"/>
+              <a:gd name="connsiteY8" fmla="*/ 198631 h 1924333"/>
+              <a:gd name="connsiteX0" fmla="*/ 3810 w 744093"/>
+              <a:gd name="connsiteY0" fmla="*/ 198631 h 1924333"/>
+              <a:gd name="connsiteX1" fmla="*/ 145291 w 744093"/>
+              <a:gd name="connsiteY1" fmla="*/ 59055 h 1924333"/>
+              <a:gd name="connsiteX2" fmla="*/ 682622 w 744093"/>
+              <a:gd name="connsiteY2" fmla="*/ 0 h 1924333"/>
+              <a:gd name="connsiteX3" fmla="*/ 744093 w 744093"/>
+              <a:gd name="connsiteY3" fmla="*/ 99571 h 1924333"/>
+              <a:gd name="connsiteX4" fmla="*/ 734568 w 744093"/>
+              <a:gd name="connsiteY4" fmla="*/ 1824762 h 1924333"/>
+              <a:gd name="connsiteX5" fmla="*/ 634997 w 744093"/>
+              <a:gd name="connsiteY5" fmla="*/ 1924333 h 1924333"/>
+              <a:gd name="connsiteX6" fmla="*/ 99571 w 744093"/>
+              <a:gd name="connsiteY6" fmla="*/ 1924333 h 1924333"/>
+              <a:gd name="connsiteX7" fmla="*/ 0 w 744093"/>
+              <a:gd name="connsiteY7" fmla="*/ 1824762 h 1924333"/>
+              <a:gd name="connsiteX8" fmla="*/ 3810 w 744093"/>
+              <a:gd name="connsiteY8" fmla="*/ 198631 h 1924333"/>
+              <a:gd name="connsiteX0" fmla="*/ 3810 w 744093"/>
+              <a:gd name="connsiteY0" fmla="*/ 198631 h 1924333"/>
+              <a:gd name="connsiteX1" fmla="*/ 112906 w 744093"/>
+              <a:gd name="connsiteY1" fmla="*/ 62865 h 1924333"/>
+              <a:gd name="connsiteX2" fmla="*/ 682622 w 744093"/>
+              <a:gd name="connsiteY2" fmla="*/ 0 h 1924333"/>
+              <a:gd name="connsiteX3" fmla="*/ 744093 w 744093"/>
+              <a:gd name="connsiteY3" fmla="*/ 99571 h 1924333"/>
+              <a:gd name="connsiteX4" fmla="*/ 734568 w 744093"/>
+              <a:gd name="connsiteY4" fmla="*/ 1824762 h 1924333"/>
+              <a:gd name="connsiteX5" fmla="*/ 634997 w 744093"/>
+              <a:gd name="connsiteY5" fmla="*/ 1924333 h 1924333"/>
+              <a:gd name="connsiteX6" fmla="*/ 99571 w 744093"/>
+              <a:gd name="connsiteY6" fmla="*/ 1924333 h 1924333"/>
+              <a:gd name="connsiteX7" fmla="*/ 0 w 744093"/>
+              <a:gd name="connsiteY7" fmla="*/ 1824762 h 1924333"/>
+              <a:gd name="connsiteX8" fmla="*/ 3810 w 744093"/>
+              <a:gd name="connsiteY8" fmla="*/ 198631 h 1924333"/>
+            </a:gdLst>
+            <a:ahLst/>
+            <a:cxnLst>
+              <a:cxn ang="0">
+                <a:pos x="connsiteX0" y="connsiteY0"/>
+              </a:cxn>
+              <a:cxn ang="0">
+                <a:pos x="connsiteX1" y="connsiteY1"/>
+              </a:cxn>
+              <a:cxn ang="0">
+                <a:pos x="connsiteX2" y="connsiteY2"/>
+              </a:cxn>
+              <a:cxn ang="0">
+                <a:pos x="connsiteX3" y="connsiteY3"/>
+              </a:cxn>
+              <a:cxn ang="0">
+                <a:pos x="connsiteX4" y="connsiteY4"/>
+              </a:cxn>
+              <a:cxn ang="0">
+                <a:pos x="connsiteX5" y="connsiteY5"/>
+              </a:cxn>
+              <a:cxn ang="0">
+                <a:pos x="connsiteX6" y="connsiteY6"/>
+              </a:cxn>
+              <a:cxn ang="0">
+                <a:pos x="connsiteX7" y="connsiteY7"/>
+              </a:cxn>
+              <a:cxn ang="0">
+                <a:pos x="connsiteX8" y="connsiteY8"/>
+              </a:cxn>
+            </a:cxnLst>
+            <a:rect l="l" t="t" r="r" b="b"/>
+            <a:pathLst>
+              <a:path w="744093" h="1924333">
+                <a:moveTo>
+                  <a:pt x="3810" y="198631"/>
+                </a:moveTo>
+                <a:cubicBezTo>
+                  <a:pt x="3810" y="143639"/>
+                  <a:pt x="57914" y="62865"/>
+                  <a:pt x="112906" y="62865"/>
+                </a:cubicBezTo>
+                <a:lnTo>
+                  <a:pt x="682622" y="0"/>
+                </a:lnTo>
+                <a:cubicBezTo>
+                  <a:pt x="737614" y="0"/>
+                  <a:pt x="744093" y="44579"/>
+                  <a:pt x="744093" y="99571"/>
+                </a:cubicBezTo>
+                <a:lnTo>
+                  <a:pt x="734568" y="1824762"/>
+                </a:lnTo>
+                <a:cubicBezTo>
+                  <a:pt x="734568" y="1879754"/>
+                  <a:pt x="689989" y="1924333"/>
+                  <a:pt x="634997" y="1924333"/>
+                </a:cubicBezTo>
+                <a:lnTo>
+                  <a:pt x="99571" y="1924333"/>
+                </a:lnTo>
+                <a:cubicBezTo>
+                  <a:pt x="44579" y="1924333"/>
+                  <a:pt x="0" y="1879754"/>
+                  <a:pt x="0" y="1824762"/>
+                </a:cubicBezTo>
+                <a:cubicBezTo>
+                  <a:pt x="0" y="1270653"/>
+                  <a:pt x="3810" y="752740"/>
+                  <a:pt x="3810" y="198631"/>
+                </a:cubicBezTo>
+                <a:close/>
+              </a:path>
+            </a:pathLst>
+          </a:custGeom>
+          <a:solidFill>
+            <a:srgbClr val="FF40FF"/>
+          </a:solidFill>
+          <a:ln>
+            <a:noFill/>
+          </a:ln>
+        </p:spPr>
+        <p:style>
+          <a:lnRef idx="2">
+            <a:schemeClr val="accent1">
+              <a:shade val="15000"/>
+            </a:schemeClr>
+          </a:lnRef>
+          <a:fillRef idx="1">
+            <a:schemeClr val="accent1"/>
+          </a:fillRef>
+          <a:effectRef idx="0">
+            <a:schemeClr val="accent1"/>
+          </a:effectRef>
+          <a:fontRef idx="minor">
+            <a:schemeClr val="lt1"/>
+          </a:fontRef>
+        </p:style>
+        <p:txBody>
+          <a:bodyPr rtlCol="0" anchor="ctr"/>
+          <a:lstStyle/>
+          <a:p>
+            <a:pPr algn="ctr"/>
+            <a:endParaRPr kumimoji="1" lang="ja-JP" altLang="en-US"/>
+          </a:p>
+        </p:txBody>
+      </p:sp>
+      <p:pic>
+        <p:nvPicPr>
+          <p:cNvPr id="20" name="図 19">
+            <a:extLst>
+              <a:ext uri="{FF2B5EF4-FFF2-40B4-BE49-F238E27FC236}">
+                <a16:creationId xmlns:a16="http://schemas.microsoft.com/office/drawing/2014/main" id="{BBA568C7-BBB6-6B8B-1FE0-74F906EB93B7}"/>
+              </a:ext>
+            </a:extLst>
+          </p:cNvPr>
+          <p:cNvPicPr>
+            <a:picLocks noChangeAspect="1"/>
+          </p:cNvPicPr>
+          <p:nvPr/>
+        </p:nvPicPr>
+        <p:blipFill>
+          <a:blip r:embed="rId2">
+            <a:alphaModFix amt="50000"/>
+          </a:blip>
           <a:stretch>
             <a:fillRect/>
           </a:stretch>
         </p:blipFill>
         <p:spPr>
           <a:xfrm>
-            <a:off x="7922403" y="556305"/>
-            <a:ext cx="3403600" cy="3505200"/>
+            <a:off x="461544" y="2315676"/>
+            <a:ext cx="815609" cy="815609"/>
+          </a:xfrm>
+          <a:prstGeom prst="rect">
+            <a:avLst/>
+          </a:prstGeom>
+          <a:ln>
+            <a:noFill/>
+          </a:ln>
+        </p:spPr>
+      </p:pic>
+      <p:sp>
+        <p:nvSpPr>
+          <p:cNvPr id="23" name="四角形: 角を丸くする 22">
+            <a:extLst>
+              <a:ext uri="{FF2B5EF4-FFF2-40B4-BE49-F238E27FC236}">
+                <a16:creationId xmlns:a16="http://schemas.microsoft.com/office/drawing/2014/main" id="{7393D182-DC5C-729C-7856-1C8C7657480B}"/>
+              </a:ext>
+            </a:extLst>
+          </p:cNvPr>
+          <p:cNvSpPr/>
+          <p:nvPr/>
+        </p:nvSpPr>
+        <p:spPr>
+          <a:xfrm>
+            <a:off x="6154380" y="2178835"/>
+            <a:ext cx="2036031" cy="2029618"/>
+          </a:xfrm>
+          <a:custGeom>
+            <a:avLst/>
+            <a:gdLst>
+              <a:gd name="connsiteX0" fmla="*/ 0 w 1997931"/>
+              <a:gd name="connsiteY0" fmla="*/ 175518 h 2087641"/>
+              <a:gd name="connsiteX1" fmla="*/ 175518 w 1997931"/>
+              <a:gd name="connsiteY1" fmla="*/ 0 h 2087641"/>
+              <a:gd name="connsiteX2" fmla="*/ 1822413 w 1997931"/>
+              <a:gd name="connsiteY2" fmla="*/ 0 h 2087641"/>
+              <a:gd name="connsiteX3" fmla="*/ 1997931 w 1997931"/>
+              <a:gd name="connsiteY3" fmla="*/ 175518 h 2087641"/>
+              <a:gd name="connsiteX4" fmla="*/ 1997931 w 1997931"/>
+              <a:gd name="connsiteY4" fmla="*/ 1912123 h 2087641"/>
+              <a:gd name="connsiteX5" fmla="*/ 1822413 w 1997931"/>
+              <a:gd name="connsiteY5" fmla="*/ 2087641 h 2087641"/>
+              <a:gd name="connsiteX6" fmla="*/ 175518 w 1997931"/>
+              <a:gd name="connsiteY6" fmla="*/ 2087641 h 2087641"/>
+              <a:gd name="connsiteX7" fmla="*/ 0 w 1997931"/>
+              <a:gd name="connsiteY7" fmla="*/ 1912123 h 2087641"/>
+              <a:gd name="connsiteX8" fmla="*/ 0 w 1997931"/>
+              <a:gd name="connsiteY8" fmla="*/ 175518 h 2087641"/>
+              <a:gd name="connsiteX0" fmla="*/ 0 w 1997931"/>
+              <a:gd name="connsiteY0" fmla="*/ 175518 h 2087690"/>
+              <a:gd name="connsiteX1" fmla="*/ 175518 w 1997931"/>
+              <a:gd name="connsiteY1" fmla="*/ 0 h 2087690"/>
+              <a:gd name="connsiteX2" fmla="*/ 1822413 w 1997931"/>
+              <a:gd name="connsiteY2" fmla="*/ 0 h 2087690"/>
+              <a:gd name="connsiteX3" fmla="*/ 1997931 w 1997931"/>
+              <a:gd name="connsiteY3" fmla="*/ 175518 h 2087690"/>
+              <a:gd name="connsiteX4" fmla="*/ 1997931 w 1997931"/>
+              <a:gd name="connsiteY4" fmla="*/ 1912123 h 2087690"/>
+              <a:gd name="connsiteX5" fmla="*/ 1822413 w 1997931"/>
+              <a:gd name="connsiteY5" fmla="*/ 2087641 h 2087690"/>
+              <a:gd name="connsiteX6" fmla="*/ 175518 w 1997931"/>
+              <a:gd name="connsiteY6" fmla="*/ 2087641 h 2087690"/>
+              <a:gd name="connsiteX7" fmla="*/ 0 w 1997931"/>
+              <a:gd name="connsiteY7" fmla="*/ 1995943 h 2087690"/>
+              <a:gd name="connsiteX8" fmla="*/ 0 w 1997931"/>
+              <a:gd name="connsiteY8" fmla="*/ 175518 h 2087690"/>
+              <a:gd name="connsiteX0" fmla="*/ 0 w 1997931"/>
+              <a:gd name="connsiteY0" fmla="*/ 175518 h 2087690"/>
+              <a:gd name="connsiteX1" fmla="*/ 175518 w 1997931"/>
+              <a:gd name="connsiteY1" fmla="*/ 0 h 2087690"/>
+              <a:gd name="connsiteX2" fmla="*/ 1822413 w 1997931"/>
+              <a:gd name="connsiteY2" fmla="*/ 0 h 2087690"/>
+              <a:gd name="connsiteX3" fmla="*/ 1997931 w 1997931"/>
+              <a:gd name="connsiteY3" fmla="*/ 175518 h 2087690"/>
+              <a:gd name="connsiteX4" fmla="*/ 1997931 w 1997931"/>
+              <a:gd name="connsiteY4" fmla="*/ 1965463 h 2087690"/>
+              <a:gd name="connsiteX5" fmla="*/ 1822413 w 1997931"/>
+              <a:gd name="connsiteY5" fmla="*/ 2087641 h 2087690"/>
+              <a:gd name="connsiteX6" fmla="*/ 175518 w 1997931"/>
+              <a:gd name="connsiteY6" fmla="*/ 2087641 h 2087690"/>
+              <a:gd name="connsiteX7" fmla="*/ 0 w 1997931"/>
+              <a:gd name="connsiteY7" fmla="*/ 1995943 h 2087690"/>
+              <a:gd name="connsiteX8" fmla="*/ 0 w 1997931"/>
+              <a:gd name="connsiteY8" fmla="*/ 175518 h 2087690"/>
+              <a:gd name="connsiteX0" fmla="*/ 0 w 1997931"/>
+              <a:gd name="connsiteY0" fmla="*/ 175518 h 2087690"/>
+              <a:gd name="connsiteX1" fmla="*/ 175518 w 1997931"/>
+              <a:gd name="connsiteY1" fmla="*/ 0 h 2087690"/>
+              <a:gd name="connsiteX2" fmla="*/ 1822413 w 1997931"/>
+              <a:gd name="connsiteY2" fmla="*/ 0 h 2087690"/>
+              <a:gd name="connsiteX3" fmla="*/ 1872201 w 1997931"/>
+              <a:gd name="connsiteY3" fmla="*/ 809883 h 2087690"/>
+              <a:gd name="connsiteX4" fmla="*/ 1997931 w 1997931"/>
+              <a:gd name="connsiteY4" fmla="*/ 1965463 h 2087690"/>
+              <a:gd name="connsiteX5" fmla="*/ 1822413 w 1997931"/>
+              <a:gd name="connsiteY5" fmla="*/ 2087641 h 2087690"/>
+              <a:gd name="connsiteX6" fmla="*/ 175518 w 1997931"/>
+              <a:gd name="connsiteY6" fmla="*/ 2087641 h 2087690"/>
+              <a:gd name="connsiteX7" fmla="*/ 0 w 1997931"/>
+              <a:gd name="connsiteY7" fmla="*/ 1995943 h 2087690"/>
+              <a:gd name="connsiteX8" fmla="*/ 0 w 1997931"/>
+              <a:gd name="connsiteY8" fmla="*/ 175518 h 2087690"/>
+              <a:gd name="connsiteX0" fmla="*/ 0 w 1997931"/>
+              <a:gd name="connsiteY0" fmla="*/ 175518 h 2087690"/>
+              <a:gd name="connsiteX1" fmla="*/ 175518 w 1997931"/>
+              <a:gd name="connsiteY1" fmla="*/ 0 h 2087690"/>
+              <a:gd name="connsiteX2" fmla="*/ 1694778 w 1997931"/>
+              <a:gd name="connsiteY2" fmla="*/ 518160 h 2087690"/>
+              <a:gd name="connsiteX3" fmla="*/ 1872201 w 1997931"/>
+              <a:gd name="connsiteY3" fmla="*/ 809883 h 2087690"/>
+              <a:gd name="connsiteX4" fmla="*/ 1997931 w 1997931"/>
+              <a:gd name="connsiteY4" fmla="*/ 1965463 h 2087690"/>
+              <a:gd name="connsiteX5" fmla="*/ 1822413 w 1997931"/>
+              <a:gd name="connsiteY5" fmla="*/ 2087641 h 2087690"/>
+              <a:gd name="connsiteX6" fmla="*/ 175518 w 1997931"/>
+              <a:gd name="connsiteY6" fmla="*/ 2087641 h 2087690"/>
+              <a:gd name="connsiteX7" fmla="*/ 0 w 1997931"/>
+              <a:gd name="connsiteY7" fmla="*/ 1995943 h 2087690"/>
+              <a:gd name="connsiteX8" fmla="*/ 0 w 1997931"/>
+              <a:gd name="connsiteY8" fmla="*/ 175518 h 2087690"/>
+              <a:gd name="connsiteX0" fmla="*/ 0 w 2011266"/>
+              <a:gd name="connsiteY0" fmla="*/ 175518 h 2087690"/>
+              <a:gd name="connsiteX1" fmla="*/ 175518 w 2011266"/>
+              <a:gd name="connsiteY1" fmla="*/ 0 h 2087690"/>
+              <a:gd name="connsiteX2" fmla="*/ 1694778 w 2011266"/>
+              <a:gd name="connsiteY2" fmla="*/ 518160 h 2087690"/>
+              <a:gd name="connsiteX3" fmla="*/ 2011266 w 2011266"/>
+              <a:gd name="connsiteY3" fmla="*/ 465078 h 2087690"/>
+              <a:gd name="connsiteX4" fmla="*/ 1997931 w 2011266"/>
+              <a:gd name="connsiteY4" fmla="*/ 1965463 h 2087690"/>
+              <a:gd name="connsiteX5" fmla="*/ 1822413 w 2011266"/>
+              <a:gd name="connsiteY5" fmla="*/ 2087641 h 2087690"/>
+              <a:gd name="connsiteX6" fmla="*/ 175518 w 2011266"/>
+              <a:gd name="connsiteY6" fmla="*/ 2087641 h 2087690"/>
+              <a:gd name="connsiteX7" fmla="*/ 0 w 2011266"/>
+              <a:gd name="connsiteY7" fmla="*/ 1995943 h 2087690"/>
+              <a:gd name="connsiteX8" fmla="*/ 0 w 2011266"/>
+              <a:gd name="connsiteY8" fmla="*/ 175518 h 2087690"/>
+              <a:gd name="connsiteX0" fmla="*/ 0 w 1997931"/>
+              <a:gd name="connsiteY0" fmla="*/ 175518 h 2087690"/>
+              <a:gd name="connsiteX1" fmla="*/ 175518 w 1997931"/>
+              <a:gd name="connsiteY1" fmla="*/ 0 h 2087690"/>
+              <a:gd name="connsiteX2" fmla="*/ 1694778 w 1997931"/>
+              <a:gd name="connsiteY2" fmla="*/ 518160 h 2087690"/>
+              <a:gd name="connsiteX3" fmla="*/ 1956021 w 1997931"/>
+              <a:gd name="connsiteY3" fmla="*/ 465078 h 2087690"/>
+              <a:gd name="connsiteX4" fmla="*/ 1997931 w 1997931"/>
+              <a:gd name="connsiteY4" fmla="*/ 1965463 h 2087690"/>
+              <a:gd name="connsiteX5" fmla="*/ 1822413 w 1997931"/>
+              <a:gd name="connsiteY5" fmla="*/ 2087641 h 2087690"/>
+              <a:gd name="connsiteX6" fmla="*/ 175518 w 1997931"/>
+              <a:gd name="connsiteY6" fmla="*/ 2087641 h 2087690"/>
+              <a:gd name="connsiteX7" fmla="*/ 0 w 1997931"/>
+              <a:gd name="connsiteY7" fmla="*/ 1995943 h 2087690"/>
+              <a:gd name="connsiteX8" fmla="*/ 0 w 1997931"/>
+              <a:gd name="connsiteY8" fmla="*/ 175518 h 2087690"/>
+              <a:gd name="connsiteX0" fmla="*/ 0 w 1997931"/>
+              <a:gd name="connsiteY0" fmla="*/ 175518 h 2087690"/>
+              <a:gd name="connsiteX1" fmla="*/ 175518 w 1997931"/>
+              <a:gd name="connsiteY1" fmla="*/ 0 h 2087690"/>
+              <a:gd name="connsiteX2" fmla="*/ 1793838 w 1997931"/>
+              <a:gd name="connsiteY2" fmla="*/ 123825 h 2087690"/>
+              <a:gd name="connsiteX3" fmla="*/ 1956021 w 1997931"/>
+              <a:gd name="connsiteY3" fmla="*/ 465078 h 2087690"/>
+              <a:gd name="connsiteX4" fmla="*/ 1997931 w 1997931"/>
+              <a:gd name="connsiteY4" fmla="*/ 1965463 h 2087690"/>
+              <a:gd name="connsiteX5" fmla="*/ 1822413 w 1997931"/>
+              <a:gd name="connsiteY5" fmla="*/ 2087641 h 2087690"/>
+              <a:gd name="connsiteX6" fmla="*/ 175518 w 1997931"/>
+              <a:gd name="connsiteY6" fmla="*/ 2087641 h 2087690"/>
+              <a:gd name="connsiteX7" fmla="*/ 0 w 1997931"/>
+              <a:gd name="connsiteY7" fmla="*/ 1995943 h 2087690"/>
+              <a:gd name="connsiteX8" fmla="*/ 0 w 1997931"/>
+              <a:gd name="connsiteY8" fmla="*/ 175518 h 2087690"/>
+              <a:gd name="connsiteX0" fmla="*/ 0 w 1997931"/>
+              <a:gd name="connsiteY0" fmla="*/ 175518 h 2087690"/>
+              <a:gd name="connsiteX1" fmla="*/ 175518 w 1997931"/>
+              <a:gd name="connsiteY1" fmla="*/ 0 h 2087690"/>
+              <a:gd name="connsiteX2" fmla="*/ 1793838 w 1997931"/>
+              <a:gd name="connsiteY2" fmla="*/ 123825 h 2087690"/>
+              <a:gd name="connsiteX3" fmla="*/ 1954116 w 1997931"/>
+              <a:gd name="connsiteY3" fmla="*/ 505083 h 2087690"/>
+              <a:gd name="connsiteX4" fmla="*/ 1997931 w 1997931"/>
+              <a:gd name="connsiteY4" fmla="*/ 1965463 h 2087690"/>
+              <a:gd name="connsiteX5" fmla="*/ 1822413 w 1997931"/>
+              <a:gd name="connsiteY5" fmla="*/ 2087641 h 2087690"/>
+              <a:gd name="connsiteX6" fmla="*/ 175518 w 1997931"/>
+              <a:gd name="connsiteY6" fmla="*/ 2087641 h 2087690"/>
+              <a:gd name="connsiteX7" fmla="*/ 0 w 1997931"/>
+              <a:gd name="connsiteY7" fmla="*/ 1995943 h 2087690"/>
+              <a:gd name="connsiteX8" fmla="*/ 0 w 1997931"/>
+              <a:gd name="connsiteY8" fmla="*/ 175518 h 2087690"/>
+              <a:gd name="connsiteX0" fmla="*/ 0 w 2036031"/>
+              <a:gd name="connsiteY0" fmla="*/ 175518 h 2087690"/>
+              <a:gd name="connsiteX1" fmla="*/ 175518 w 2036031"/>
+              <a:gd name="connsiteY1" fmla="*/ 0 h 2087690"/>
+              <a:gd name="connsiteX2" fmla="*/ 1793838 w 2036031"/>
+              <a:gd name="connsiteY2" fmla="*/ 123825 h 2087690"/>
+              <a:gd name="connsiteX3" fmla="*/ 2036031 w 2036031"/>
+              <a:gd name="connsiteY3" fmla="*/ 360303 h 2087690"/>
+              <a:gd name="connsiteX4" fmla="*/ 1997931 w 2036031"/>
+              <a:gd name="connsiteY4" fmla="*/ 1965463 h 2087690"/>
+              <a:gd name="connsiteX5" fmla="*/ 1822413 w 2036031"/>
+              <a:gd name="connsiteY5" fmla="*/ 2087641 h 2087690"/>
+              <a:gd name="connsiteX6" fmla="*/ 175518 w 2036031"/>
+              <a:gd name="connsiteY6" fmla="*/ 2087641 h 2087690"/>
+              <a:gd name="connsiteX7" fmla="*/ 0 w 2036031"/>
+              <a:gd name="connsiteY7" fmla="*/ 1995943 h 2087690"/>
+              <a:gd name="connsiteX8" fmla="*/ 0 w 2036031"/>
+              <a:gd name="connsiteY8" fmla="*/ 175518 h 2087690"/>
+              <a:gd name="connsiteX0" fmla="*/ 0 w 2036031"/>
+              <a:gd name="connsiteY0" fmla="*/ 175518 h 2087690"/>
+              <a:gd name="connsiteX1" fmla="*/ 175518 w 2036031"/>
+              <a:gd name="connsiteY1" fmla="*/ 0 h 2087690"/>
+              <a:gd name="connsiteX2" fmla="*/ 1793838 w 2036031"/>
+              <a:gd name="connsiteY2" fmla="*/ 116205 h 2087690"/>
+              <a:gd name="connsiteX3" fmla="*/ 2036031 w 2036031"/>
+              <a:gd name="connsiteY3" fmla="*/ 360303 h 2087690"/>
+              <a:gd name="connsiteX4" fmla="*/ 1997931 w 2036031"/>
+              <a:gd name="connsiteY4" fmla="*/ 1965463 h 2087690"/>
+              <a:gd name="connsiteX5" fmla="*/ 1822413 w 2036031"/>
+              <a:gd name="connsiteY5" fmla="*/ 2087641 h 2087690"/>
+              <a:gd name="connsiteX6" fmla="*/ 175518 w 2036031"/>
+              <a:gd name="connsiteY6" fmla="*/ 2087641 h 2087690"/>
+              <a:gd name="connsiteX7" fmla="*/ 0 w 2036031"/>
+              <a:gd name="connsiteY7" fmla="*/ 1995943 h 2087690"/>
+              <a:gd name="connsiteX8" fmla="*/ 0 w 2036031"/>
+              <a:gd name="connsiteY8" fmla="*/ 175518 h 2087690"/>
+              <a:gd name="connsiteX0" fmla="*/ 0 w 2036031"/>
+              <a:gd name="connsiteY0" fmla="*/ 175518 h 2087690"/>
+              <a:gd name="connsiteX1" fmla="*/ 175518 w 2036031"/>
+              <a:gd name="connsiteY1" fmla="*/ 0 h 2087690"/>
+              <a:gd name="connsiteX2" fmla="*/ 1793838 w 2036031"/>
+              <a:gd name="connsiteY2" fmla="*/ 116205 h 2087690"/>
+              <a:gd name="connsiteX3" fmla="*/ 2036031 w 2036031"/>
+              <a:gd name="connsiteY3" fmla="*/ 360303 h 2087690"/>
+              <a:gd name="connsiteX4" fmla="*/ 2034126 w 2036031"/>
+              <a:gd name="connsiteY4" fmla="*/ 1959748 h 2087690"/>
+              <a:gd name="connsiteX5" fmla="*/ 1822413 w 2036031"/>
+              <a:gd name="connsiteY5" fmla="*/ 2087641 h 2087690"/>
+              <a:gd name="connsiteX6" fmla="*/ 175518 w 2036031"/>
+              <a:gd name="connsiteY6" fmla="*/ 2087641 h 2087690"/>
+              <a:gd name="connsiteX7" fmla="*/ 0 w 2036031"/>
+              <a:gd name="connsiteY7" fmla="*/ 1995943 h 2087690"/>
+              <a:gd name="connsiteX8" fmla="*/ 0 w 2036031"/>
+              <a:gd name="connsiteY8" fmla="*/ 175518 h 2087690"/>
+              <a:gd name="connsiteX0" fmla="*/ 0 w 2036031"/>
+              <a:gd name="connsiteY0" fmla="*/ 175518 h 2087690"/>
+              <a:gd name="connsiteX1" fmla="*/ 175518 w 2036031"/>
+              <a:gd name="connsiteY1" fmla="*/ 0 h 2087690"/>
+              <a:gd name="connsiteX2" fmla="*/ 1793838 w 2036031"/>
+              <a:gd name="connsiteY2" fmla="*/ 116205 h 2087690"/>
+              <a:gd name="connsiteX3" fmla="*/ 2036031 w 2036031"/>
+              <a:gd name="connsiteY3" fmla="*/ 360303 h 2087690"/>
+              <a:gd name="connsiteX4" fmla="*/ 2034126 w 2036031"/>
+              <a:gd name="connsiteY4" fmla="*/ 1959748 h 2087690"/>
+              <a:gd name="connsiteX5" fmla="*/ 1870038 w 2036031"/>
+              <a:gd name="connsiteY5" fmla="*/ 2083831 h 2087690"/>
+              <a:gd name="connsiteX6" fmla="*/ 175518 w 2036031"/>
+              <a:gd name="connsiteY6" fmla="*/ 2087641 h 2087690"/>
+              <a:gd name="connsiteX7" fmla="*/ 0 w 2036031"/>
+              <a:gd name="connsiteY7" fmla="*/ 1995943 h 2087690"/>
+              <a:gd name="connsiteX8" fmla="*/ 0 w 2036031"/>
+              <a:gd name="connsiteY8" fmla="*/ 175518 h 2087690"/>
+              <a:gd name="connsiteX0" fmla="*/ 0 w 2036031"/>
+              <a:gd name="connsiteY0" fmla="*/ 64661 h 1976833"/>
+              <a:gd name="connsiteX1" fmla="*/ 170438 w 2036031"/>
+              <a:gd name="connsiteY1" fmla="*/ 8523 h 1976833"/>
+              <a:gd name="connsiteX2" fmla="*/ 1793838 w 2036031"/>
+              <a:gd name="connsiteY2" fmla="*/ 5348 h 1976833"/>
+              <a:gd name="connsiteX3" fmla="*/ 2036031 w 2036031"/>
+              <a:gd name="connsiteY3" fmla="*/ 249446 h 1976833"/>
+              <a:gd name="connsiteX4" fmla="*/ 2034126 w 2036031"/>
+              <a:gd name="connsiteY4" fmla="*/ 1848891 h 1976833"/>
+              <a:gd name="connsiteX5" fmla="*/ 1870038 w 2036031"/>
+              <a:gd name="connsiteY5" fmla="*/ 1972974 h 1976833"/>
+              <a:gd name="connsiteX6" fmla="*/ 175518 w 2036031"/>
+              <a:gd name="connsiteY6" fmla="*/ 1976784 h 1976833"/>
+              <a:gd name="connsiteX7" fmla="*/ 0 w 2036031"/>
+              <a:gd name="connsiteY7" fmla="*/ 1885086 h 1976833"/>
+              <a:gd name="connsiteX8" fmla="*/ 0 w 2036031"/>
+              <a:gd name="connsiteY8" fmla="*/ 64661 h 1976833"/>
+              <a:gd name="connsiteX0" fmla="*/ 0 w 2036031"/>
+              <a:gd name="connsiteY0" fmla="*/ 145038 h 2057210"/>
+              <a:gd name="connsiteX1" fmla="*/ 157738 w 2036031"/>
+              <a:gd name="connsiteY1" fmla="*/ 0 h 2057210"/>
+              <a:gd name="connsiteX2" fmla="*/ 1793838 w 2036031"/>
+              <a:gd name="connsiteY2" fmla="*/ 85725 h 2057210"/>
+              <a:gd name="connsiteX3" fmla="*/ 2036031 w 2036031"/>
+              <a:gd name="connsiteY3" fmla="*/ 329823 h 2057210"/>
+              <a:gd name="connsiteX4" fmla="*/ 2034126 w 2036031"/>
+              <a:gd name="connsiteY4" fmla="*/ 1929268 h 2057210"/>
+              <a:gd name="connsiteX5" fmla="*/ 1870038 w 2036031"/>
+              <a:gd name="connsiteY5" fmla="*/ 2053351 h 2057210"/>
+              <a:gd name="connsiteX6" fmla="*/ 175518 w 2036031"/>
+              <a:gd name="connsiteY6" fmla="*/ 2057161 h 2057210"/>
+              <a:gd name="connsiteX7" fmla="*/ 0 w 2036031"/>
+              <a:gd name="connsiteY7" fmla="*/ 1965463 h 2057210"/>
+              <a:gd name="connsiteX8" fmla="*/ 0 w 2036031"/>
+              <a:gd name="connsiteY8" fmla="*/ 145038 h 2057210"/>
+              <a:gd name="connsiteX0" fmla="*/ 0 w 2036031"/>
+              <a:gd name="connsiteY0" fmla="*/ 145038 h 2057210"/>
+              <a:gd name="connsiteX1" fmla="*/ 157738 w 2036031"/>
+              <a:gd name="connsiteY1" fmla="*/ 0 h 2057210"/>
+              <a:gd name="connsiteX2" fmla="*/ 1793838 w 2036031"/>
+              <a:gd name="connsiteY2" fmla="*/ 85725 h 2057210"/>
+              <a:gd name="connsiteX3" fmla="*/ 2036031 w 2036031"/>
+              <a:gd name="connsiteY3" fmla="*/ 329823 h 2057210"/>
+              <a:gd name="connsiteX4" fmla="*/ 2034126 w 2036031"/>
+              <a:gd name="connsiteY4" fmla="*/ 1929268 h 2057210"/>
+              <a:gd name="connsiteX5" fmla="*/ 1870038 w 2036031"/>
+              <a:gd name="connsiteY5" fmla="*/ 2053351 h 2057210"/>
+              <a:gd name="connsiteX6" fmla="*/ 175518 w 2036031"/>
+              <a:gd name="connsiteY6" fmla="*/ 2057161 h 2057210"/>
+              <a:gd name="connsiteX7" fmla="*/ 0 w 2036031"/>
+              <a:gd name="connsiteY7" fmla="*/ 1965463 h 2057210"/>
+              <a:gd name="connsiteX8" fmla="*/ 0 w 2036031"/>
+              <a:gd name="connsiteY8" fmla="*/ 145038 h 2057210"/>
+              <a:gd name="connsiteX0" fmla="*/ 0 w 2036031"/>
+              <a:gd name="connsiteY0" fmla="*/ 145038 h 2057210"/>
+              <a:gd name="connsiteX1" fmla="*/ 274578 w 2036031"/>
+              <a:gd name="connsiteY1" fmla="*/ 0 h 2057210"/>
+              <a:gd name="connsiteX2" fmla="*/ 1793838 w 2036031"/>
+              <a:gd name="connsiteY2" fmla="*/ 85725 h 2057210"/>
+              <a:gd name="connsiteX3" fmla="*/ 2036031 w 2036031"/>
+              <a:gd name="connsiteY3" fmla="*/ 329823 h 2057210"/>
+              <a:gd name="connsiteX4" fmla="*/ 2034126 w 2036031"/>
+              <a:gd name="connsiteY4" fmla="*/ 1929268 h 2057210"/>
+              <a:gd name="connsiteX5" fmla="*/ 1870038 w 2036031"/>
+              <a:gd name="connsiteY5" fmla="*/ 2053351 h 2057210"/>
+              <a:gd name="connsiteX6" fmla="*/ 175518 w 2036031"/>
+              <a:gd name="connsiteY6" fmla="*/ 2057161 h 2057210"/>
+              <a:gd name="connsiteX7" fmla="*/ 0 w 2036031"/>
+              <a:gd name="connsiteY7" fmla="*/ 1965463 h 2057210"/>
+              <a:gd name="connsiteX8" fmla="*/ 0 w 2036031"/>
+              <a:gd name="connsiteY8" fmla="*/ 145038 h 2057210"/>
+              <a:gd name="connsiteX0" fmla="*/ 0 w 2036031"/>
+              <a:gd name="connsiteY0" fmla="*/ 147938 h 2060110"/>
+              <a:gd name="connsiteX1" fmla="*/ 274578 w 2036031"/>
+              <a:gd name="connsiteY1" fmla="*/ 2900 h 2060110"/>
+              <a:gd name="connsiteX2" fmla="*/ 1793838 w 2036031"/>
+              <a:gd name="connsiteY2" fmla="*/ 88625 h 2060110"/>
+              <a:gd name="connsiteX3" fmla="*/ 2036031 w 2036031"/>
+              <a:gd name="connsiteY3" fmla="*/ 332723 h 2060110"/>
+              <a:gd name="connsiteX4" fmla="*/ 2034126 w 2036031"/>
+              <a:gd name="connsiteY4" fmla="*/ 1932168 h 2060110"/>
+              <a:gd name="connsiteX5" fmla="*/ 1870038 w 2036031"/>
+              <a:gd name="connsiteY5" fmla="*/ 2056251 h 2060110"/>
+              <a:gd name="connsiteX6" fmla="*/ 175518 w 2036031"/>
+              <a:gd name="connsiteY6" fmla="*/ 2060061 h 2060110"/>
+              <a:gd name="connsiteX7" fmla="*/ 0 w 2036031"/>
+              <a:gd name="connsiteY7" fmla="*/ 1968363 h 2060110"/>
+              <a:gd name="connsiteX8" fmla="*/ 0 w 2036031"/>
+              <a:gd name="connsiteY8" fmla="*/ 147938 h 2060110"/>
+            </a:gdLst>
+            <a:ahLst/>
+            <a:cxnLst>
+              <a:cxn ang="0">
+                <a:pos x="connsiteX0" y="connsiteY0"/>
+              </a:cxn>
+              <a:cxn ang="0">
+                <a:pos x="connsiteX1" y="connsiteY1"/>
+              </a:cxn>
+              <a:cxn ang="0">
+                <a:pos x="connsiteX2" y="connsiteY2"/>
+              </a:cxn>
+              <a:cxn ang="0">
+                <a:pos x="connsiteX3" y="connsiteY3"/>
+              </a:cxn>
+              <a:cxn ang="0">
+                <a:pos x="connsiteX4" y="connsiteY4"/>
+              </a:cxn>
+              <a:cxn ang="0">
+                <a:pos x="connsiteX5" y="connsiteY5"/>
+              </a:cxn>
+              <a:cxn ang="0">
+                <a:pos x="connsiteX6" y="connsiteY6"/>
+              </a:cxn>
+              <a:cxn ang="0">
+                <a:pos x="connsiteX7" y="connsiteY7"/>
+              </a:cxn>
+              <a:cxn ang="0">
+                <a:pos x="connsiteX8" y="connsiteY8"/>
+              </a:cxn>
+            </a:cxnLst>
+            <a:rect l="l" t="t" r="r" b="b"/>
+            <a:pathLst>
+              <a:path w="2036031" h="2060110">
+                <a:moveTo>
+                  <a:pt x="0" y="147938"/>
+                </a:moveTo>
+                <a:cubicBezTo>
+                  <a:pt x="0" y="51002"/>
+                  <a:pt x="15082" y="-14880"/>
+                  <a:pt x="274578" y="2900"/>
+                </a:cubicBezTo>
+                <a:cubicBezTo>
+                  <a:pt x="819945" y="31475"/>
+                  <a:pt x="1235771" y="4170"/>
+                  <a:pt x="1793838" y="88625"/>
+                </a:cubicBezTo>
+                <a:cubicBezTo>
+                  <a:pt x="1890774" y="88625"/>
+                  <a:pt x="2036031" y="235787"/>
+                  <a:pt x="2036031" y="332723"/>
+                </a:cubicBezTo>
+                <a:lnTo>
+                  <a:pt x="2034126" y="1932168"/>
+                </a:lnTo>
+                <a:cubicBezTo>
+                  <a:pt x="2034126" y="2029104"/>
+                  <a:pt x="1966974" y="2056251"/>
+                  <a:pt x="1870038" y="2056251"/>
+                </a:cubicBezTo>
+                <a:lnTo>
+                  <a:pt x="175518" y="2060061"/>
+                </a:lnTo>
+                <a:cubicBezTo>
+                  <a:pt x="78582" y="2060061"/>
+                  <a:pt x="0" y="2065299"/>
+                  <a:pt x="0" y="1968363"/>
+                </a:cubicBezTo>
+                <a:lnTo>
+                  <a:pt x="0" y="147938"/>
+                </a:lnTo>
+                <a:close/>
+              </a:path>
+            </a:pathLst>
+          </a:custGeom>
+          <a:gradFill>
+            <a:gsLst>
+              <a:gs pos="90000">
+                <a:srgbClr val="FBFCFD"/>
+              </a:gs>
+              <a:gs pos="21000">
+                <a:srgbClr val="E4E5E6"/>
+              </a:gs>
+              <a:gs pos="6000">
+                <a:srgbClr val="40413E"/>
+              </a:gs>
+              <a:gs pos="81306">
+                <a:srgbClr val="F8F9FA"/>
+              </a:gs>
+              <a:gs pos="90000">
+                <a:srgbClr val="303335"/>
+              </a:gs>
+            </a:gsLst>
+            <a:lin ang="5400000" scaled="0"/>
+          </a:gradFill>
+          <a:ln>
+            <a:noFill/>
+          </a:ln>
+        </p:spPr>
+        <p:style>
+          <a:lnRef idx="2">
+            <a:schemeClr val="accent1">
+              <a:shade val="15000"/>
+            </a:schemeClr>
+          </a:lnRef>
+          <a:fillRef idx="1">
+            <a:schemeClr val="accent1"/>
+          </a:fillRef>
+          <a:effectRef idx="0">
+            <a:schemeClr val="accent1"/>
+          </a:effectRef>
+          <a:fontRef idx="minor">
+            <a:schemeClr val="lt1"/>
+          </a:fontRef>
+        </p:style>
+        <p:txBody>
+          <a:bodyPr rtlCol="0" anchor="ctr"/>
+          <a:lstStyle/>
+          <a:p>
+            <a:pPr algn="ctr"/>
+            <a:endParaRPr kumimoji="1" lang="ja-JP" altLang="en-US"/>
+          </a:p>
+        </p:txBody>
+      </p:sp>
+      <p:sp>
+        <p:nvSpPr>
+          <p:cNvPr id="24" name="四角形: 角を丸くする 22">
+            <a:extLst>
+              <a:ext uri="{FF2B5EF4-FFF2-40B4-BE49-F238E27FC236}">
+                <a16:creationId xmlns:a16="http://schemas.microsoft.com/office/drawing/2014/main" id="{CBC868AF-40E9-F2EC-F548-CDED9F540750}"/>
+              </a:ext>
+            </a:extLst>
+          </p:cNvPr>
+          <p:cNvSpPr/>
+          <p:nvPr/>
+        </p:nvSpPr>
+        <p:spPr>
+          <a:xfrm>
+            <a:off x="6141310" y="2189154"/>
+            <a:ext cx="2036031" cy="2029618"/>
+          </a:xfrm>
+          <a:custGeom>
+            <a:avLst/>
+            <a:gdLst>
+              <a:gd name="connsiteX0" fmla="*/ 0 w 1997931"/>
+              <a:gd name="connsiteY0" fmla="*/ 175518 h 2087641"/>
+              <a:gd name="connsiteX1" fmla="*/ 175518 w 1997931"/>
+              <a:gd name="connsiteY1" fmla="*/ 0 h 2087641"/>
+              <a:gd name="connsiteX2" fmla="*/ 1822413 w 1997931"/>
+              <a:gd name="connsiteY2" fmla="*/ 0 h 2087641"/>
+              <a:gd name="connsiteX3" fmla="*/ 1997931 w 1997931"/>
+              <a:gd name="connsiteY3" fmla="*/ 175518 h 2087641"/>
+              <a:gd name="connsiteX4" fmla="*/ 1997931 w 1997931"/>
+              <a:gd name="connsiteY4" fmla="*/ 1912123 h 2087641"/>
+              <a:gd name="connsiteX5" fmla="*/ 1822413 w 1997931"/>
+              <a:gd name="connsiteY5" fmla="*/ 2087641 h 2087641"/>
+              <a:gd name="connsiteX6" fmla="*/ 175518 w 1997931"/>
+              <a:gd name="connsiteY6" fmla="*/ 2087641 h 2087641"/>
+              <a:gd name="connsiteX7" fmla="*/ 0 w 1997931"/>
+              <a:gd name="connsiteY7" fmla="*/ 1912123 h 2087641"/>
+              <a:gd name="connsiteX8" fmla="*/ 0 w 1997931"/>
+              <a:gd name="connsiteY8" fmla="*/ 175518 h 2087641"/>
+              <a:gd name="connsiteX0" fmla="*/ 0 w 1997931"/>
+              <a:gd name="connsiteY0" fmla="*/ 175518 h 2087690"/>
+              <a:gd name="connsiteX1" fmla="*/ 175518 w 1997931"/>
+              <a:gd name="connsiteY1" fmla="*/ 0 h 2087690"/>
+              <a:gd name="connsiteX2" fmla="*/ 1822413 w 1997931"/>
+              <a:gd name="connsiteY2" fmla="*/ 0 h 2087690"/>
+              <a:gd name="connsiteX3" fmla="*/ 1997931 w 1997931"/>
+              <a:gd name="connsiteY3" fmla="*/ 175518 h 2087690"/>
+              <a:gd name="connsiteX4" fmla="*/ 1997931 w 1997931"/>
+              <a:gd name="connsiteY4" fmla="*/ 1912123 h 2087690"/>
+              <a:gd name="connsiteX5" fmla="*/ 1822413 w 1997931"/>
+              <a:gd name="connsiteY5" fmla="*/ 2087641 h 2087690"/>
+              <a:gd name="connsiteX6" fmla="*/ 175518 w 1997931"/>
+              <a:gd name="connsiteY6" fmla="*/ 2087641 h 2087690"/>
+              <a:gd name="connsiteX7" fmla="*/ 0 w 1997931"/>
+              <a:gd name="connsiteY7" fmla="*/ 1995943 h 2087690"/>
+              <a:gd name="connsiteX8" fmla="*/ 0 w 1997931"/>
+              <a:gd name="connsiteY8" fmla="*/ 175518 h 2087690"/>
+              <a:gd name="connsiteX0" fmla="*/ 0 w 1997931"/>
+              <a:gd name="connsiteY0" fmla="*/ 175518 h 2087690"/>
+              <a:gd name="connsiteX1" fmla="*/ 175518 w 1997931"/>
+              <a:gd name="connsiteY1" fmla="*/ 0 h 2087690"/>
+              <a:gd name="connsiteX2" fmla="*/ 1822413 w 1997931"/>
+              <a:gd name="connsiteY2" fmla="*/ 0 h 2087690"/>
+              <a:gd name="connsiteX3" fmla="*/ 1997931 w 1997931"/>
+              <a:gd name="connsiteY3" fmla="*/ 175518 h 2087690"/>
+              <a:gd name="connsiteX4" fmla="*/ 1997931 w 1997931"/>
+              <a:gd name="connsiteY4" fmla="*/ 1965463 h 2087690"/>
+              <a:gd name="connsiteX5" fmla="*/ 1822413 w 1997931"/>
+              <a:gd name="connsiteY5" fmla="*/ 2087641 h 2087690"/>
+              <a:gd name="connsiteX6" fmla="*/ 175518 w 1997931"/>
+              <a:gd name="connsiteY6" fmla="*/ 2087641 h 2087690"/>
+              <a:gd name="connsiteX7" fmla="*/ 0 w 1997931"/>
+              <a:gd name="connsiteY7" fmla="*/ 1995943 h 2087690"/>
+              <a:gd name="connsiteX8" fmla="*/ 0 w 1997931"/>
+              <a:gd name="connsiteY8" fmla="*/ 175518 h 2087690"/>
+              <a:gd name="connsiteX0" fmla="*/ 0 w 1997931"/>
+              <a:gd name="connsiteY0" fmla="*/ 175518 h 2087690"/>
+              <a:gd name="connsiteX1" fmla="*/ 175518 w 1997931"/>
+              <a:gd name="connsiteY1" fmla="*/ 0 h 2087690"/>
+              <a:gd name="connsiteX2" fmla="*/ 1822413 w 1997931"/>
+              <a:gd name="connsiteY2" fmla="*/ 0 h 2087690"/>
+              <a:gd name="connsiteX3" fmla="*/ 1872201 w 1997931"/>
+              <a:gd name="connsiteY3" fmla="*/ 809883 h 2087690"/>
+              <a:gd name="connsiteX4" fmla="*/ 1997931 w 1997931"/>
+              <a:gd name="connsiteY4" fmla="*/ 1965463 h 2087690"/>
+              <a:gd name="connsiteX5" fmla="*/ 1822413 w 1997931"/>
+              <a:gd name="connsiteY5" fmla="*/ 2087641 h 2087690"/>
+              <a:gd name="connsiteX6" fmla="*/ 175518 w 1997931"/>
+              <a:gd name="connsiteY6" fmla="*/ 2087641 h 2087690"/>
+              <a:gd name="connsiteX7" fmla="*/ 0 w 1997931"/>
+              <a:gd name="connsiteY7" fmla="*/ 1995943 h 2087690"/>
+              <a:gd name="connsiteX8" fmla="*/ 0 w 1997931"/>
+              <a:gd name="connsiteY8" fmla="*/ 175518 h 2087690"/>
+              <a:gd name="connsiteX0" fmla="*/ 0 w 1997931"/>
+              <a:gd name="connsiteY0" fmla="*/ 175518 h 2087690"/>
+              <a:gd name="connsiteX1" fmla="*/ 175518 w 1997931"/>
+              <a:gd name="connsiteY1" fmla="*/ 0 h 2087690"/>
+              <a:gd name="connsiteX2" fmla="*/ 1694778 w 1997931"/>
+              <a:gd name="connsiteY2" fmla="*/ 518160 h 2087690"/>
+              <a:gd name="connsiteX3" fmla="*/ 1872201 w 1997931"/>
+              <a:gd name="connsiteY3" fmla="*/ 809883 h 2087690"/>
+              <a:gd name="connsiteX4" fmla="*/ 1997931 w 1997931"/>
+              <a:gd name="connsiteY4" fmla="*/ 1965463 h 2087690"/>
+              <a:gd name="connsiteX5" fmla="*/ 1822413 w 1997931"/>
+              <a:gd name="connsiteY5" fmla="*/ 2087641 h 2087690"/>
+              <a:gd name="connsiteX6" fmla="*/ 175518 w 1997931"/>
+              <a:gd name="connsiteY6" fmla="*/ 2087641 h 2087690"/>
+              <a:gd name="connsiteX7" fmla="*/ 0 w 1997931"/>
+              <a:gd name="connsiteY7" fmla="*/ 1995943 h 2087690"/>
+              <a:gd name="connsiteX8" fmla="*/ 0 w 1997931"/>
+              <a:gd name="connsiteY8" fmla="*/ 175518 h 2087690"/>
+              <a:gd name="connsiteX0" fmla="*/ 0 w 2011266"/>
+              <a:gd name="connsiteY0" fmla="*/ 175518 h 2087690"/>
+              <a:gd name="connsiteX1" fmla="*/ 175518 w 2011266"/>
+              <a:gd name="connsiteY1" fmla="*/ 0 h 2087690"/>
+              <a:gd name="connsiteX2" fmla="*/ 1694778 w 2011266"/>
+              <a:gd name="connsiteY2" fmla="*/ 518160 h 2087690"/>
+              <a:gd name="connsiteX3" fmla="*/ 2011266 w 2011266"/>
+              <a:gd name="connsiteY3" fmla="*/ 465078 h 2087690"/>
+              <a:gd name="connsiteX4" fmla="*/ 1997931 w 2011266"/>
+              <a:gd name="connsiteY4" fmla="*/ 1965463 h 2087690"/>
+              <a:gd name="connsiteX5" fmla="*/ 1822413 w 2011266"/>
+              <a:gd name="connsiteY5" fmla="*/ 2087641 h 2087690"/>
+              <a:gd name="connsiteX6" fmla="*/ 175518 w 2011266"/>
+              <a:gd name="connsiteY6" fmla="*/ 2087641 h 2087690"/>
+              <a:gd name="connsiteX7" fmla="*/ 0 w 2011266"/>
+              <a:gd name="connsiteY7" fmla="*/ 1995943 h 2087690"/>
+              <a:gd name="connsiteX8" fmla="*/ 0 w 2011266"/>
+              <a:gd name="connsiteY8" fmla="*/ 175518 h 2087690"/>
+              <a:gd name="connsiteX0" fmla="*/ 0 w 1997931"/>
+              <a:gd name="connsiteY0" fmla="*/ 175518 h 2087690"/>
+              <a:gd name="connsiteX1" fmla="*/ 175518 w 1997931"/>
+              <a:gd name="connsiteY1" fmla="*/ 0 h 2087690"/>
+              <a:gd name="connsiteX2" fmla="*/ 1694778 w 1997931"/>
+              <a:gd name="connsiteY2" fmla="*/ 518160 h 2087690"/>
+              <a:gd name="connsiteX3" fmla="*/ 1956021 w 1997931"/>
+              <a:gd name="connsiteY3" fmla="*/ 465078 h 2087690"/>
+              <a:gd name="connsiteX4" fmla="*/ 1997931 w 1997931"/>
+              <a:gd name="connsiteY4" fmla="*/ 1965463 h 2087690"/>
+              <a:gd name="connsiteX5" fmla="*/ 1822413 w 1997931"/>
+              <a:gd name="connsiteY5" fmla="*/ 2087641 h 2087690"/>
+              <a:gd name="connsiteX6" fmla="*/ 175518 w 1997931"/>
+              <a:gd name="connsiteY6" fmla="*/ 2087641 h 2087690"/>
+              <a:gd name="connsiteX7" fmla="*/ 0 w 1997931"/>
+              <a:gd name="connsiteY7" fmla="*/ 1995943 h 2087690"/>
+              <a:gd name="connsiteX8" fmla="*/ 0 w 1997931"/>
+              <a:gd name="connsiteY8" fmla="*/ 175518 h 2087690"/>
+              <a:gd name="connsiteX0" fmla="*/ 0 w 1997931"/>
+              <a:gd name="connsiteY0" fmla="*/ 175518 h 2087690"/>
+              <a:gd name="connsiteX1" fmla="*/ 175518 w 1997931"/>
+              <a:gd name="connsiteY1" fmla="*/ 0 h 2087690"/>
+              <a:gd name="connsiteX2" fmla="*/ 1793838 w 1997931"/>
+              <a:gd name="connsiteY2" fmla="*/ 123825 h 2087690"/>
+              <a:gd name="connsiteX3" fmla="*/ 1956021 w 1997931"/>
+              <a:gd name="connsiteY3" fmla="*/ 465078 h 2087690"/>
+              <a:gd name="connsiteX4" fmla="*/ 1997931 w 1997931"/>
+              <a:gd name="connsiteY4" fmla="*/ 1965463 h 2087690"/>
+              <a:gd name="connsiteX5" fmla="*/ 1822413 w 1997931"/>
+              <a:gd name="connsiteY5" fmla="*/ 2087641 h 2087690"/>
+              <a:gd name="connsiteX6" fmla="*/ 175518 w 1997931"/>
+              <a:gd name="connsiteY6" fmla="*/ 2087641 h 2087690"/>
+              <a:gd name="connsiteX7" fmla="*/ 0 w 1997931"/>
+              <a:gd name="connsiteY7" fmla="*/ 1995943 h 2087690"/>
+              <a:gd name="connsiteX8" fmla="*/ 0 w 1997931"/>
+              <a:gd name="connsiteY8" fmla="*/ 175518 h 2087690"/>
+              <a:gd name="connsiteX0" fmla="*/ 0 w 1997931"/>
+              <a:gd name="connsiteY0" fmla="*/ 175518 h 2087690"/>
+              <a:gd name="connsiteX1" fmla="*/ 175518 w 1997931"/>
+              <a:gd name="connsiteY1" fmla="*/ 0 h 2087690"/>
+              <a:gd name="connsiteX2" fmla="*/ 1793838 w 1997931"/>
+              <a:gd name="connsiteY2" fmla="*/ 123825 h 2087690"/>
+              <a:gd name="connsiteX3" fmla="*/ 1954116 w 1997931"/>
+              <a:gd name="connsiteY3" fmla="*/ 505083 h 2087690"/>
+              <a:gd name="connsiteX4" fmla="*/ 1997931 w 1997931"/>
+              <a:gd name="connsiteY4" fmla="*/ 1965463 h 2087690"/>
+              <a:gd name="connsiteX5" fmla="*/ 1822413 w 1997931"/>
+              <a:gd name="connsiteY5" fmla="*/ 2087641 h 2087690"/>
+              <a:gd name="connsiteX6" fmla="*/ 175518 w 1997931"/>
+              <a:gd name="connsiteY6" fmla="*/ 2087641 h 2087690"/>
+              <a:gd name="connsiteX7" fmla="*/ 0 w 1997931"/>
+              <a:gd name="connsiteY7" fmla="*/ 1995943 h 2087690"/>
+              <a:gd name="connsiteX8" fmla="*/ 0 w 1997931"/>
+              <a:gd name="connsiteY8" fmla="*/ 175518 h 2087690"/>
+              <a:gd name="connsiteX0" fmla="*/ 0 w 2036031"/>
+              <a:gd name="connsiteY0" fmla="*/ 175518 h 2087690"/>
+              <a:gd name="connsiteX1" fmla="*/ 175518 w 2036031"/>
+              <a:gd name="connsiteY1" fmla="*/ 0 h 2087690"/>
+              <a:gd name="connsiteX2" fmla="*/ 1793838 w 2036031"/>
+              <a:gd name="connsiteY2" fmla="*/ 123825 h 2087690"/>
+              <a:gd name="connsiteX3" fmla="*/ 2036031 w 2036031"/>
+              <a:gd name="connsiteY3" fmla="*/ 360303 h 2087690"/>
+              <a:gd name="connsiteX4" fmla="*/ 1997931 w 2036031"/>
+              <a:gd name="connsiteY4" fmla="*/ 1965463 h 2087690"/>
+              <a:gd name="connsiteX5" fmla="*/ 1822413 w 2036031"/>
+              <a:gd name="connsiteY5" fmla="*/ 2087641 h 2087690"/>
+              <a:gd name="connsiteX6" fmla="*/ 175518 w 2036031"/>
+              <a:gd name="connsiteY6" fmla="*/ 2087641 h 2087690"/>
+              <a:gd name="connsiteX7" fmla="*/ 0 w 2036031"/>
+              <a:gd name="connsiteY7" fmla="*/ 1995943 h 2087690"/>
+              <a:gd name="connsiteX8" fmla="*/ 0 w 2036031"/>
+              <a:gd name="connsiteY8" fmla="*/ 175518 h 2087690"/>
+              <a:gd name="connsiteX0" fmla="*/ 0 w 2036031"/>
+              <a:gd name="connsiteY0" fmla="*/ 175518 h 2087690"/>
+              <a:gd name="connsiteX1" fmla="*/ 175518 w 2036031"/>
+              <a:gd name="connsiteY1" fmla="*/ 0 h 2087690"/>
+              <a:gd name="connsiteX2" fmla="*/ 1793838 w 2036031"/>
+              <a:gd name="connsiteY2" fmla="*/ 116205 h 2087690"/>
+              <a:gd name="connsiteX3" fmla="*/ 2036031 w 2036031"/>
+              <a:gd name="connsiteY3" fmla="*/ 360303 h 2087690"/>
+              <a:gd name="connsiteX4" fmla="*/ 1997931 w 2036031"/>
+              <a:gd name="connsiteY4" fmla="*/ 1965463 h 2087690"/>
+              <a:gd name="connsiteX5" fmla="*/ 1822413 w 2036031"/>
+              <a:gd name="connsiteY5" fmla="*/ 2087641 h 2087690"/>
+              <a:gd name="connsiteX6" fmla="*/ 175518 w 2036031"/>
+              <a:gd name="connsiteY6" fmla="*/ 2087641 h 2087690"/>
+              <a:gd name="connsiteX7" fmla="*/ 0 w 2036031"/>
+              <a:gd name="connsiteY7" fmla="*/ 1995943 h 2087690"/>
+              <a:gd name="connsiteX8" fmla="*/ 0 w 2036031"/>
+              <a:gd name="connsiteY8" fmla="*/ 175518 h 2087690"/>
+              <a:gd name="connsiteX0" fmla="*/ 0 w 2036031"/>
+              <a:gd name="connsiteY0" fmla="*/ 175518 h 2087690"/>
+              <a:gd name="connsiteX1" fmla="*/ 175518 w 2036031"/>
+              <a:gd name="connsiteY1" fmla="*/ 0 h 2087690"/>
+              <a:gd name="connsiteX2" fmla="*/ 1793838 w 2036031"/>
+              <a:gd name="connsiteY2" fmla="*/ 116205 h 2087690"/>
+              <a:gd name="connsiteX3" fmla="*/ 2036031 w 2036031"/>
+              <a:gd name="connsiteY3" fmla="*/ 360303 h 2087690"/>
+              <a:gd name="connsiteX4" fmla="*/ 2034126 w 2036031"/>
+              <a:gd name="connsiteY4" fmla="*/ 1959748 h 2087690"/>
+              <a:gd name="connsiteX5" fmla="*/ 1822413 w 2036031"/>
+              <a:gd name="connsiteY5" fmla="*/ 2087641 h 2087690"/>
+              <a:gd name="connsiteX6" fmla="*/ 175518 w 2036031"/>
+              <a:gd name="connsiteY6" fmla="*/ 2087641 h 2087690"/>
+              <a:gd name="connsiteX7" fmla="*/ 0 w 2036031"/>
+              <a:gd name="connsiteY7" fmla="*/ 1995943 h 2087690"/>
+              <a:gd name="connsiteX8" fmla="*/ 0 w 2036031"/>
+              <a:gd name="connsiteY8" fmla="*/ 175518 h 2087690"/>
+              <a:gd name="connsiteX0" fmla="*/ 0 w 2036031"/>
+              <a:gd name="connsiteY0" fmla="*/ 175518 h 2087690"/>
+              <a:gd name="connsiteX1" fmla="*/ 175518 w 2036031"/>
+              <a:gd name="connsiteY1" fmla="*/ 0 h 2087690"/>
+              <a:gd name="connsiteX2" fmla="*/ 1793838 w 2036031"/>
+              <a:gd name="connsiteY2" fmla="*/ 116205 h 2087690"/>
+              <a:gd name="connsiteX3" fmla="*/ 2036031 w 2036031"/>
+              <a:gd name="connsiteY3" fmla="*/ 360303 h 2087690"/>
+              <a:gd name="connsiteX4" fmla="*/ 2034126 w 2036031"/>
+              <a:gd name="connsiteY4" fmla="*/ 1959748 h 2087690"/>
+              <a:gd name="connsiteX5" fmla="*/ 1870038 w 2036031"/>
+              <a:gd name="connsiteY5" fmla="*/ 2083831 h 2087690"/>
+              <a:gd name="connsiteX6" fmla="*/ 175518 w 2036031"/>
+              <a:gd name="connsiteY6" fmla="*/ 2087641 h 2087690"/>
+              <a:gd name="connsiteX7" fmla="*/ 0 w 2036031"/>
+              <a:gd name="connsiteY7" fmla="*/ 1995943 h 2087690"/>
+              <a:gd name="connsiteX8" fmla="*/ 0 w 2036031"/>
+              <a:gd name="connsiteY8" fmla="*/ 175518 h 2087690"/>
+              <a:gd name="connsiteX0" fmla="*/ 0 w 2036031"/>
+              <a:gd name="connsiteY0" fmla="*/ 64661 h 1976833"/>
+              <a:gd name="connsiteX1" fmla="*/ 170438 w 2036031"/>
+              <a:gd name="connsiteY1" fmla="*/ 8523 h 1976833"/>
+              <a:gd name="connsiteX2" fmla="*/ 1793838 w 2036031"/>
+              <a:gd name="connsiteY2" fmla="*/ 5348 h 1976833"/>
+              <a:gd name="connsiteX3" fmla="*/ 2036031 w 2036031"/>
+              <a:gd name="connsiteY3" fmla="*/ 249446 h 1976833"/>
+              <a:gd name="connsiteX4" fmla="*/ 2034126 w 2036031"/>
+              <a:gd name="connsiteY4" fmla="*/ 1848891 h 1976833"/>
+              <a:gd name="connsiteX5" fmla="*/ 1870038 w 2036031"/>
+              <a:gd name="connsiteY5" fmla="*/ 1972974 h 1976833"/>
+              <a:gd name="connsiteX6" fmla="*/ 175518 w 2036031"/>
+              <a:gd name="connsiteY6" fmla="*/ 1976784 h 1976833"/>
+              <a:gd name="connsiteX7" fmla="*/ 0 w 2036031"/>
+              <a:gd name="connsiteY7" fmla="*/ 1885086 h 1976833"/>
+              <a:gd name="connsiteX8" fmla="*/ 0 w 2036031"/>
+              <a:gd name="connsiteY8" fmla="*/ 64661 h 1976833"/>
+              <a:gd name="connsiteX0" fmla="*/ 0 w 2036031"/>
+              <a:gd name="connsiteY0" fmla="*/ 145038 h 2057210"/>
+              <a:gd name="connsiteX1" fmla="*/ 157738 w 2036031"/>
+              <a:gd name="connsiteY1" fmla="*/ 0 h 2057210"/>
+              <a:gd name="connsiteX2" fmla="*/ 1793838 w 2036031"/>
+              <a:gd name="connsiteY2" fmla="*/ 85725 h 2057210"/>
+              <a:gd name="connsiteX3" fmla="*/ 2036031 w 2036031"/>
+              <a:gd name="connsiteY3" fmla="*/ 329823 h 2057210"/>
+              <a:gd name="connsiteX4" fmla="*/ 2034126 w 2036031"/>
+              <a:gd name="connsiteY4" fmla="*/ 1929268 h 2057210"/>
+              <a:gd name="connsiteX5" fmla="*/ 1870038 w 2036031"/>
+              <a:gd name="connsiteY5" fmla="*/ 2053351 h 2057210"/>
+              <a:gd name="connsiteX6" fmla="*/ 175518 w 2036031"/>
+              <a:gd name="connsiteY6" fmla="*/ 2057161 h 2057210"/>
+              <a:gd name="connsiteX7" fmla="*/ 0 w 2036031"/>
+              <a:gd name="connsiteY7" fmla="*/ 1965463 h 2057210"/>
+              <a:gd name="connsiteX8" fmla="*/ 0 w 2036031"/>
+              <a:gd name="connsiteY8" fmla="*/ 145038 h 2057210"/>
+              <a:gd name="connsiteX0" fmla="*/ 0 w 2036031"/>
+              <a:gd name="connsiteY0" fmla="*/ 145038 h 2057210"/>
+              <a:gd name="connsiteX1" fmla="*/ 157738 w 2036031"/>
+              <a:gd name="connsiteY1" fmla="*/ 0 h 2057210"/>
+              <a:gd name="connsiteX2" fmla="*/ 1793838 w 2036031"/>
+              <a:gd name="connsiteY2" fmla="*/ 85725 h 2057210"/>
+              <a:gd name="connsiteX3" fmla="*/ 2036031 w 2036031"/>
+              <a:gd name="connsiteY3" fmla="*/ 329823 h 2057210"/>
+              <a:gd name="connsiteX4" fmla="*/ 2034126 w 2036031"/>
+              <a:gd name="connsiteY4" fmla="*/ 1929268 h 2057210"/>
+              <a:gd name="connsiteX5" fmla="*/ 1870038 w 2036031"/>
+              <a:gd name="connsiteY5" fmla="*/ 2053351 h 2057210"/>
+              <a:gd name="connsiteX6" fmla="*/ 175518 w 2036031"/>
+              <a:gd name="connsiteY6" fmla="*/ 2057161 h 2057210"/>
+              <a:gd name="connsiteX7" fmla="*/ 0 w 2036031"/>
+              <a:gd name="connsiteY7" fmla="*/ 1965463 h 2057210"/>
+              <a:gd name="connsiteX8" fmla="*/ 0 w 2036031"/>
+              <a:gd name="connsiteY8" fmla="*/ 145038 h 2057210"/>
+              <a:gd name="connsiteX0" fmla="*/ 0 w 2036031"/>
+              <a:gd name="connsiteY0" fmla="*/ 145038 h 2057210"/>
+              <a:gd name="connsiteX1" fmla="*/ 274578 w 2036031"/>
+              <a:gd name="connsiteY1" fmla="*/ 0 h 2057210"/>
+              <a:gd name="connsiteX2" fmla="*/ 1793838 w 2036031"/>
+              <a:gd name="connsiteY2" fmla="*/ 85725 h 2057210"/>
+              <a:gd name="connsiteX3" fmla="*/ 2036031 w 2036031"/>
+              <a:gd name="connsiteY3" fmla="*/ 329823 h 2057210"/>
+              <a:gd name="connsiteX4" fmla="*/ 2034126 w 2036031"/>
+              <a:gd name="connsiteY4" fmla="*/ 1929268 h 2057210"/>
+              <a:gd name="connsiteX5" fmla="*/ 1870038 w 2036031"/>
+              <a:gd name="connsiteY5" fmla="*/ 2053351 h 2057210"/>
+              <a:gd name="connsiteX6" fmla="*/ 175518 w 2036031"/>
+              <a:gd name="connsiteY6" fmla="*/ 2057161 h 2057210"/>
+              <a:gd name="connsiteX7" fmla="*/ 0 w 2036031"/>
+              <a:gd name="connsiteY7" fmla="*/ 1965463 h 2057210"/>
+              <a:gd name="connsiteX8" fmla="*/ 0 w 2036031"/>
+              <a:gd name="connsiteY8" fmla="*/ 145038 h 2057210"/>
+              <a:gd name="connsiteX0" fmla="*/ 0 w 2036031"/>
+              <a:gd name="connsiteY0" fmla="*/ 147938 h 2060110"/>
+              <a:gd name="connsiteX1" fmla="*/ 274578 w 2036031"/>
+              <a:gd name="connsiteY1" fmla="*/ 2900 h 2060110"/>
+              <a:gd name="connsiteX2" fmla="*/ 1793838 w 2036031"/>
+              <a:gd name="connsiteY2" fmla="*/ 88625 h 2060110"/>
+              <a:gd name="connsiteX3" fmla="*/ 2036031 w 2036031"/>
+              <a:gd name="connsiteY3" fmla="*/ 332723 h 2060110"/>
+              <a:gd name="connsiteX4" fmla="*/ 2034126 w 2036031"/>
+              <a:gd name="connsiteY4" fmla="*/ 1932168 h 2060110"/>
+              <a:gd name="connsiteX5" fmla="*/ 1870038 w 2036031"/>
+              <a:gd name="connsiteY5" fmla="*/ 2056251 h 2060110"/>
+              <a:gd name="connsiteX6" fmla="*/ 175518 w 2036031"/>
+              <a:gd name="connsiteY6" fmla="*/ 2060061 h 2060110"/>
+              <a:gd name="connsiteX7" fmla="*/ 0 w 2036031"/>
+              <a:gd name="connsiteY7" fmla="*/ 1968363 h 2060110"/>
+              <a:gd name="connsiteX8" fmla="*/ 0 w 2036031"/>
+              <a:gd name="connsiteY8" fmla="*/ 147938 h 2060110"/>
+            </a:gdLst>
+            <a:ahLst/>
+            <a:cxnLst>
+              <a:cxn ang="0">
+                <a:pos x="connsiteX0" y="connsiteY0"/>
+              </a:cxn>
+              <a:cxn ang="0">
+                <a:pos x="connsiteX1" y="connsiteY1"/>
+              </a:cxn>
+              <a:cxn ang="0">
+                <a:pos x="connsiteX2" y="connsiteY2"/>
+              </a:cxn>
+              <a:cxn ang="0">
+                <a:pos x="connsiteX3" y="connsiteY3"/>
+              </a:cxn>
+              <a:cxn ang="0">
+                <a:pos x="connsiteX4" y="connsiteY4"/>
+              </a:cxn>
+              <a:cxn ang="0">
+                <a:pos x="connsiteX5" y="connsiteY5"/>
+              </a:cxn>
+              <a:cxn ang="0">
+                <a:pos x="connsiteX6" y="connsiteY6"/>
+              </a:cxn>
+              <a:cxn ang="0">
+                <a:pos x="connsiteX7" y="connsiteY7"/>
+              </a:cxn>
+              <a:cxn ang="0">
+                <a:pos x="connsiteX8" y="connsiteY8"/>
+              </a:cxn>
+            </a:cxnLst>
+            <a:rect l="l" t="t" r="r" b="b"/>
+            <a:pathLst>
+              <a:path w="2036031" h="2060110">
+                <a:moveTo>
+                  <a:pt x="0" y="147938"/>
+                </a:moveTo>
+                <a:cubicBezTo>
+                  <a:pt x="0" y="51002"/>
+                  <a:pt x="15082" y="-14880"/>
+                  <a:pt x="274578" y="2900"/>
+                </a:cubicBezTo>
+                <a:cubicBezTo>
+                  <a:pt x="819945" y="31475"/>
+                  <a:pt x="1235771" y="4170"/>
+                  <a:pt x="1793838" y="88625"/>
+                </a:cubicBezTo>
+                <a:cubicBezTo>
+                  <a:pt x="1890774" y="88625"/>
+                  <a:pt x="2036031" y="235787"/>
+                  <a:pt x="2036031" y="332723"/>
+                </a:cubicBezTo>
+                <a:lnTo>
+                  <a:pt x="2034126" y="1932168"/>
+                </a:lnTo>
+                <a:cubicBezTo>
+                  <a:pt x="2034126" y="2029104"/>
+                  <a:pt x="1966974" y="2056251"/>
+                  <a:pt x="1870038" y="2056251"/>
+                </a:cubicBezTo>
+                <a:lnTo>
+                  <a:pt x="175518" y="2060061"/>
+                </a:lnTo>
+                <a:cubicBezTo>
+                  <a:pt x="78582" y="2060061"/>
+                  <a:pt x="0" y="2065299"/>
+                  <a:pt x="0" y="1968363"/>
+                </a:cubicBezTo>
+                <a:lnTo>
+                  <a:pt x="0" y="147938"/>
+                </a:lnTo>
+                <a:close/>
+              </a:path>
+            </a:pathLst>
+          </a:custGeom>
+          <a:gradFill>
+            <a:gsLst>
+              <a:gs pos="100000">
+                <a:schemeClr val="tx1">
+                  <a:lumMod val="85000"/>
+                  <a:lumOff val="15000"/>
+                  <a:alpha val="0"/>
+                </a:schemeClr>
+              </a:gs>
+              <a:gs pos="23000">
+                <a:schemeClr val="tx1">
+                  <a:lumMod val="85000"/>
+                  <a:lumOff val="15000"/>
+                  <a:alpha val="50000"/>
+                </a:schemeClr>
+              </a:gs>
+            </a:gsLst>
+            <a:lin ang="1800000" scaled="0"/>
+          </a:gradFill>
+          <a:ln>
+            <a:noFill/>
+          </a:ln>
+        </p:spPr>
+        <p:style>
+          <a:lnRef idx="2">
+            <a:schemeClr val="accent1">
+              <a:shade val="15000"/>
+            </a:schemeClr>
+          </a:lnRef>
+          <a:fillRef idx="1">
+            <a:schemeClr val="accent1"/>
+          </a:fillRef>
+          <a:effectRef idx="0">
+            <a:schemeClr val="accent1"/>
+          </a:effectRef>
+          <a:fontRef idx="minor">
+            <a:schemeClr val="lt1"/>
+          </a:fontRef>
+        </p:style>
+        <p:txBody>
+          <a:bodyPr rtlCol="0" anchor="ctr"/>
+          <a:lstStyle/>
+          <a:p>
+            <a:pPr algn="ctr"/>
+            <a:endParaRPr kumimoji="1" lang="ja-JP" altLang="en-US"/>
+          </a:p>
+        </p:txBody>
+      </p:sp>
+      <p:sp>
+        <p:nvSpPr>
+          <p:cNvPr id="25" name="四角形: 角を丸くする 24">
+            <a:extLst>
+              <a:ext uri="{FF2B5EF4-FFF2-40B4-BE49-F238E27FC236}">
+                <a16:creationId xmlns:a16="http://schemas.microsoft.com/office/drawing/2014/main" id="{42BCB25A-082F-38F6-CAF0-BDEDB5FCA192}"/>
+              </a:ext>
+            </a:extLst>
+          </p:cNvPr>
+          <p:cNvSpPr/>
+          <p:nvPr/>
+        </p:nvSpPr>
+        <p:spPr>
+          <a:xfrm>
+            <a:off x="6242378" y="2282974"/>
+            <a:ext cx="1908810" cy="1717526"/>
+          </a:xfrm>
+          <a:custGeom>
+            <a:avLst/>
+            <a:gdLst>
+              <a:gd name="connsiteX0" fmla="*/ 0 w 1878330"/>
+              <a:gd name="connsiteY0" fmla="*/ 100785 h 1692163"/>
+              <a:gd name="connsiteX1" fmla="*/ 100785 w 1878330"/>
+              <a:gd name="connsiteY1" fmla="*/ 0 h 1692163"/>
+              <a:gd name="connsiteX2" fmla="*/ 1777545 w 1878330"/>
+              <a:gd name="connsiteY2" fmla="*/ 0 h 1692163"/>
+              <a:gd name="connsiteX3" fmla="*/ 1878330 w 1878330"/>
+              <a:gd name="connsiteY3" fmla="*/ 100785 h 1692163"/>
+              <a:gd name="connsiteX4" fmla="*/ 1878330 w 1878330"/>
+              <a:gd name="connsiteY4" fmla="*/ 1591378 h 1692163"/>
+              <a:gd name="connsiteX5" fmla="*/ 1777545 w 1878330"/>
+              <a:gd name="connsiteY5" fmla="*/ 1692163 h 1692163"/>
+              <a:gd name="connsiteX6" fmla="*/ 100785 w 1878330"/>
+              <a:gd name="connsiteY6" fmla="*/ 1692163 h 1692163"/>
+              <a:gd name="connsiteX7" fmla="*/ 0 w 1878330"/>
+              <a:gd name="connsiteY7" fmla="*/ 1591378 h 1692163"/>
+              <a:gd name="connsiteX8" fmla="*/ 0 w 1878330"/>
+              <a:gd name="connsiteY8" fmla="*/ 100785 h 1692163"/>
+              <a:gd name="connsiteX0" fmla="*/ 0 w 1878330"/>
+              <a:gd name="connsiteY0" fmla="*/ 119835 h 1711213"/>
+              <a:gd name="connsiteX1" fmla="*/ 91260 w 1878330"/>
+              <a:gd name="connsiteY1" fmla="*/ 0 h 1711213"/>
+              <a:gd name="connsiteX2" fmla="*/ 1777545 w 1878330"/>
+              <a:gd name="connsiteY2" fmla="*/ 19050 h 1711213"/>
+              <a:gd name="connsiteX3" fmla="*/ 1878330 w 1878330"/>
+              <a:gd name="connsiteY3" fmla="*/ 119835 h 1711213"/>
+              <a:gd name="connsiteX4" fmla="*/ 1878330 w 1878330"/>
+              <a:gd name="connsiteY4" fmla="*/ 1610428 h 1711213"/>
+              <a:gd name="connsiteX5" fmla="*/ 1777545 w 1878330"/>
+              <a:gd name="connsiteY5" fmla="*/ 1711213 h 1711213"/>
+              <a:gd name="connsiteX6" fmla="*/ 100785 w 1878330"/>
+              <a:gd name="connsiteY6" fmla="*/ 1711213 h 1711213"/>
+              <a:gd name="connsiteX7" fmla="*/ 0 w 1878330"/>
+              <a:gd name="connsiteY7" fmla="*/ 1610428 h 1711213"/>
+              <a:gd name="connsiteX8" fmla="*/ 0 w 1878330"/>
+              <a:gd name="connsiteY8" fmla="*/ 119835 h 1711213"/>
+              <a:gd name="connsiteX0" fmla="*/ 80010 w 1878330"/>
+              <a:gd name="connsiteY0" fmla="*/ 117930 h 1711213"/>
+              <a:gd name="connsiteX1" fmla="*/ 91260 w 1878330"/>
+              <a:gd name="connsiteY1" fmla="*/ 0 h 1711213"/>
+              <a:gd name="connsiteX2" fmla="*/ 1777545 w 1878330"/>
+              <a:gd name="connsiteY2" fmla="*/ 19050 h 1711213"/>
+              <a:gd name="connsiteX3" fmla="*/ 1878330 w 1878330"/>
+              <a:gd name="connsiteY3" fmla="*/ 119835 h 1711213"/>
+              <a:gd name="connsiteX4" fmla="*/ 1878330 w 1878330"/>
+              <a:gd name="connsiteY4" fmla="*/ 1610428 h 1711213"/>
+              <a:gd name="connsiteX5" fmla="*/ 1777545 w 1878330"/>
+              <a:gd name="connsiteY5" fmla="*/ 1711213 h 1711213"/>
+              <a:gd name="connsiteX6" fmla="*/ 100785 w 1878330"/>
+              <a:gd name="connsiteY6" fmla="*/ 1711213 h 1711213"/>
+              <a:gd name="connsiteX7" fmla="*/ 0 w 1878330"/>
+              <a:gd name="connsiteY7" fmla="*/ 1610428 h 1711213"/>
+              <a:gd name="connsiteX8" fmla="*/ 80010 w 1878330"/>
+              <a:gd name="connsiteY8" fmla="*/ 117930 h 1711213"/>
+              <a:gd name="connsiteX0" fmla="*/ 36195 w 1878330"/>
+              <a:gd name="connsiteY0" fmla="*/ 79830 h 1711213"/>
+              <a:gd name="connsiteX1" fmla="*/ 91260 w 1878330"/>
+              <a:gd name="connsiteY1" fmla="*/ 0 h 1711213"/>
+              <a:gd name="connsiteX2" fmla="*/ 1777545 w 1878330"/>
+              <a:gd name="connsiteY2" fmla="*/ 19050 h 1711213"/>
+              <a:gd name="connsiteX3" fmla="*/ 1878330 w 1878330"/>
+              <a:gd name="connsiteY3" fmla="*/ 119835 h 1711213"/>
+              <a:gd name="connsiteX4" fmla="*/ 1878330 w 1878330"/>
+              <a:gd name="connsiteY4" fmla="*/ 1610428 h 1711213"/>
+              <a:gd name="connsiteX5" fmla="*/ 1777545 w 1878330"/>
+              <a:gd name="connsiteY5" fmla="*/ 1711213 h 1711213"/>
+              <a:gd name="connsiteX6" fmla="*/ 100785 w 1878330"/>
+              <a:gd name="connsiteY6" fmla="*/ 1711213 h 1711213"/>
+              <a:gd name="connsiteX7" fmla="*/ 0 w 1878330"/>
+              <a:gd name="connsiteY7" fmla="*/ 1610428 h 1711213"/>
+              <a:gd name="connsiteX8" fmla="*/ 36195 w 1878330"/>
+              <a:gd name="connsiteY8" fmla="*/ 79830 h 1711213"/>
+              <a:gd name="connsiteX0" fmla="*/ 53340 w 1895475"/>
+              <a:gd name="connsiteY0" fmla="*/ 79830 h 1711213"/>
+              <a:gd name="connsiteX1" fmla="*/ 108405 w 1895475"/>
+              <a:gd name="connsiteY1" fmla="*/ 0 h 1711213"/>
+              <a:gd name="connsiteX2" fmla="*/ 1794690 w 1895475"/>
+              <a:gd name="connsiteY2" fmla="*/ 19050 h 1711213"/>
+              <a:gd name="connsiteX3" fmla="*/ 1895475 w 1895475"/>
+              <a:gd name="connsiteY3" fmla="*/ 119835 h 1711213"/>
+              <a:gd name="connsiteX4" fmla="*/ 1895475 w 1895475"/>
+              <a:gd name="connsiteY4" fmla="*/ 1610428 h 1711213"/>
+              <a:gd name="connsiteX5" fmla="*/ 1794690 w 1895475"/>
+              <a:gd name="connsiteY5" fmla="*/ 1711213 h 1711213"/>
+              <a:gd name="connsiteX6" fmla="*/ 117930 w 1895475"/>
+              <a:gd name="connsiteY6" fmla="*/ 1711213 h 1711213"/>
+              <a:gd name="connsiteX7" fmla="*/ 0 w 1895475"/>
+              <a:gd name="connsiteY7" fmla="*/ 1633288 h 1711213"/>
+              <a:gd name="connsiteX8" fmla="*/ 53340 w 1895475"/>
+              <a:gd name="connsiteY8" fmla="*/ 79830 h 1711213"/>
+              <a:gd name="connsiteX0" fmla="*/ 53340 w 1895475"/>
+              <a:gd name="connsiteY0" fmla="*/ 79830 h 1711213"/>
+              <a:gd name="connsiteX1" fmla="*/ 108405 w 1895475"/>
+              <a:gd name="connsiteY1" fmla="*/ 0 h 1711213"/>
+              <a:gd name="connsiteX2" fmla="*/ 1794690 w 1895475"/>
+              <a:gd name="connsiteY2" fmla="*/ 19050 h 1711213"/>
+              <a:gd name="connsiteX3" fmla="*/ 1895475 w 1895475"/>
+              <a:gd name="connsiteY3" fmla="*/ 119835 h 1711213"/>
+              <a:gd name="connsiteX4" fmla="*/ 1895475 w 1895475"/>
+              <a:gd name="connsiteY4" fmla="*/ 1610428 h 1711213"/>
+              <a:gd name="connsiteX5" fmla="*/ 1794690 w 1895475"/>
+              <a:gd name="connsiteY5" fmla="*/ 1711213 h 1711213"/>
+              <a:gd name="connsiteX6" fmla="*/ 66495 w 1895475"/>
+              <a:gd name="connsiteY6" fmla="*/ 1709308 h 1711213"/>
+              <a:gd name="connsiteX7" fmla="*/ 0 w 1895475"/>
+              <a:gd name="connsiteY7" fmla="*/ 1633288 h 1711213"/>
+              <a:gd name="connsiteX8" fmla="*/ 53340 w 1895475"/>
+              <a:gd name="connsiteY8" fmla="*/ 79830 h 1711213"/>
+              <a:gd name="connsiteX0" fmla="*/ 53340 w 1895492"/>
+              <a:gd name="connsiteY0" fmla="*/ 79830 h 1709308"/>
+              <a:gd name="connsiteX1" fmla="*/ 108405 w 1895492"/>
+              <a:gd name="connsiteY1" fmla="*/ 0 h 1709308"/>
+              <a:gd name="connsiteX2" fmla="*/ 1794690 w 1895492"/>
+              <a:gd name="connsiteY2" fmla="*/ 19050 h 1709308"/>
+              <a:gd name="connsiteX3" fmla="*/ 1895475 w 1895492"/>
+              <a:gd name="connsiteY3" fmla="*/ 119835 h 1709308"/>
+              <a:gd name="connsiteX4" fmla="*/ 1895475 w 1895492"/>
+              <a:gd name="connsiteY4" fmla="*/ 1610428 h 1709308"/>
+              <a:gd name="connsiteX5" fmla="*/ 1842315 w 1895492"/>
+              <a:gd name="connsiteY5" fmla="*/ 1635013 h 1709308"/>
+              <a:gd name="connsiteX6" fmla="*/ 66495 w 1895492"/>
+              <a:gd name="connsiteY6" fmla="*/ 1709308 h 1709308"/>
+              <a:gd name="connsiteX7" fmla="*/ 0 w 1895492"/>
+              <a:gd name="connsiteY7" fmla="*/ 1633288 h 1709308"/>
+              <a:gd name="connsiteX8" fmla="*/ 53340 w 1895492"/>
+              <a:gd name="connsiteY8" fmla="*/ 79830 h 1709308"/>
+              <a:gd name="connsiteX0" fmla="*/ 53340 w 1895492"/>
+              <a:gd name="connsiteY0" fmla="*/ 79830 h 1709308"/>
+              <a:gd name="connsiteX1" fmla="*/ 108405 w 1895492"/>
+              <a:gd name="connsiteY1" fmla="*/ 0 h 1709308"/>
+              <a:gd name="connsiteX2" fmla="*/ 1794690 w 1895492"/>
+              <a:gd name="connsiteY2" fmla="*/ 19050 h 1709308"/>
+              <a:gd name="connsiteX3" fmla="*/ 1895475 w 1895492"/>
+              <a:gd name="connsiteY3" fmla="*/ 119835 h 1709308"/>
+              <a:gd name="connsiteX4" fmla="*/ 1895475 w 1895492"/>
+              <a:gd name="connsiteY4" fmla="*/ 1610428 h 1709308"/>
+              <a:gd name="connsiteX5" fmla="*/ 1842315 w 1895492"/>
+              <a:gd name="connsiteY5" fmla="*/ 1707403 h 1709308"/>
+              <a:gd name="connsiteX6" fmla="*/ 66495 w 1895492"/>
+              <a:gd name="connsiteY6" fmla="*/ 1709308 h 1709308"/>
+              <a:gd name="connsiteX7" fmla="*/ 0 w 1895492"/>
+              <a:gd name="connsiteY7" fmla="*/ 1633288 h 1709308"/>
+              <a:gd name="connsiteX8" fmla="*/ 53340 w 1895492"/>
+              <a:gd name="connsiteY8" fmla="*/ 79830 h 1709308"/>
+              <a:gd name="connsiteX0" fmla="*/ 53340 w 1905000"/>
+              <a:gd name="connsiteY0" fmla="*/ 79830 h 1709308"/>
+              <a:gd name="connsiteX1" fmla="*/ 108405 w 1905000"/>
+              <a:gd name="connsiteY1" fmla="*/ 0 h 1709308"/>
+              <a:gd name="connsiteX2" fmla="*/ 1794690 w 1905000"/>
+              <a:gd name="connsiteY2" fmla="*/ 19050 h 1709308"/>
+              <a:gd name="connsiteX3" fmla="*/ 1895475 w 1905000"/>
+              <a:gd name="connsiteY3" fmla="*/ 119835 h 1709308"/>
+              <a:gd name="connsiteX4" fmla="*/ 1905000 w 1905000"/>
+              <a:gd name="connsiteY4" fmla="*/ 1606618 h 1709308"/>
+              <a:gd name="connsiteX5" fmla="*/ 1842315 w 1905000"/>
+              <a:gd name="connsiteY5" fmla="*/ 1707403 h 1709308"/>
+              <a:gd name="connsiteX6" fmla="*/ 66495 w 1905000"/>
+              <a:gd name="connsiteY6" fmla="*/ 1709308 h 1709308"/>
+              <a:gd name="connsiteX7" fmla="*/ 0 w 1905000"/>
+              <a:gd name="connsiteY7" fmla="*/ 1633288 h 1709308"/>
+              <a:gd name="connsiteX8" fmla="*/ 53340 w 1905000"/>
+              <a:gd name="connsiteY8" fmla="*/ 79830 h 1709308"/>
+              <a:gd name="connsiteX0" fmla="*/ 53340 w 1905000"/>
+              <a:gd name="connsiteY0" fmla="*/ 79830 h 1709308"/>
+              <a:gd name="connsiteX1" fmla="*/ 108405 w 1905000"/>
+              <a:gd name="connsiteY1" fmla="*/ 0 h 1709308"/>
+              <a:gd name="connsiteX2" fmla="*/ 1634670 w 1905000"/>
+              <a:gd name="connsiteY2" fmla="*/ 480060 h 1709308"/>
+              <a:gd name="connsiteX3" fmla="*/ 1895475 w 1905000"/>
+              <a:gd name="connsiteY3" fmla="*/ 119835 h 1709308"/>
+              <a:gd name="connsiteX4" fmla="*/ 1905000 w 1905000"/>
+              <a:gd name="connsiteY4" fmla="*/ 1606618 h 1709308"/>
+              <a:gd name="connsiteX5" fmla="*/ 1842315 w 1905000"/>
+              <a:gd name="connsiteY5" fmla="*/ 1707403 h 1709308"/>
+              <a:gd name="connsiteX6" fmla="*/ 66495 w 1905000"/>
+              <a:gd name="connsiteY6" fmla="*/ 1709308 h 1709308"/>
+              <a:gd name="connsiteX7" fmla="*/ 0 w 1905000"/>
+              <a:gd name="connsiteY7" fmla="*/ 1633288 h 1709308"/>
+              <a:gd name="connsiteX8" fmla="*/ 53340 w 1905000"/>
+              <a:gd name="connsiteY8" fmla="*/ 79830 h 1709308"/>
+              <a:gd name="connsiteX0" fmla="*/ 53340 w 1905000"/>
+              <a:gd name="connsiteY0" fmla="*/ 79830 h 1709308"/>
+              <a:gd name="connsiteX1" fmla="*/ 108405 w 1905000"/>
+              <a:gd name="connsiteY1" fmla="*/ 0 h 1709308"/>
+              <a:gd name="connsiteX2" fmla="*/ 1634670 w 1905000"/>
+              <a:gd name="connsiteY2" fmla="*/ 480060 h 1709308"/>
+              <a:gd name="connsiteX3" fmla="*/ 1811655 w 1905000"/>
+              <a:gd name="connsiteY3" fmla="*/ 304620 h 1709308"/>
+              <a:gd name="connsiteX4" fmla="*/ 1905000 w 1905000"/>
+              <a:gd name="connsiteY4" fmla="*/ 1606618 h 1709308"/>
+              <a:gd name="connsiteX5" fmla="*/ 1842315 w 1905000"/>
+              <a:gd name="connsiteY5" fmla="*/ 1707403 h 1709308"/>
+              <a:gd name="connsiteX6" fmla="*/ 66495 w 1905000"/>
+              <a:gd name="connsiteY6" fmla="*/ 1709308 h 1709308"/>
+              <a:gd name="connsiteX7" fmla="*/ 0 w 1905000"/>
+              <a:gd name="connsiteY7" fmla="*/ 1633288 h 1709308"/>
+              <a:gd name="connsiteX8" fmla="*/ 53340 w 1905000"/>
+              <a:gd name="connsiteY8" fmla="*/ 79830 h 1709308"/>
+              <a:gd name="connsiteX0" fmla="*/ 53340 w 1905000"/>
+              <a:gd name="connsiteY0" fmla="*/ 79830 h 1709308"/>
+              <a:gd name="connsiteX1" fmla="*/ 108405 w 1905000"/>
+              <a:gd name="connsiteY1" fmla="*/ 0 h 1709308"/>
+              <a:gd name="connsiteX2" fmla="*/ 1634670 w 1905000"/>
+              <a:gd name="connsiteY2" fmla="*/ 480060 h 1709308"/>
+              <a:gd name="connsiteX3" fmla="*/ 1878330 w 1905000"/>
+              <a:gd name="connsiteY3" fmla="*/ 312240 h 1709308"/>
+              <a:gd name="connsiteX4" fmla="*/ 1905000 w 1905000"/>
+              <a:gd name="connsiteY4" fmla="*/ 1606618 h 1709308"/>
+              <a:gd name="connsiteX5" fmla="*/ 1842315 w 1905000"/>
+              <a:gd name="connsiteY5" fmla="*/ 1707403 h 1709308"/>
+              <a:gd name="connsiteX6" fmla="*/ 66495 w 1905000"/>
+              <a:gd name="connsiteY6" fmla="*/ 1709308 h 1709308"/>
+              <a:gd name="connsiteX7" fmla="*/ 0 w 1905000"/>
+              <a:gd name="connsiteY7" fmla="*/ 1633288 h 1709308"/>
+              <a:gd name="connsiteX8" fmla="*/ 53340 w 1905000"/>
+              <a:gd name="connsiteY8" fmla="*/ 79830 h 1709308"/>
+              <a:gd name="connsiteX0" fmla="*/ 53340 w 1879426"/>
+              <a:gd name="connsiteY0" fmla="*/ 79830 h 1709308"/>
+              <a:gd name="connsiteX1" fmla="*/ 108405 w 1879426"/>
+              <a:gd name="connsiteY1" fmla="*/ 0 h 1709308"/>
+              <a:gd name="connsiteX2" fmla="*/ 1634670 w 1879426"/>
+              <a:gd name="connsiteY2" fmla="*/ 480060 h 1709308"/>
+              <a:gd name="connsiteX3" fmla="*/ 1878330 w 1879426"/>
+              <a:gd name="connsiteY3" fmla="*/ 312240 h 1709308"/>
+              <a:gd name="connsiteX4" fmla="*/ 1874520 w 1879426"/>
+              <a:gd name="connsiteY4" fmla="*/ 1606618 h 1709308"/>
+              <a:gd name="connsiteX5" fmla="*/ 1842315 w 1879426"/>
+              <a:gd name="connsiteY5" fmla="*/ 1707403 h 1709308"/>
+              <a:gd name="connsiteX6" fmla="*/ 66495 w 1879426"/>
+              <a:gd name="connsiteY6" fmla="*/ 1709308 h 1709308"/>
+              <a:gd name="connsiteX7" fmla="*/ 0 w 1879426"/>
+              <a:gd name="connsiteY7" fmla="*/ 1633288 h 1709308"/>
+              <a:gd name="connsiteX8" fmla="*/ 53340 w 1879426"/>
+              <a:gd name="connsiteY8" fmla="*/ 79830 h 1709308"/>
+              <a:gd name="connsiteX0" fmla="*/ 53340 w 1908810"/>
+              <a:gd name="connsiteY0" fmla="*/ 79830 h 1709308"/>
+              <a:gd name="connsiteX1" fmla="*/ 108405 w 1908810"/>
+              <a:gd name="connsiteY1" fmla="*/ 0 h 1709308"/>
+              <a:gd name="connsiteX2" fmla="*/ 1634670 w 1908810"/>
+              <a:gd name="connsiteY2" fmla="*/ 480060 h 1709308"/>
+              <a:gd name="connsiteX3" fmla="*/ 1878330 w 1908810"/>
+              <a:gd name="connsiteY3" fmla="*/ 312240 h 1709308"/>
+              <a:gd name="connsiteX4" fmla="*/ 1908810 w 1908810"/>
+              <a:gd name="connsiteY4" fmla="*/ 1606618 h 1709308"/>
+              <a:gd name="connsiteX5" fmla="*/ 1842315 w 1908810"/>
+              <a:gd name="connsiteY5" fmla="*/ 1707403 h 1709308"/>
+              <a:gd name="connsiteX6" fmla="*/ 66495 w 1908810"/>
+              <a:gd name="connsiteY6" fmla="*/ 1709308 h 1709308"/>
+              <a:gd name="connsiteX7" fmla="*/ 0 w 1908810"/>
+              <a:gd name="connsiteY7" fmla="*/ 1633288 h 1709308"/>
+              <a:gd name="connsiteX8" fmla="*/ 53340 w 1908810"/>
+              <a:gd name="connsiteY8" fmla="*/ 79830 h 1709308"/>
+              <a:gd name="connsiteX0" fmla="*/ 53340 w 1908810"/>
+              <a:gd name="connsiteY0" fmla="*/ 79830 h 1709308"/>
+              <a:gd name="connsiteX1" fmla="*/ 108405 w 1908810"/>
+              <a:gd name="connsiteY1" fmla="*/ 0 h 1709308"/>
+              <a:gd name="connsiteX2" fmla="*/ 1634670 w 1908810"/>
+              <a:gd name="connsiteY2" fmla="*/ 480060 h 1709308"/>
+              <a:gd name="connsiteX3" fmla="*/ 1878330 w 1908810"/>
+              <a:gd name="connsiteY3" fmla="*/ 312240 h 1709308"/>
+              <a:gd name="connsiteX4" fmla="*/ 1908810 w 1908810"/>
+              <a:gd name="connsiteY4" fmla="*/ 1606618 h 1709308"/>
+              <a:gd name="connsiteX5" fmla="*/ 1828980 w 1908810"/>
+              <a:gd name="connsiteY5" fmla="*/ 1707403 h 1709308"/>
+              <a:gd name="connsiteX6" fmla="*/ 66495 w 1908810"/>
+              <a:gd name="connsiteY6" fmla="*/ 1709308 h 1709308"/>
+              <a:gd name="connsiteX7" fmla="*/ 0 w 1908810"/>
+              <a:gd name="connsiteY7" fmla="*/ 1633288 h 1709308"/>
+              <a:gd name="connsiteX8" fmla="*/ 53340 w 1908810"/>
+              <a:gd name="connsiteY8" fmla="*/ 79830 h 1709308"/>
+              <a:gd name="connsiteX0" fmla="*/ 53340 w 1908810"/>
+              <a:gd name="connsiteY0" fmla="*/ 79830 h 1709308"/>
+              <a:gd name="connsiteX1" fmla="*/ 108405 w 1908810"/>
+              <a:gd name="connsiteY1" fmla="*/ 0 h 1709308"/>
+              <a:gd name="connsiteX2" fmla="*/ 1743255 w 1908810"/>
+              <a:gd name="connsiteY2" fmla="*/ 102870 h 1709308"/>
+              <a:gd name="connsiteX3" fmla="*/ 1878330 w 1908810"/>
+              <a:gd name="connsiteY3" fmla="*/ 312240 h 1709308"/>
+              <a:gd name="connsiteX4" fmla="*/ 1908810 w 1908810"/>
+              <a:gd name="connsiteY4" fmla="*/ 1606618 h 1709308"/>
+              <a:gd name="connsiteX5" fmla="*/ 1828980 w 1908810"/>
+              <a:gd name="connsiteY5" fmla="*/ 1707403 h 1709308"/>
+              <a:gd name="connsiteX6" fmla="*/ 66495 w 1908810"/>
+              <a:gd name="connsiteY6" fmla="*/ 1709308 h 1709308"/>
+              <a:gd name="connsiteX7" fmla="*/ 0 w 1908810"/>
+              <a:gd name="connsiteY7" fmla="*/ 1633288 h 1709308"/>
+              <a:gd name="connsiteX8" fmla="*/ 53340 w 1908810"/>
+              <a:gd name="connsiteY8" fmla="*/ 79830 h 1709308"/>
+              <a:gd name="connsiteX0" fmla="*/ 53340 w 1908810"/>
+              <a:gd name="connsiteY0" fmla="*/ 79830 h 1709308"/>
+              <a:gd name="connsiteX1" fmla="*/ 108405 w 1908810"/>
+              <a:gd name="connsiteY1" fmla="*/ 0 h 1709308"/>
+              <a:gd name="connsiteX2" fmla="*/ 1743255 w 1908810"/>
+              <a:gd name="connsiteY2" fmla="*/ 102870 h 1709308"/>
+              <a:gd name="connsiteX3" fmla="*/ 1878330 w 1908810"/>
+              <a:gd name="connsiteY3" fmla="*/ 312240 h 1709308"/>
+              <a:gd name="connsiteX4" fmla="*/ 1908810 w 1908810"/>
+              <a:gd name="connsiteY4" fmla="*/ 1606618 h 1709308"/>
+              <a:gd name="connsiteX5" fmla="*/ 1828980 w 1908810"/>
+              <a:gd name="connsiteY5" fmla="*/ 1707403 h 1709308"/>
+              <a:gd name="connsiteX6" fmla="*/ 66495 w 1908810"/>
+              <a:gd name="connsiteY6" fmla="*/ 1709308 h 1709308"/>
+              <a:gd name="connsiteX7" fmla="*/ 0 w 1908810"/>
+              <a:gd name="connsiteY7" fmla="*/ 1633288 h 1709308"/>
+              <a:gd name="connsiteX8" fmla="*/ 53340 w 1908810"/>
+              <a:gd name="connsiteY8" fmla="*/ 79830 h 1709308"/>
+              <a:gd name="connsiteX0" fmla="*/ 53340 w 1908810"/>
+              <a:gd name="connsiteY0" fmla="*/ 79830 h 1709308"/>
+              <a:gd name="connsiteX1" fmla="*/ 108405 w 1908810"/>
+              <a:gd name="connsiteY1" fmla="*/ 0 h 1709308"/>
+              <a:gd name="connsiteX2" fmla="*/ 1743255 w 1908810"/>
+              <a:gd name="connsiteY2" fmla="*/ 102870 h 1709308"/>
+              <a:gd name="connsiteX3" fmla="*/ 1878330 w 1908810"/>
+              <a:gd name="connsiteY3" fmla="*/ 312240 h 1709308"/>
+              <a:gd name="connsiteX4" fmla="*/ 1908810 w 1908810"/>
+              <a:gd name="connsiteY4" fmla="*/ 1606618 h 1709308"/>
+              <a:gd name="connsiteX5" fmla="*/ 1828980 w 1908810"/>
+              <a:gd name="connsiteY5" fmla="*/ 1707403 h 1709308"/>
+              <a:gd name="connsiteX6" fmla="*/ 66495 w 1908810"/>
+              <a:gd name="connsiteY6" fmla="*/ 1709308 h 1709308"/>
+              <a:gd name="connsiteX7" fmla="*/ 0 w 1908810"/>
+              <a:gd name="connsiteY7" fmla="*/ 1633288 h 1709308"/>
+              <a:gd name="connsiteX8" fmla="*/ 53340 w 1908810"/>
+              <a:gd name="connsiteY8" fmla="*/ 79830 h 1709308"/>
+              <a:gd name="connsiteX0" fmla="*/ 53340 w 1908810"/>
+              <a:gd name="connsiteY0" fmla="*/ 79830 h 1709308"/>
+              <a:gd name="connsiteX1" fmla="*/ 108405 w 1908810"/>
+              <a:gd name="connsiteY1" fmla="*/ 0 h 1709308"/>
+              <a:gd name="connsiteX2" fmla="*/ 1743255 w 1908810"/>
+              <a:gd name="connsiteY2" fmla="*/ 102870 h 1709308"/>
+              <a:gd name="connsiteX3" fmla="*/ 1878330 w 1908810"/>
+              <a:gd name="connsiteY3" fmla="*/ 312240 h 1709308"/>
+              <a:gd name="connsiteX4" fmla="*/ 1908810 w 1908810"/>
+              <a:gd name="connsiteY4" fmla="*/ 1606618 h 1709308"/>
+              <a:gd name="connsiteX5" fmla="*/ 1828980 w 1908810"/>
+              <a:gd name="connsiteY5" fmla="*/ 1707403 h 1709308"/>
+              <a:gd name="connsiteX6" fmla="*/ 66495 w 1908810"/>
+              <a:gd name="connsiteY6" fmla="*/ 1709308 h 1709308"/>
+              <a:gd name="connsiteX7" fmla="*/ 0 w 1908810"/>
+              <a:gd name="connsiteY7" fmla="*/ 1633288 h 1709308"/>
+              <a:gd name="connsiteX8" fmla="*/ 53340 w 1908810"/>
+              <a:gd name="connsiteY8" fmla="*/ 79830 h 1709308"/>
+              <a:gd name="connsiteX0" fmla="*/ 53340 w 1908810"/>
+              <a:gd name="connsiteY0" fmla="*/ 79830 h 1709308"/>
+              <a:gd name="connsiteX1" fmla="*/ 108405 w 1908810"/>
+              <a:gd name="connsiteY1" fmla="*/ 0 h 1709308"/>
+              <a:gd name="connsiteX2" fmla="*/ 1743255 w 1908810"/>
+              <a:gd name="connsiteY2" fmla="*/ 102870 h 1709308"/>
+              <a:gd name="connsiteX3" fmla="*/ 1878330 w 1908810"/>
+              <a:gd name="connsiteY3" fmla="*/ 312240 h 1709308"/>
+              <a:gd name="connsiteX4" fmla="*/ 1908810 w 1908810"/>
+              <a:gd name="connsiteY4" fmla="*/ 1606618 h 1709308"/>
+              <a:gd name="connsiteX5" fmla="*/ 1828980 w 1908810"/>
+              <a:gd name="connsiteY5" fmla="*/ 1707403 h 1709308"/>
+              <a:gd name="connsiteX6" fmla="*/ 66495 w 1908810"/>
+              <a:gd name="connsiteY6" fmla="*/ 1709308 h 1709308"/>
+              <a:gd name="connsiteX7" fmla="*/ 0 w 1908810"/>
+              <a:gd name="connsiteY7" fmla="*/ 1633288 h 1709308"/>
+              <a:gd name="connsiteX8" fmla="*/ 53340 w 1908810"/>
+              <a:gd name="connsiteY8" fmla="*/ 79830 h 1709308"/>
+              <a:gd name="connsiteX0" fmla="*/ 17780 w 1908810"/>
+              <a:gd name="connsiteY0" fmla="*/ 79830 h 1709308"/>
+              <a:gd name="connsiteX1" fmla="*/ 108405 w 1908810"/>
+              <a:gd name="connsiteY1" fmla="*/ 0 h 1709308"/>
+              <a:gd name="connsiteX2" fmla="*/ 1743255 w 1908810"/>
+              <a:gd name="connsiteY2" fmla="*/ 102870 h 1709308"/>
+              <a:gd name="connsiteX3" fmla="*/ 1878330 w 1908810"/>
+              <a:gd name="connsiteY3" fmla="*/ 312240 h 1709308"/>
+              <a:gd name="connsiteX4" fmla="*/ 1908810 w 1908810"/>
+              <a:gd name="connsiteY4" fmla="*/ 1606618 h 1709308"/>
+              <a:gd name="connsiteX5" fmla="*/ 1828980 w 1908810"/>
+              <a:gd name="connsiteY5" fmla="*/ 1707403 h 1709308"/>
+              <a:gd name="connsiteX6" fmla="*/ 66495 w 1908810"/>
+              <a:gd name="connsiteY6" fmla="*/ 1709308 h 1709308"/>
+              <a:gd name="connsiteX7" fmla="*/ 0 w 1908810"/>
+              <a:gd name="connsiteY7" fmla="*/ 1633288 h 1709308"/>
+              <a:gd name="connsiteX8" fmla="*/ 17780 w 1908810"/>
+              <a:gd name="connsiteY8" fmla="*/ 79830 h 1709308"/>
+            </a:gdLst>
+            <a:ahLst/>
+            <a:cxnLst>
+              <a:cxn ang="0">
+                <a:pos x="connsiteX0" y="connsiteY0"/>
+              </a:cxn>
+              <a:cxn ang="0">
+                <a:pos x="connsiteX1" y="connsiteY1"/>
+              </a:cxn>
+              <a:cxn ang="0">
+                <a:pos x="connsiteX2" y="connsiteY2"/>
+              </a:cxn>
+              <a:cxn ang="0">
+                <a:pos x="connsiteX3" y="connsiteY3"/>
+              </a:cxn>
+              <a:cxn ang="0">
+                <a:pos x="connsiteX4" y="connsiteY4"/>
+              </a:cxn>
+              <a:cxn ang="0">
+                <a:pos x="connsiteX5" y="connsiteY5"/>
+              </a:cxn>
+              <a:cxn ang="0">
+                <a:pos x="connsiteX6" y="connsiteY6"/>
+              </a:cxn>
+              <a:cxn ang="0">
+                <a:pos x="connsiteX7" y="connsiteY7"/>
+              </a:cxn>
+              <a:cxn ang="0">
+                <a:pos x="connsiteX8" y="connsiteY8"/>
+              </a:cxn>
+            </a:cxnLst>
+            <a:rect l="l" t="t" r="r" b="b"/>
+            <a:pathLst>
+              <a:path w="1908810" h="1709308">
+                <a:moveTo>
+                  <a:pt x="17780" y="79830"/>
+                </a:moveTo>
+                <a:cubicBezTo>
+                  <a:pt x="17780" y="24168"/>
+                  <a:pt x="52743" y="0"/>
+                  <a:pt x="108405" y="0"/>
+                </a:cubicBezTo>
+                <a:cubicBezTo>
+                  <a:pt x="667325" y="0"/>
+                  <a:pt x="1178620" y="9525"/>
+                  <a:pt x="1743255" y="102870"/>
+                </a:cubicBezTo>
+                <a:cubicBezTo>
+                  <a:pt x="1882737" y="131445"/>
+                  <a:pt x="1878330" y="256578"/>
+                  <a:pt x="1878330" y="312240"/>
+                </a:cubicBezTo>
+                <a:lnTo>
+                  <a:pt x="1908810" y="1606618"/>
+                </a:lnTo>
+                <a:cubicBezTo>
+                  <a:pt x="1908810" y="1662280"/>
+                  <a:pt x="1884642" y="1707403"/>
+                  <a:pt x="1828980" y="1707403"/>
+                </a:cubicBezTo>
+                <a:lnTo>
+                  <a:pt x="66495" y="1709308"/>
+                </a:lnTo>
+                <a:cubicBezTo>
+                  <a:pt x="10833" y="1709308"/>
+                  <a:pt x="0" y="1688950"/>
+                  <a:pt x="0" y="1633288"/>
+                </a:cubicBezTo>
+                <a:lnTo>
+                  <a:pt x="17780" y="79830"/>
+                </a:lnTo>
+                <a:close/>
+              </a:path>
+            </a:pathLst>
+          </a:custGeom>
+          <a:gradFill>
+            <a:gsLst>
+              <a:gs pos="31000">
+                <a:srgbClr val="657277"/>
+              </a:gs>
+              <a:gs pos="32000">
+                <a:srgbClr val="FF40FF"/>
+              </a:gs>
+            </a:gsLst>
+            <a:lin ang="5400000" scaled="1"/>
+          </a:gradFill>
+          <a:ln>
+            <a:gradFill>
+              <a:gsLst>
+                <a:gs pos="59000">
+                  <a:srgbClr val="90A1B1"/>
+                </a:gs>
+                <a:gs pos="100000">
+                  <a:srgbClr val="F9FFFC"/>
+                </a:gs>
+              </a:gsLst>
+              <a:lin ang="5400000" scaled="1"/>
+            </a:gradFill>
+          </a:ln>
+        </p:spPr>
+        <p:style>
+          <a:lnRef idx="2">
+            <a:schemeClr val="accent1">
+              <a:shade val="15000"/>
+            </a:schemeClr>
+          </a:lnRef>
+          <a:fillRef idx="1">
+            <a:schemeClr val="accent1"/>
+          </a:fillRef>
+          <a:effectRef idx="0">
+            <a:schemeClr val="accent1"/>
+          </a:effectRef>
+          <a:fontRef idx="minor">
+            <a:schemeClr val="lt1"/>
+          </a:fontRef>
+        </p:style>
+        <p:txBody>
+          <a:bodyPr rtlCol="0" anchor="ctr"/>
+          <a:lstStyle/>
+          <a:p>
+            <a:pPr algn="ctr"/>
+            <a:endParaRPr kumimoji="1" lang="ja-JP" altLang="en-US"/>
+          </a:p>
+        </p:txBody>
+      </p:sp>
+      <p:sp>
+        <p:nvSpPr>
+          <p:cNvPr id="27" name="正方形/長方形 26">
+            <a:extLst>
+              <a:ext uri="{FF2B5EF4-FFF2-40B4-BE49-F238E27FC236}">
+                <a16:creationId xmlns:a16="http://schemas.microsoft.com/office/drawing/2014/main" id="{34375480-B46A-51C7-E2F6-3403CD98B55C}"/>
+              </a:ext>
+            </a:extLst>
+          </p:cNvPr>
+          <p:cNvSpPr/>
+          <p:nvPr/>
+        </p:nvSpPr>
+        <p:spPr>
+          <a:xfrm>
+            <a:off x="5060861" y="5382020"/>
+            <a:ext cx="3097726" cy="45719"/>
+          </a:xfrm>
+          <a:prstGeom prst="rect">
+            <a:avLst/>
+          </a:prstGeom>
+          <a:solidFill>
+            <a:schemeClr val="tx1">
+              <a:lumMod val="85000"/>
+              <a:lumOff val="15000"/>
+              <a:alpha val="40000"/>
+            </a:schemeClr>
+          </a:solidFill>
+          <a:ln>
+            <a:noFill/>
+          </a:ln>
+        </p:spPr>
+        <p:style>
+          <a:lnRef idx="2">
+            <a:schemeClr val="accent1">
+              <a:shade val="15000"/>
+            </a:schemeClr>
+          </a:lnRef>
+          <a:fillRef idx="1">
+            <a:schemeClr val="accent1"/>
+          </a:fillRef>
+          <a:effectRef idx="0">
+            <a:schemeClr val="accent1"/>
+          </a:effectRef>
+          <a:fontRef idx="minor">
+            <a:schemeClr val="lt1"/>
+          </a:fontRef>
+        </p:style>
+        <p:txBody>
+          <a:bodyPr rtlCol="0" anchor="ctr"/>
+          <a:lstStyle/>
+          <a:p>
+            <a:pPr algn="ctr"/>
+            <a:endParaRPr kumimoji="1" lang="ja-JP" altLang="en-US"/>
+          </a:p>
+        </p:txBody>
+      </p:sp>
+      <p:sp>
+        <p:nvSpPr>
+          <p:cNvPr id="21" name="四角形: 角を丸くする 20">
+            <a:extLst>
+              <a:ext uri="{FF2B5EF4-FFF2-40B4-BE49-F238E27FC236}">
+                <a16:creationId xmlns:a16="http://schemas.microsoft.com/office/drawing/2014/main" id="{D99CD465-AEE8-FAF2-F5E1-0B9C524DF030}"/>
+              </a:ext>
+            </a:extLst>
+          </p:cNvPr>
+          <p:cNvSpPr/>
+          <p:nvPr/>
+        </p:nvSpPr>
+        <p:spPr>
+          <a:xfrm>
+            <a:off x="5065088" y="5196750"/>
+            <a:ext cx="3086100" cy="194795"/>
+          </a:xfrm>
+          <a:prstGeom prst="roundRect">
+            <a:avLst>
+              <a:gd name="adj" fmla="val 5996"/>
+            </a:avLst>
+          </a:prstGeom>
+          <a:gradFill>
+            <a:gsLst>
+              <a:gs pos="0">
+                <a:srgbClr val="E1E2DE"/>
+              </a:gs>
+              <a:gs pos="17000">
+                <a:srgbClr val="D0CFCC"/>
+              </a:gs>
+              <a:gs pos="63000">
+                <a:srgbClr val="908C87"/>
+              </a:gs>
+              <a:gs pos="34000">
+                <a:srgbClr val="827D76"/>
+              </a:gs>
+              <a:gs pos="100000">
+                <a:srgbClr val="8B8A91"/>
+              </a:gs>
+              <a:gs pos="95000">
+                <a:srgbClr val="C3C3C3"/>
+              </a:gs>
+            </a:gsLst>
+            <a:lin ang="0" scaled="0"/>
+          </a:gradFill>
+          <a:ln>
+            <a:noFill/>
+          </a:ln>
+        </p:spPr>
+        <p:style>
+          <a:lnRef idx="2">
+            <a:schemeClr val="accent1">
+              <a:shade val="15000"/>
+            </a:schemeClr>
+          </a:lnRef>
+          <a:fillRef idx="1">
+            <a:schemeClr val="accent1"/>
+          </a:fillRef>
+          <a:effectRef idx="0">
+            <a:schemeClr val="accent1"/>
+          </a:effectRef>
+          <a:fontRef idx="minor">
+            <a:schemeClr val="lt1"/>
+          </a:fontRef>
+        </p:style>
+        <p:txBody>
+          <a:bodyPr rtlCol="0" anchor="ctr"/>
+          <a:lstStyle/>
+          <a:p>
+            <a:pPr algn="ctr"/>
+            <a:endParaRPr kumimoji="1" lang="ja-JP" altLang="en-US"/>
+          </a:p>
+        </p:txBody>
+      </p:sp>
+      <p:sp>
+        <p:nvSpPr>
+          <p:cNvPr id="22" name="四角形: 角を丸くする 21">
+            <a:extLst>
+              <a:ext uri="{FF2B5EF4-FFF2-40B4-BE49-F238E27FC236}">
+                <a16:creationId xmlns:a16="http://schemas.microsoft.com/office/drawing/2014/main" id="{0D9D015F-27AC-4447-EB68-F3C147838E65}"/>
+              </a:ext>
+            </a:extLst>
+          </p:cNvPr>
+          <p:cNvSpPr/>
+          <p:nvPr/>
+        </p:nvSpPr>
+        <p:spPr>
+          <a:xfrm>
+            <a:off x="6044259" y="5257149"/>
+            <a:ext cx="1129664" cy="172995"/>
+          </a:xfrm>
+          <a:custGeom>
+            <a:avLst/>
+            <a:gdLst>
+              <a:gd name="connsiteX0" fmla="*/ 0 w 1127759"/>
+              <a:gd name="connsiteY0" fmla="*/ 40071 h 172002"/>
+              <a:gd name="connsiteX1" fmla="*/ 40071 w 1127759"/>
+              <a:gd name="connsiteY1" fmla="*/ 0 h 172002"/>
+              <a:gd name="connsiteX2" fmla="*/ 1087688 w 1127759"/>
+              <a:gd name="connsiteY2" fmla="*/ 0 h 172002"/>
+              <a:gd name="connsiteX3" fmla="*/ 1127759 w 1127759"/>
+              <a:gd name="connsiteY3" fmla="*/ 40071 h 172002"/>
+              <a:gd name="connsiteX4" fmla="*/ 1127759 w 1127759"/>
+              <a:gd name="connsiteY4" fmla="*/ 131931 h 172002"/>
+              <a:gd name="connsiteX5" fmla="*/ 1087688 w 1127759"/>
+              <a:gd name="connsiteY5" fmla="*/ 172002 h 172002"/>
+              <a:gd name="connsiteX6" fmla="*/ 40071 w 1127759"/>
+              <a:gd name="connsiteY6" fmla="*/ 172002 h 172002"/>
+              <a:gd name="connsiteX7" fmla="*/ 0 w 1127759"/>
+              <a:gd name="connsiteY7" fmla="*/ 131931 h 172002"/>
+              <a:gd name="connsiteX8" fmla="*/ 0 w 1127759"/>
+              <a:gd name="connsiteY8" fmla="*/ 40071 h 172002"/>
+              <a:gd name="connsiteX0" fmla="*/ 0 w 1127759"/>
+              <a:gd name="connsiteY0" fmla="*/ 40071 h 172995"/>
+              <a:gd name="connsiteX1" fmla="*/ 40071 w 1127759"/>
+              <a:gd name="connsiteY1" fmla="*/ 0 h 172995"/>
+              <a:gd name="connsiteX2" fmla="*/ 1087688 w 1127759"/>
+              <a:gd name="connsiteY2" fmla="*/ 0 h 172995"/>
+              <a:gd name="connsiteX3" fmla="*/ 1127759 w 1127759"/>
+              <a:gd name="connsiteY3" fmla="*/ 40071 h 172995"/>
+              <a:gd name="connsiteX4" fmla="*/ 1127759 w 1127759"/>
+              <a:gd name="connsiteY4" fmla="*/ 131931 h 172995"/>
+              <a:gd name="connsiteX5" fmla="*/ 1087688 w 1127759"/>
+              <a:gd name="connsiteY5" fmla="*/ 172002 h 172995"/>
+              <a:gd name="connsiteX6" fmla="*/ 40071 w 1127759"/>
+              <a:gd name="connsiteY6" fmla="*/ 172002 h 172995"/>
+              <a:gd name="connsiteX7" fmla="*/ 3810 w 1127759"/>
+              <a:gd name="connsiteY7" fmla="*/ 156696 h 172995"/>
+              <a:gd name="connsiteX8" fmla="*/ 0 w 1127759"/>
+              <a:gd name="connsiteY8" fmla="*/ 40071 h 172995"/>
+              <a:gd name="connsiteX0" fmla="*/ 0 w 1129664"/>
+              <a:gd name="connsiteY0" fmla="*/ 40071 h 172995"/>
+              <a:gd name="connsiteX1" fmla="*/ 40071 w 1129664"/>
+              <a:gd name="connsiteY1" fmla="*/ 0 h 172995"/>
+              <a:gd name="connsiteX2" fmla="*/ 1087688 w 1129664"/>
+              <a:gd name="connsiteY2" fmla="*/ 0 h 172995"/>
+              <a:gd name="connsiteX3" fmla="*/ 1127759 w 1129664"/>
+              <a:gd name="connsiteY3" fmla="*/ 40071 h 172995"/>
+              <a:gd name="connsiteX4" fmla="*/ 1129664 w 1129664"/>
+              <a:gd name="connsiteY4" fmla="*/ 152886 h 172995"/>
+              <a:gd name="connsiteX5" fmla="*/ 1087688 w 1129664"/>
+              <a:gd name="connsiteY5" fmla="*/ 172002 h 172995"/>
+              <a:gd name="connsiteX6" fmla="*/ 40071 w 1129664"/>
+              <a:gd name="connsiteY6" fmla="*/ 172002 h 172995"/>
+              <a:gd name="connsiteX7" fmla="*/ 3810 w 1129664"/>
+              <a:gd name="connsiteY7" fmla="*/ 156696 h 172995"/>
+              <a:gd name="connsiteX8" fmla="*/ 0 w 1129664"/>
+              <a:gd name="connsiteY8" fmla="*/ 40071 h 172995"/>
+            </a:gdLst>
+            <a:ahLst/>
+            <a:cxnLst>
+              <a:cxn ang="0">
+                <a:pos x="connsiteX0" y="connsiteY0"/>
+              </a:cxn>
+              <a:cxn ang="0">
+                <a:pos x="connsiteX1" y="connsiteY1"/>
+              </a:cxn>
+              <a:cxn ang="0">
+                <a:pos x="connsiteX2" y="connsiteY2"/>
+              </a:cxn>
+              <a:cxn ang="0">
+                <a:pos x="connsiteX3" y="connsiteY3"/>
+              </a:cxn>
+              <a:cxn ang="0">
+                <a:pos x="connsiteX4" y="connsiteY4"/>
+              </a:cxn>
+              <a:cxn ang="0">
+                <a:pos x="connsiteX5" y="connsiteY5"/>
+              </a:cxn>
+              <a:cxn ang="0">
+                <a:pos x="connsiteX6" y="connsiteY6"/>
+              </a:cxn>
+              <a:cxn ang="0">
+                <a:pos x="connsiteX7" y="connsiteY7"/>
+              </a:cxn>
+              <a:cxn ang="0">
+                <a:pos x="connsiteX8" y="connsiteY8"/>
+              </a:cxn>
+            </a:cxnLst>
+            <a:rect l="l" t="t" r="r" b="b"/>
+            <a:pathLst>
+              <a:path w="1129664" h="172995">
+                <a:moveTo>
+                  <a:pt x="0" y="40071"/>
+                </a:moveTo>
+                <a:cubicBezTo>
+                  <a:pt x="0" y="17940"/>
+                  <a:pt x="17940" y="0"/>
+                  <a:pt x="40071" y="0"/>
+                </a:cubicBezTo>
+                <a:lnTo>
+                  <a:pt x="1087688" y="0"/>
+                </a:lnTo>
+                <a:cubicBezTo>
+                  <a:pt x="1109819" y="0"/>
+                  <a:pt x="1127759" y="17940"/>
+                  <a:pt x="1127759" y="40071"/>
+                </a:cubicBezTo>
+                <a:lnTo>
+                  <a:pt x="1129664" y="152886"/>
+                </a:lnTo>
+                <a:cubicBezTo>
+                  <a:pt x="1129664" y="175017"/>
+                  <a:pt x="1109819" y="172002"/>
+                  <a:pt x="1087688" y="172002"/>
+                </a:cubicBezTo>
+                <a:lnTo>
+                  <a:pt x="40071" y="172002"/>
+                </a:lnTo>
+                <a:cubicBezTo>
+                  <a:pt x="17940" y="172002"/>
+                  <a:pt x="3810" y="178827"/>
+                  <a:pt x="3810" y="156696"/>
+                </a:cubicBezTo>
+                <a:cubicBezTo>
+                  <a:pt x="3810" y="126076"/>
+                  <a:pt x="0" y="70691"/>
+                  <a:pt x="0" y="40071"/>
+                </a:cubicBezTo>
+                <a:close/>
+              </a:path>
+            </a:pathLst>
+          </a:custGeom>
+          <a:solidFill>
+            <a:srgbClr val="FF40FF"/>
+          </a:solidFill>
+          <a:ln>
+            <a:noFill/>
+          </a:ln>
+        </p:spPr>
+        <p:style>
+          <a:lnRef idx="2">
+            <a:schemeClr val="accent1">
+              <a:shade val="15000"/>
+            </a:schemeClr>
+          </a:lnRef>
+          <a:fillRef idx="1">
+            <a:schemeClr val="accent1"/>
+          </a:fillRef>
+          <a:effectRef idx="0">
+            <a:schemeClr val="accent1"/>
+          </a:effectRef>
+          <a:fontRef idx="minor">
+            <a:schemeClr val="lt1"/>
+          </a:fontRef>
+        </p:style>
+        <p:txBody>
+          <a:bodyPr rtlCol="0" anchor="ctr"/>
+          <a:lstStyle/>
+          <a:p>
+            <a:pPr algn="ctr"/>
+            <a:endParaRPr kumimoji="1" lang="ja-JP" altLang="en-US"/>
+          </a:p>
+        </p:txBody>
+      </p:sp>
+      <p:sp>
+        <p:nvSpPr>
+          <p:cNvPr id="29" name="正方形/長方形 28">
+            <a:extLst>
+              <a:ext uri="{FF2B5EF4-FFF2-40B4-BE49-F238E27FC236}">
+                <a16:creationId xmlns:a16="http://schemas.microsoft.com/office/drawing/2014/main" id="{39E77CE3-17C0-518B-C4E4-F509A26BD812}"/>
+              </a:ext>
+            </a:extLst>
+          </p:cNvPr>
+          <p:cNvSpPr/>
+          <p:nvPr/>
+        </p:nvSpPr>
+        <p:spPr>
+          <a:xfrm>
+            <a:off x="7072314" y="2446527"/>
+            <a:ext cx="828723" cy="293370"/>
+          </a:xfrm>
+          <a:prstGeom prst="rect">
+            <a:avLst/>
+          </a:prstGeom>
+          <a:solidFill>
+            <a:srgbClr val="FF40FF"/>
+          </a:solidFill>
+          <a:ln>
+            <a:noFill/>
+          </a:ln>
+        </p:spPr>
+        <p:style>
+          <a:lnRef idx="2">
+            <a:schemeClr val="accent1">
+              <a:shade val="15000"/>
+            </a:schemeClr>
+          </a:lnRef>
+          <a:fillRef idx="1">
+            <a:schemeClr val="accent1"/>
+          </a:fillRef>
+          <a:effectRef idx="0">
+            <a:schemeClr val="accent1"/>
+          </a:effectRef>
+          <a:fontRef idx="minor">
+            <a:schemeClr val="lt1"/>
+          </a:fontRef>
+        </p:style>
+        <p:txBody>
+          <a:bodyPr rtlCol="0" anchor="ctr"/>
+          <a:lstStyle/>
+          <a:p>
+            <a:pPr algn="ctr"/>
+            <a:endParaRPr kumimoji="1" lang="ja-JP" altLang="en-US"/>
+          </a:p>
+        </p:txBody>
+      </p:sp>
+      <p:sp>
+        <p:nvSpPr>
+          <p:cNvPr id="30" name="正方形/長方形 29">
+            <a:extLst>
+              <a:ext uri="{FF2B5EF4-FFF2-40B4-BE49-F238E27FC236}">
+                <a16:creationId xmlns:a16="http://schemas.microsoft.com/office/drawing/2014/main" id="{07BFC755-D49E-1582-0A53-DADA7F6126E5}"/>
+              </a:ext>
+            </a:extLst>
+          </p:cNvPr>
+          <p:cNvSpPr/>
+          <p:nvPr/>
+        </p:nvSpPr>
+        <p:spPr>
+          <a:xfrm>
+            <a:off x="6514368" y="2470448"/>
+            <a:ext cx="433611" cy="236215"/>
+          </a:xfrm>
+          <a:prstGeom prst="rect">
+            <a:avLst/>
+          </a:prstGeom>
+          <a:solidFill>
+            <a:srgbClr val="FF40FF"/>
+          </a:solidFill>
+          <a:ln>
+            <a:noFill/>
+          </a:ln>
+        </p:spPr>
+        <p:style>
+          <a:lnRef idx="2">
+            <a:schemeClr val="accent1">
+              <a:shade val="15000"/>
+            </a:schemeClr>
+          </a:lnRef>
+          <a:fillRef idx="1">
+            <a:schemeClr val="accent1"/>
+          </a:fillRef>
+          <a:effectRef idx="0">
+            <a:schemeClr val="accent1"/>
+          </a:effectRef>
+          <a:fontRef idx="minor">
+            <a:schemeClr val="lt1"/>
+          </a:fontRef>
+        </p:style>
+        <p:txBody>
+          <a:bodyPr rtlCol="0" anchor="ctr"/>
+          <a:lstStyle/>
+          <a:p>
+            <a:pPr algn="ctr"/>
+            <a:endParaRPr kumimoji="1" lang="ja-JP" altLang="en-US"/>
+          </a:p>
+        </p:txBody>
+      </p:sp>
+      <p:sp>
+        <p:nvSpPr>
+          <p:cNvPr id="31" name="四角形: 角を丸くする 30">
+            <a:extLst>
+              <a:ext uri="{FF2B5EF4-FFF2-40B4-BE49-F238E27FC236}">
+                <a16:creationId xmlns:a16="http://schemas.microsoft.com/office/drawing/2014/main" id="{A2554697-FB48-A0CB-3A02-DBF3495A780D}"/>
+              </a:ext>
+            </a:extLst>
+          </p:cNvPr>
+          <p:cNvSpPr/>
+          <p:nvPr/>
+        </p:nvSpPr>
+        <p:spPr>
+          <a:xfrm>
+            <a:off x="7571551" y="4523149"/>
+            <a:ext cx="605790" cy="227922"/>
+          </a:xfrm>
+          <a:prstGeom prst="roundRect">
+            <a:avLst>
+              <a:gd name="adj" fmla="val 7002"/>
+            </a:avLst>
+          </a:prstGeom>
+          <a:gradFill>
+            <a:gsLst>
+              <a:gs pos="100000">
+                <a:srgbClr val="97989A"/>
+              </a:gs>
+              <a:gs pos="31000">
+                <a:srgbClr val="7E7D81"/>
+              </a:gs>
+              <a:gs pos="0">
+                <a:srgbClr val="9EA4B2"/>
+              </a:gs>
+            </a:gsLst>
+            <a:lin ang="5400000" scaled="1"/>
+          </a:gradFill>
+          <a:ln>
+            <a:noFill/>
+          </a:ln>
+        </p:spPr>
+        <p:style>
+          <a:lnRef idx="2">
+            <a:schemeClr val="accent1">
+              <a:shade val="15000"/>
+            </a:schemeClr>
+          </a:lnRef>
+          <a:fillRef idx="1">
+            <a:schemeClr val="accent1"/>
+          </a:fillRef>
+          <a:effectRef idx="0">
+            <a:schemeClr val="accent1"/>
+          </a:effectRef>
+          <a:fontRef idx="minor">
+            <a:schemeClr val="lt1"/>
+          </a:fontRef>
+        </p:style>
+        <p:txBody>
+          <a:bodyPr rtlCol="0" anchor="ctr"/>
+          <a:lstStyle/>
+          <a:p>
+            <a:pPr algn="ctr"/>
+            <a:endParaRPr kumimoji="1" lang="ja-JP" altLang="en-US"/>
+          </a:p>
+        </p:txBody>
+      </p:sp>
+      <p:sp>
+        <p:nvSpPr>
+          <p:cNvPr id="32" name="四角形: 角を丸くする 31">
+            <a:extLst>
+              <a:ext uri="{FF2B5EF4-FFF2-40B4-BE49-F238E27FC236}">
+                <a16:creationId xmlns:a16="http://schemas.microsoft.com/office/drawing/2014/main" id="{8A7FC59B-6FEB-8C09-4CD3-64252AAD5BD8}"/>
+              </a:ext>
+            </a:extLst>
+          </p:cNvPr>
+          <p:cNvSpPr/>
+          <p:nvPr/>
+        </p:nvSpPr>
+        <p:spPr>
+          <a:xfrm>
+            <a:off x="7604760" y="4539614"/>
+            <a:ext cx="251460" cy="192405"/>
+          </a:xfrm>
+          <a:prstGeom prst="roundRect">
+            <a:avLst>
+              <a:gd name="adj" fmla="val 18157"/>
+            </a:avLst>
+          </a:prstGeom>
+          <a:gradFill>
+            <a:gsLst>
+              <a:gs pos="67000">
+                <a:srgbClr val="2C1C1C"/>
+              </a:gs>
+              <a:gs pos="0">
+                <a:srgbClr val="44393D"/>
+              </a:gs>
+            </a:gsLst>
+            <a:lin ang="5400000" scaled="1"/>
+          </a:gradFill>
+          <a:ln>
+            <a:noFill/>
+          </a:ln>
+        </p:spPr>
+        <p:style>
+          <a:lnRef idx="2">
+            <a:schemeClr val="accent1">
+              <a:shade val="15000"/>
+            </a:schemeClr>
+          </a:lnRef>
+          <a:fillRef idx="1">
+            <a:schemeClr val="accent1"/>
+          </a:fillRef>
+          <a:effectRef idx="0">
+            <a:schemeClr val="accent1"/>
+          </a:effectRef>
+          <a:fontRef idx="minor">
+            <a:schemeClr val="lt1"/>
+          </a:fontRef>
+        </p:style>
+        <p:txBody>
+          <a:bodyPr rtlCol="0" anchor="ctr"/>
+          <a:lstStyle/>
+          <a:p>
+            <a:pPr algn="ctr"/>
+            <a:endParaRPr kumimoji="1" lang="ja-JP" altLang="en-US"/>
+          </a:p>
+        </p:txBody>
+      </p:sp>
+      <p:pic>
+        <p:nvPicPr>
+          <p:cNvPr id="38" name="図 37">
+            <a:extLst>
+              <a:ext uri="{FF2B5EF4-FFF2-40B4-BE49-F238E27FC236}">
+                <a16:creationId xmlns:a16="http://schemas.microsoft.com/office/drawing/2014/main" id="{83825A3C-F5B2-013D-895B-ED1557D35D61}"/>
+              </a:ext>
+            </a:extLst>
+          </p:cNvPr>
+          <p:cNvPicPr>
+            <a:picLocks noChangeAspect="1"/>
+          </p:cNvPicPr>
+          <p:nvPr/>
+        </p:nvPicPr>
+        <p:blipFill>
+          <a:blip r:embed="rId5">
+            <a:extLst>
+              <a:ext uri="{BEBA8EAE-BF5A-486C-A8C5-ECC9F3942E4B}">
+                <a14:imgProps xmlns:a14="http://schemas.microsoft.com/office/drawing/2010/main">
+                  <a14:imgLayer r:embed="rId6">
+                    <a14:imgEffect>
+                      <a14:colorTemperature colorTemp="7563"/>
+                    </a14:imgEffect>
+                    <a14:imgEffect>
+                      <a14:saturation sat="136000"/>
+                    </a14:imgEffect>
+                    <a14:imgEffect>
+                      <a14:brightnessContrast bright="-4000" contrast="8000"/>
+                    </a14:imgEffect>
+                  </a14:imgLayer>
+                </a14:imgProps>
+              </a:ext>
+            </a:extLst>
+          </a:blip>
+          <a:stretch>
+            <a:fillRect/>
+          </a:stretch>
+        </p:blipFill>
+        <p:spPr>
+          <a:xfrm>
+            <a:off x="7889429" y="4547234"/>
+            <a:ext cx="251461" cy="182245"/>
+          </a:xfrm>
+          <a:prstGeom prst="rect">
+            <a:avLst/>
+          </a:prstGeom>
+        </p:spPr>
+      </p:pic>
+      <p:sp>
+        <p:nvSpPr>
+          <p:cNvPr id="39" name="四角形: 角を丸くする 38">
+            <a:extLst>
+              <a:ext uri="{FF2B5EF4-FFF2-40B4-BE49-F238E27FC236}">
+                <a16:creationId xmlns:a16="http://schemas.microsoft.com/office/drawing/2014/main" id="{18DB69B9-3B2F-004C-8660-0B7B9F10ADB6}"/>
+              </a:ext>
+            </a:extLst>
+          </p:cNvPr>
+          <p:cNvSpPr/>
+          <p:nvPr/>
+        </p:nvSpPr>
+        <p:spPr>
+          <a:xfrm>
+            <a:off x="5136475" y="4523149"/>
+            <a:ext cx="605790" cy="227922"/>
+          </a:xfrm>
+          <a:prstGeom prst="roundRect">
+            <a:avLst>
+              <a:gd name="adj" fmla="val 7002"/>
+            </a:avLst>
+          </a:prstGeom>
+          <a:gradFill>
+            <a:gsLst>
+              <a:gs pos="100000">
+                <a:srgbClr val="97989A"/>
+              </a:gs>
+              <a:gs pos="31000">
+                <a:srgbClr val="7E7D81"/>
+              </a:gs>
+              <a:gs pos="0">
+                <a:srgbClr val="9EA4B2"/>
+              </a:gs>
+            </a:gsLst>
+            <a:lin ang="5400000" scaled="1"/>
+          </a:gradFill>
+          <a:ln>
+            <a:noFill/>
+          </a:ln>
+        </p:spPr>
+        <p:style>
+          <a:lnRef idx="2">
+            <a:schemeClr val="accent1">
+              <a:shade val="15000"/>
+            </a:schemeClr>
+          </a:lnRef>
+          <a:fillRef idx="1">
+            <a:schemeClr val="accent1"/>
+          </a:fillRef>
+          <a:effectRef idx="0">
+            <a:schemeClr val="accent1"/>
+          </a:effectRef>
+          <a:fontRef idx="minor">
+            <a:schemeClr val="lt1"/>
+          </a:fontRef>
+        </p:style>
+        <p:txBody>
+          <a:bodyPr rtlCol="0" anchor="ctr"/>
+          <a:lstStyle/>
+          <a:p>
+            <a:pPr algn="ctr"/>
+            <a:endParaRPr kumimoji="1" lang="ja-JP" altLang="en-US"/>
+          </a:p>
+        </p:txBody>
+      </p:sp>
+      <p:sp>
+        <p:nvSpPr>
+          <p:cNvPr id="40" name="四角形: 角を丸くする 39">
+            <a:extLst>
+              <a:ext uri="{FF2B5EF4-FFF2-40B4-BE49-F238E27FC236}">
+                <a16:creationId xmlns:a16="http://schemas.microsoft.com/office/drawing/2014/main" id="{E8A77DC1-69EE-E0AD-D20D-02DEE0F49091}"/>
+              </a:ext>
+            </a:extLst>
+          </p:cNvPr>
+          <p:cNvSpPr/>
+          <p:nvPr/>
+        </p:nvSpPr>
+        <p:spPr>
+          <a:xfrm>
+            <a:off x="5454065" y="4538326"/>
+            <a:ext cx="251460" cy="192405"/>
+          </a:xfrm>
+          <a:prstGeom prst="roundRect">
+            <a:avLst>
+              <a:gd name="adj" fmla="val 18157"/>
+            </a:avLst>
+          </a:prstGeom>
+          <a:gradFill>
+            <a:gsLst>
+              <a:gs pos="67000">
+                <a:srgbClr val="2C1C1C"/>
+              </a:gs>
+              <a:gs pos="0">
+                <a:srgbClr val="44393D"/>
+              </a:gs>
+            </a:gsLst>
+            <a:lin ang="5400000" scaled="1"/>
+          </a:gradFill>
+          <a:ln>
+            <a:noFill/>
+          </a:ln>
+        </p:spPr>
+        <p:style>
+          <a:lnRef idx="2">
+            <a:schemeClr val="accent1">
+              <a:shade val="15000"/>
+            </a:schemeClr>
+          </a:lnRef>
+          <a:fillRef idx="1">
+            <a:schemeClr val="accent1"/>
+          </a:fillRef>
+          <a:effectRef idx="0">
+            <a:schemeClr val="accent1"/>
+          </a:effectRef>
+          <a:fontRef idx="minor">
+            <a:schemeClr val="lt1"/>
+          </a:fontRef>
+        </p:style>
+        <p:txBody>
+          <a:bodyPr rtlCol="0" anchor="ctr"/>
+          <a:lstStyle/>
+          <a:p>
+            <a:pPr algn="ctr"/>
+            <a:endParaRPr kumimoji="1" lang="ja-JP" altLang="en-US"/>
+          </a:p>
+        </p:txBody>
+      </p:sp>
+      <p:pic>
+        <p:nvPicPr>
+          <p:cNvPr id="41" name="図 40">
+            <a:extLst>
+              <a:ext uri="{FF2B5EF4-FFF2-40B4-BE49-F238E27FC236}">
+                <a16:creationId xmlns:a16="http://schemas.microsoft.com/office/drawing/2014/main" id="{4D965AC0-B6CB-C468-31D8-AA477CFB6FFC}"/>
+              </a:ext>
+            </a:extLst>
+          </p:cNvPr>
+          <p:cNvPicPr>
+            <a:picLocks noChangeAspect="1"/>
+          </p:cNvPicPr>
+          <p:nvPr/>
+        </p:nvPicPr>
+        <p:blipFill>
+          <a:blip r:embed="rId5">
+            <a:extLst>
+              <a:ext uri="{BEBA8EAE-BF5A-486C-A8C5-ECC9F3942E4B}">
+                <a14:imgProps xmlns:a14="http://schemas.microsoft.com/office/drawing/2010/main">
+                  <a14:imgLayer r:embed="rId6">
+                    <a14:imgEffect>
+                      <a14:colorTemperature colorTemp="7563"/>
+                    </a14:imgEffect>
+                    <a14:imgEffect>
+                      <a14:saturation sat="136000"/>
+                    </a14:imgEffect>
+                    <a14:imgEffect>
+                      <a14:brightnessContrast bright="-4000" contrast="8000"/>
+                    </a14:imgEffect>
+                  </a14:imgLayer>
+                </a14:imgProps>
+              </a:ext>
+            </a:extLst>
+          </a:blip>
+          <a:stretch>
+            <a:fillRect/>
+          </a:stretch>
+        </p:blipFill>
+        <p:spPr>
+          <a:xfrm>
+            <a:off x="5165985" y="4543405"/>
+            <a:ext cx="251461" cy="182245"/>
           </a:xfrm>
           <a:prstGeom prst="rect">
             <a:avLst/>
